--- a/presentation/Minha Saúde.pptx
+++ b/presentation/Minha Saúde.pptx
@@ -9,10 +9,10 @@
     <p:sldId id="257" r:id="rId3"/>
     <p:sldId id="258" r:id="rId4"/>
     <p:sldId id="259" r:id="rId5"/>
-    <p:sldId id="260" r:id="rId6"/>
-    <p:sldId id="261" r:id="rId7"/>
-    <p:sldId id="263" r:id="rId8"/>
-    <p:sldId id="262" r:id="rId9"/>
+    <p:sldId id="261" r:id="rId6"/>
+    <p:sldId id="289" r:id="rId7"/>
+    <p:sldId id="262" r:id="rId8"/>
+    <p:sldId id="290" r:id="rId9"/>
     <p:sldId id="264" r:id="rId10"/>
     <p:sldId id="265" r:id="rId11"/>
     <p:sldId id="267" r:id="rId12"/>
@@ -133,7 +133,838 @@
       </a:defRPr>
     </a:lvl9pPr>
   </p:defaultTextStyle>
+  <p:extLst>
+    <p:ext uri="{EFAFB233-063F-42B5-8137-9DF3F51BA10A}">
+      <p15:sldGuideLst xmlns:p15="http://schemas.microsoft.com/office/powerpoint/2012/main"/>
+    </p:ext>
+  </p:extLst>
 </p:presentation>
+</file>
+
+<file path=ppt/revisionInfo.xml><?xml version="1.0" encoding="utf-8"?>
+<p1510:revInfo xmlns:a="http://schemas.openxmlformats.org/drawingml/2006/main" xmlns:r="http://schemas.openxmlformats.org/officeDocument/2006/relationships" xmlns:p1510="http://schemas.microsoft.com/office/powerpoint/2015/10/main">
+  <p1510:revLst>
+    <p1510:client id="{E665EBCA-1E2F-443D-91FD-7BD81644C74D}" v="70" dt="2021-12-15T18:55:04.300"/>
+  </p1510:revLst>
+</p1510:revInfo>
+</file>
+
+<file path=ppt/changesInfos/changesInfo1.xml><?xml version="1.0" encoding="utf-8"?>
+<pc:chgInfo xmlns:a="http://schemas.openxmlformats.org/drawingml/2006/main" xmlns:r="http://schemas.openxmlformats.org/officeDocument/2006/relationships" xmlns:ac="http://schemas.microsoft.com/office/drawing/2013/main/command" xmlns:pc="http://schemas.microsoft.com/office/powerpoint/2013/main/command">
+  <pc:docChgLst>
+    <pc:chgData name="João Pedro Marques Mourão" userId="f6c00371-08d6-47b2-b424-12045b6f5743" providerId="ADAL" clId="{E665EBCA-1E2F-443D-91FD-7BD81644C74D}"/>
+    <pc:docChg chg="undo custSel addSld delSld modSld sldOrd">
+      <pc:chgData name="João Pedro Marques Mourão" userId="f6c00371-08d6-47b2-b424-12045b6f5743" providerId="ADAL" clId="{E665EBCA-1E2F-443D-91FD-7BD81644C74D}" dt="2021-12-15T18:56:23.552" v="439" actId="14100"/>
+      <pc:docMkLst>
+        <pc:docMk/>
+      </pc:docMkLst>
+      <pc:sldChg chg="modSp mod">
+        <pc:chgData name="João Pedro Marques Mourão" userId="f6c00371-08d6-47b2-b424-12045b6f5743" providerId="ADAL" clId="{E665EBCA-1E2F-443D-91FD-7BD81644C74D}" dt="2021-12-14T23:54:36.853" v="25" actId="27636"/>
+        <pc:sldMkLst>
+          <pc:docMk/>
+          <pc:sldMk cId="619197383" sldId="257"/>
+        </pc:sldMkLst>
+        <pc:spChg chg="mod">
+          <ac:chgData name="João Pedro Marques Mourão" userId="f6c00371-08d6-47b2-b424-12045b6f5743" providerId="ADAL" clId="{E665EBCA-1E2F-443D-91FD-7BD81644C74D}" dt="2021-12-14T23:54:36.853" v="25" actId="27636"/>
+          <ac:spMkLst>
+            <pc:docMk/>
+            <pc:sldMk cId="619197383" sldId="257"/>
+            <ac:spMk id="3" creationId="{1041A8A6-9C1D-4E5B-9294-EEF1EFDFD06E}"/>
+          </ac:spMkLst>
+        </pc:spChg>
+      </pc:sldChg>
+      <pc:sldChg chg="modSp mod">
+        <pc:chgData name="João Pedro Marques Mourão" userId="f6c00371-08d6-47b2-b424-12045b6f5743" providerId="ADAL" clId="{E665EBCA-1E2F-443D-91FD-7BD81644C74D}" dt="2021-12-14T23:54:45.418" v="27" actId="255"/>
+        <pc:sldMkLst>
+          <pc:docMk/>
+          <pc:sldMk cId="1549711646" sldId="258"/>
+        </pc:sldMkLst>
+        <pc:spChg chg="mod">
+          <ac:chgData name="João Pedro Marques Mourão" userId="f6c00371-08d6-47b2-b424-12045b6f5743" providerId="ADAL" clId="{E665EBCA-1E2F-443D-91FD-7BD81644C74D}" dt="2021-12-14T23:54:45.418" v="27" actId="255"/>
+          <ac:spMkLst>
+            <pc:docMk/>
+            <pc:sldMk cId="1549711646" sldId="258"/>
+            <ac:spMk id="3" creationId="{4B9B4F32-C7F2-4EA5-872B-909F7BA327DA}"/>
+          </ac:spMkLst>
+        </pc:spChg>
+      </pc:sldChg>
+      <pc:sldChg chg="del">
+        <pc:chgData name="João Pedro Marques Mourão" userId="f6c00371-08d6-47b2-b424-12045b6f5743" providerId="ADAL" clId="{E665EBCA-1E2F-443D-91FD-7BD81644C74D}" dt="2021-12-14T23:54:51.867" v="28" actId="47"/>
+        <pc:sldMkLst>
+          <pc:docMk/>
+          <pc:sldMk cId="3928590143" sldId="260"/>
+        </pc:sldMkLst>
+      </pc:sldChg>
+      <pc:sldChg chg="addSp delSp modSp mod">
+        <pc:chgData name="João Pedro Marques Mourão" userId="f6c00371-08d6-47b2-b424-12045b6f5743" providerId="ADAL" clId="{E665EBCA-1E2F-443D-91FD-7BD81644C74D}" dt="2021-12-15T18:55:43.745" v="433" actId="255"/>
+        <pc:sldMkLst>
+          <pc:docMk/>
+          <pc:sldMk cId="2657081250" sldId="262"/>
+        </pc:sldMkLst>
+        <pc:spChg chg="add del mod">
+          <ac:chgData name="João Pedro Marques Mourão" userId="f6c00371-08d6-47b2-b424-12045b6f5743" providerId="ADAL" clId="{E665EBCA-1E2F-443D-91FD-7BD81644C74D}" dt="2021-12-15T18:32:36.556" v="44" actId="478"/>
+          <ac:spMkLst>
+            <pc:docMk/>
+            <pc:sldMk cId="2657081250" sldId="262"/>
+            <ac:spMk id="3" creationId="{80300BD4-AE5B-41EA-87F3-235AA91D1F3D}"/>
+          </ac:spMkLst>
+        </pc:spChg>
+        <pc:graphicFrameChg chg="modGraphic">
+          <ac:chgData name="João Pedro Marques Mourão" userId="f6c00371-08d6-47b2-b424-12045b6f5743" providerId="ADAL" clId="{E665EBCA-1E2F-443D-91FD-7BD81644C74D}" dt="2021-12-15T18:55:43.745" v="433" actId="255"/>
+          <ac:graphicFrameMkLst>
+            <pc:docMk/>
+            <pc:sldMk cId="2657081250" sldId="262"/>
+            <ac:graphicFrameMk id="10" creationId="{39046BD1-511C-4960-9C61-B4DC328FEA24}"/>
+          </ac:graphicFrameMkLst>
+        </pc:graphicFrameChg>
+      </pc:sldChg>
+      <pc:sldChg chg="addSp delSp modSp del mod ord">
+        <pc:chgData name="João Pedro Marques Mourão" userId="f6c00371-08d6-47b2-b424-12045b6f5743" providerId="ADAL" clId="{E665EBCA-1E2F-443D-91FD-7BD81644C74D}" dt="2021-12-15T18:44:27.842" v="116" actId="47"/>
+        <pc:sldMkLst>
+          <pc:docMk/>
+          <pc:sldMk cId="1315042485" sldId="263"/>
+        </pc:sldMkLst>
+        <pc:spChg chg="mod">
+          <ac:chgData name="João Pedro Marques Mourão" userId="f6c00371-08d6-47b2-b424-12045b6f5743" providerId="ADAL" clId="{E665EBCA-1E2F-443D-91FD-7BD81644C74D}" dt="2021-12-15T18:43:35.353" v="112" actId="1076"/>
+          <ac:spMkLst>
+            <pc:docMk/>
+            <pc:sldMk cId="1315042485" sldId="263"/>
+            <ac:spMk id="2" creationId="{0E36B28D-7BCB-41A5-8F34-FCB51630EB28}"/>
+          </ac:spMkLst>
+        </pc:spChg>
+        <pc:spChg chg="add del mod">
+          <ac:chgData name="João Pedro Marques Mourão" userId="f6c00371-08d6-47b2-b424-12045b6f5743" providerId="ADAL" clId="{E665EBCA-1E2F-443D-91FD-7BD81644C74D}" dt="2021-12-15T18:44:22.396" v="115" actId="478"/>
+          <ac:spMkLst>
+            <pc:docMk/>
+            <pc:sldMk cId="1315042485" sldId="263"/>
+            <ac:spMk id="3" creationId="{E8E97AEA-8157-487E-8634-22143249DBED}"/>
+          </ac:spMkLst>
+        </pc:spChg>
+        <pc:spChg chg="add del mod">
+          <ac:chgData name="João Pedro Marques Mourão" userId="f6c00371-08d6-47b2-b424-12045b6f5743" providerId="ADAL" clId="{E665EBCA-1E2F-443D-91FD-7BD81644C74D}" dt="2021-12-14T23:56:42.258" v="40" actId="478"/>
+          <ac:spMkLst>
+            <pc:docMk/>
+            <pc:sldMk cId="1315042485" sldId="263"/>
+            <ac:spMk id="5" creationId="{51F63EEB-2B53-4A62-B762-521E1802F99B}"/>
+          </ac:spMkLst>
+        </pc:spChg>
+        <pc:spChg chg="del">
+          <ac:chgData name="João Pedro Marques Mourão" userId="f6c00371-08d6-47b2-b424-12045b6f5743" providerId="ADAL" clId="{E665EBCA-1E2F-443D-91FD-7BD81644C74D}" dt="2021-12-15T18:42:34.859" v="104" actId="26606"/>
+          <ac:spMkLst>
+            <pc:docMk/>
+            <pc:sldMk cId="1315042485" sldId="263"/>
+            <ac:spMk id="9" creationId="{040BF4A1-714C-419E-A19F-578DE93BE02F}"/>
+          </ac:spMkLst>
+        </pc:spChg>
+        <pc:spChg chg="del">
+          <ac:chgData name="João Pedro Marques Mourão" userId="f6c00371-08d6-47b2-b424-12045b6f5743" providerId="ADAL" clId="{E665EBCA-1E2F-443D-91FD-7BD81644C74D}" dt="2021-12-15T18:42:34.859" v="104" actId="26606"/>
+          <ac:spMkLst>
+            <pc:docMk/>
+            <pc:sldMk cId="1315042485" sldId="263"/>
+            <ac:spMk id="11" creationId="{2F91A9BD-D57F-4941-931F-40597AB37017}"/>
+          </ac:spMkLst>
+        </pc:spChg>
+        <pc:spChg chg="del">
+          <ac:chgData name="João Pedro Marques Mourão" userId="f6c00371-08d6-47b2-b424-12045b6f5743" providerId="ADAL" clId="{E665EBCA-1E2F-443D-91FD-7BD81644C74D}" dt="2021-12-15T18:42:34.859" v="104" actId="26606"/>
+          <ac:spMkLst>
+            <pc:docMk/>
+            <pc:sldMk cId="1315042485" sldId="263"/>
+            <ac:spMk id="13" creationId="{C54DB264-9467-4730-B9E9-C9A97DD66920}"/>
+          </ac:spMkLst>
+        </pc:spChg>
+        <pc:spChg chg="del">
+          <ac:chgData name="João Pedro Marques Mourão" userId="f6c00371-08d6-47b2-b424-12045b6f5743" providerId="ADAL" clId="{E665EBCA-1E2F-443D-91FD-7BD81644C74D}" dt="2021-12-15T18:42:34.859" v="104" actId="26606"/>
+          <ac:spMkLst>
+            <pc:docMk/>
+            <pc:sldMk cId="1315042485" sldId="263"/>
+            <ac:spMk id="15" creationId="{BB097F88-2120-47B4-B891-5B28F66BBD4A}"/>
+          </ac:spMkLst>
+        </pc:spChg>
+        <pc:spChg chg="del">
+          <ac:chgData name="João Pedro Marques Mourão" userId="f6c00371-08d6-47b2-b424-12045b6f5743" providerId="ADAL" clId="{E665EBCA-1E2F-443D-91FD-7BD81644C74D}" dt="2021-12-15T18:42:34.859" v="104" actId="26606"/>
+          <ac:spMkLst>
+            <pc:docMk/>
+            <pc:sldMk cId="1315042485" sldId="263"/>
+            <ac:spMk id="17" creationId="{BF9338F5-05AB-4DC5-BD1C-1A9F26C38A7A}"/>
+          </ac:spMkLst>
+        </pc:spChg>
+        <pc:spChg chg="add">
+          <ac:chgData name="João Pedro Marques Mourão" userId="f6c00371-08d6-47b2-b424-12045b6f5743" providerId="ADAL" clId="{E665EBCA-1E2F-443D-91FD-7BD81644C74D}" dt="2021-12-15T18:42:34.859" v="104" actId="26606"/>
+          <ac:spMkLst>
+            <pc:docMk/>
+            <pc:sldMk cId="1315042485" sldId="263"/>
+            <ac:spMk id="87" creationId="{BD4C0BBB-0042-4603-A226-6117F3FD5B3C}"/>
+          </ac:spMkLst>
+        </pc:spChg>
+        <pc:spChg chg="add">
+          <ac:chgData name="João Pedro Marques Mourão" userId="f6c00371-08d6-47b2-b424-12045b6f5743" providerId="ADAL" clId="{E665EBCA-1E2F-443D-91FD-7BD81644C74D}" dt="2021-12-15T18:42:34.859" v="104" actId="26606"/>
+          <ac:spMkLst>
+            <pc:docMk/>
+            <pc:sldMk cId="1315042485" sldId="263"/>
+            <ac:spMk id="89" creationId="{EC44F520-2598-460E-9F91-B02F60830CA2}"/>
+          </ac:spMkLst>
+        </pc:spChg>
+        <pc:spChg chg="add">
+          <ac:chgData name="João Pedro Marques Mourão" userId="f6c00371-08d6-47b2-b424-12045b6f5743" providerId="ADAL" clId="{E665EBCA-1E2F-443D-91FD-7BD81644C74D}" dt="2021-12-15T18:42:34.859" v="104" actId="26606"/>
+          <ac:spMkLst>
+            <pc:docMk/>
+            <pc:sldMk cId="1315042485" sldId="263"/>
+            <ac:spMk id="91" creationId="{F82025A0-5D1F-4054-8273-6A919D75D24A}"/>
+          </ac:spMkLst>
+        </pc:spChg>
+        <pc:spChg chg="add">
+          <ac:chgData name="João Pedro Marques Mourão" userId="f6c00371-08d6-47b2-b424-12045b6f5743" providerId="ADAL" clId="{E665EBCA-1E2F-443D-91FD-7BD81644C74D}" dt="2021-12-15T18:42:34.859" v="104" actId="26606"/>
+          <ac:spMkLst>
+            <pc:docMk/>
+            <pc:sldMk cId="1315042485" sldId="263"/>
+            <ac:spMk id="93" creationId="{C6244B84-452A-4BE8-BEA4-A7CCA098C401}"/>
+          </ac:spMkLst>
+        </pc:spChg>
+        <pc:spChg chg="add">
+          <ac:chgData name="João Pedro Marques Mourão" userId="f6c00371-08d6-47b2-b424-12045b6f5743" providerId="ADAL" clId="{E665EBCA-1E2F-443D-91FD-7BD81644C74D}" dt="2021-12-15T18:42:34.859" v="104" actId="26606"/>
+          <ac:spMkLst>
+            <pc:docMk/>
+            <pc:sldMk cId="1315042485" sldId="263"/>
+            <ac:spMk id="95" creationId="{96220EA9-AB07-4E8F-9E57-B281453FF53F}"/>
+          </ac:spMkLst>
+        </pc:spChg>
+        <pc:spChg chg="add">
+          <ac:chgData name="João Pedro Marques Mourão" userId="f6c00371-08d6-47b2-b424-12045b6f5743" providerId="ADAL" clId="{E665EBCA-1E2F-443D-91FD-7BD81644C74D}" dt="2021-12-15T18:42:34.859" v="104" actId="26606"/>
+          <ac:spMkLst>
+            <pc:docMk/>
+            <pc:sldMk cId="1315042485" sldId="263"/>
+            <ac:spMk id="97" creationId="{CC44646F-1A59-47A2-AD5D-54DCAECD5F12}"/>
+          </ac:spMkLst>
+        </pc:spChg>
+        <pc:spChg chg="add">
+          <ac:chgData name="João Pedro Marques Mourão" userId="f6c00371-08d6-47b2-b424-12045b6f5743" providerId="ADAL" clId="{E665EBCA-1E2F-443D-91FD-7BD81644C74D}" dt="2021-12-15T18:42:34.859" v="104" actId="26606"/>
+          <ac:spMkLst>
+            <pc:docMk/>
+            <pc:sldMk cId="1315042485" sldId="263"/>
+            <ac:spMk id="99" creationId="{C7544BED-FB42-4737-9370-482C3CE0D764}"/>
+          </ac:spMkLst>
+        </pc:spChg>
+        <pc:graphicFrameChg chg="del modGraphic">
+          <ac:chgData name="João Pedro Marques Mourão" userId="f6c00371-08d6-47b2-b424-12045b6f5743" providerId="ADAL" clId="{E665EBCA-1E2F-443D-91FD-7BD81644C74D}" dt="2021-12-14T23:56:39.386" v="39" actId="478"/>
+          <ac:graphicFrameMkLst>
+            <pc:docMk/>
+            <pc:sldMk cId="1315042485" sldId="263"/>
+            <ac:graphicFrameMk id="4" creationId="{049FE232-7872-4D6D-B90D-A7AFE2605246}"/>
+          </ac:graphicFrameMkLst>
+        </pc:graphicFrameChg>
+        <pc:picChg chg="add del mod">
+          <ac:chgData name="João Pedro Marques Mourão" userId="f6c00371-08d6-47b2-b424-12045b6f5743" providerId="ADAL" clId="{E665EBCA-1E2F-443D-91FD-7BD81644C74D}" dt="2021-12-15T18:41:11.414" v="63" actId="478"/>
+          <ac:picMkLst>
+            <pc:docMk/>
+            <pc:sldMk cId="1315042485" sldId="263"/>
+            <ac:picMk id="16" creationId="{10F7EEE1-3865-4980-BA53-A6B4D0BA6F29}"/>
+          </ac:picMkLst>
+        </pc:picChg>
+        <pc:picChg chg="add del mod">
+          <ac:chgData name="João Pedro Marques Mourão" userId="f6c00371-08d6-47b2-b424-12045b6f5743" providerId="ADAL" clId="{E665EBCA-1E2F-443D-91FD-7BD81644C74D}" dt="2021-12-15T18:41:11.414" v="63" actId="478"/>
+          <ac:picMkLst>
+            <pc:docMk/>
+            <pc:sldMk cId="1315042485" sldId="263"/>
+            <ac:picMk id="18" creationId="{A2C98203-D822-4A9C-828C-E69024D7BCD8}"/>
+          </ac:picMkLst>
+        </pc:picChg>
+        <pc:picChg chg="add del mod">
+          <ac:chgData name="João Pedro Marques Mourão" userId="f6c00371-08d6-47b2-b424-12045b6f5743" providerId="ADAL" clId="{E665EBCA-1E2F-443D-91FD-7BD81644C74D}" dt="2021-12-15T18:41:11.414" v="63" actId="478"/>
+          <ac:picMkLst>
+            <pc:docMk/>
+            <pc:sldMk cId="1315042485" sldId="263"/>
+            <ac:picMk id="19" creationId="{E98830B9-C768-4D11-A644-0110D80D2310}"/>
+          </ac:picMkLst>
+        </pc:picChg>
+        <pc:picChg chg="add del mod">
+          <ac:chgData name="João Pedro Marques Mourão" userId="f6c00371-08d6-47b2-b424-12045b6f5743" providerId="ADAL" clId="{E665EBCA-1E2F-443D-91FD-7BD81644C74D}" dt="2021-12-15T18:41:32.625" v="75" actId="478"/>
+          <ac:picMkLst>
+            <pc:docMk/>
+            <pc:sldMk cId="1315042485" sldId="263"/>
+            <ac:picMk id="20" creationId="{3E67B69C-4A49-46C9-AAFD-7380B40F49A6}"/>
+          </ac:picMkLst>
+        </pc:picChg>
+        <pc:picChg chg="add del mod">
+          <ac:chgData name="João Pedro Marques Mourão" userId="f6c00371-08d6-47b2-b424-12045b6f5743" providerId="ADAL" clId="{E665EBCA-1E2F-443D-91FD-7BD81644C74D}" dt="2021-12-15T18:41:33.386" v="76" actId="478"/>
+          <ac:picMkLst>
+            <pc:docMk/>
+            <pc:sldMk cId="1315042485" sldId="263"/>
+            <ac:picMk id="21" creationId="{C2789B80-4335-414E-A628-4CBA87DA181F}"/>
+          </ac:picMkLst>
+        </pc:picChg>
+        <pc:picChg chg="add del mod">
+          <ac:chgData name="João Pedro Marques Mourão" userId="f6c00371-08d6-47b2-b424-12045b6f5743" providerId="ADAL" clId="{E665EBCA-1E2F-443D-91FD-7BD81644C74D}" dt="2021-12-15T18:40:42.413" v="54" actId="478"/>
+          <ac:picMkLst>
+            <pc:docMk/>
+            <pc:sldMk cId="1315042485" sldId="263"/>
+            <ac:picMk id="1026" creationId="{4D475F6F-E259-4E47-AF81-E7F579C8CE04}"/>
+          </ac:picMkLst>
+        </pc:picChg>
+        <pc:picChg chg="add del mod">
+          <ac:chgData name="João Pedro Marques Mourão" userId="f6c00371-08d6-47b2-b424-12045b6f5743" providerId="ADAL" clId="{E665EBCA-1E2F-443D-91FD-7BD81644C74D}" dt="2021-12-15T18:40:42.413" v="54" actId="478"/>
+          <ac:picMkLst>
+            <pc:docMk/>
+            <pc:sldMk cId="1315042485" sldId="263"/>
+            <ac:picMk id="1028" creationId="{F1876A5E-02EB-4ED9-9FAF-1FE8DC1287F6}"/>
+          </ac:picMkLst>
+        </pc:picChg>
+        <pc:picChg chg="add del mod">
+          <ac:chgData name="João Pedro Marques Mourão" userId="f6c00371-08d6-47b2-b424-12045b6f5743" providerId="ADAL" clId="{E665EBCA-1E2F-443D-91FD-7BD81644C74D}" dt="2021-12-15T18:40:42.413" v="54" actId="478"/>
+          <ac:picMkLst>
+            <pc:docMk/>
+            <pc:sldMk cId="1315042485" sldId="263"/>
+            <ac:picMk id="1030" creationId="{F46D5B0C-4ACF-46AE-9B20-E7F5C6FF2EBE}"/>
+          </ac:picMkLst>
+        </pc:picChg>
+        <pc:picChg chg="add del mod">
+          <ac:chgData name="João Pedro Marques Mourão" userId="f6c00371-08d6-47b2-b424-12045b6f5743" providerId="ADAL" clId="{E665EBCA-1E2F-443D-91FD-7BD81644C74D}" dt="2021-12-15T18:40:42.413" v="54" actId="478"/>
+          <ac:picMkLst>
+            <pc:docMk/>
+            <pc:sldMk cId="1315042485" sldId="263"/>
+            <ac:picMk id="1032" creationId="{E54A68E4-239E-4649-9C5B-05B44F3F734F}"/>
+          </ac:picMkLst>
+        </pc:picChg>
+        <pc:picChg chg="add del mod">
+          <ac:chgData name="João Pedro Marques Mourão" userId="f6c00371-08d6-47b2-b424-12045b6f5743" providerId="ADAL" clId="{E665EBCA-1E2F-443D-91FD-7BD81644C74D}" dt="2021-12-15T18:42:32.412" v="103" actId="478"/>
+          <ac:picMkLst>
+            <pc:docMk/>
+            <pc:sldMk cId="1315042485" sldId="263"/>
+            <ac:picMk id="1034" creationId="{170EBBC3-3706-4D64-9D25-D61BB2ED25FD}"/>
+          </ac:picMkLst>
+        </pc:picChg>
+        <pc:picChg chg="add del mod">
+          <ac:chgData name="João Pedro Marques Mourão" userId="f6c00371-08d6-47b2-b424-12045b6f5743" providerId="ADAL" clId="{E665EBCA-1E2F-443D-91FD-7BD81644C74D}" dt="2021-12-15T18:42:31.796" v="102" actId="478"/>
+          <ac:picMkLst>
+            <pc:docMk/>
+            <pc:sldMk cId="1315042485" sldId="263"/>
+            <ac:picMk id="1036" creationId="{C410E847-2867-493C-81E7-41CCBC088584}"/>
+          </ac:picMkLst>
+        </pc:picChg>
+        <pc:picChg chg="add del mod">
+          <ac:chgData name="João Pedro Marques Mourão" userId="f6c00371-08d6-47b2-b424-12045b6f5743" providerId="ADAL" clId="{E665EBCA-1E2F-443D-91FD-7BD81644C74D}" dt="2021-12-15T18:42:31.270" v="101" actId="478"/>
+          <ac:picMkLst>
+            <pc:docMk/>
+            <pc:sldMk cId="1315042485" sldId="263"/>
+            <ac:picMk id="1038" creationId="{FB5B3186-426A-433D-B42C-3847E6B7AE3A}"/>
+          </ac:picMkLst>
+        </pc:picChg>
+        <pc:picChg chg="add del mod">
+          <ac:chgData name="João Pedro Marques Mourão" userId="f6c00371-08d6-47b2-b424-12045b6f5743" providerId="ADAL" clId="{E665EBCA-1E2F-443D-91FD-7BD81644C74D}" dt="2021-12-15T18:42:34.859" v="104" actId="26606"/>
+          <ac:picMkLst>
+            <pc:docMk/>
+            <pc:sldMk cId="1315042485" sldId="263"/>
+            <ac:picMk id="1040" creationId="{DFDC9765-27AB-4394-AE29-27F1462D43F6}"/>
+          </ac:picMkLst>
+        </pc:picChg>
+        <pc:picChg chg="add mod">
+          <ac:chgData name="João Pedro Marques Mourão" userId="f6c00371-08d6-47b2-b424-12045b6f5743" providerId="ADAL" clId="{E665EBCA-1E2F-443D-91FD-7BD81644C74D}" dt="2021-12-15T18:42:34.859" v="104" actId="26606"/>
+          <ac:picMkLst>
+            <pc:docMk/>
+            <pc:sldMk cId="1315042485" sldId="263"/>
+            <ac:picMk id="1042" creationId="{78C7CDD3-50B6-4208-BCED-511FA3B788D1}"/>
+          </ac:picMkLst>
+        </pc:picChg>
+      </pc:sldChg>
+      <pc:sldChg chg="delSp add del setBg delDesignElem">
+        <pc:chgData name="João Pedro Marques Mourão" userId="f6c00371-08d6-47b2-b424-12045b6f5743" providerId="ADAL" clId="{E665EBCA-1E2F-443D-91FD-7BD81644C74D}" dt="2021-12-15T18:42:10.781" v="92" actId="47"/>
+        <pc:sldMkLst>
+          <pc:docMk/>
+          <pc:sldMk cId="1723233911" sldId="289"/>
+        </pc:sldMkLst>
+        <pc:spChg chg="del">
+          <ac:chgData name="João Pedro Marques Mourão" userId="f6c00371-08d6-47b2-b424-12045b6f5743" providerId="ADAL" clId="{E665EBCA-1E2F-443D-91FD-7BD81644C74D}" dt="2021-12-15T18:42:06.270" v="91"/>
+          <ac:spMkLst>
+            <pc:docMk/>
+            <pc:sldMk cId="1723233911" sldId="289"/>
+            <ac:spMk id="9" creationId="{040BF4A1-714C-419E-A19F-578DE93BE02F}"/>
+          </ac:spMkLst>
+        </pc:spChg>
+        <pc:spChg chg="del">
+          <ac:chgData name="João Pedro Marques Mourão" userId="f6c00371-08d6-47b2-b424-12045b6f5743" providerId="ADAL" clId="{E665EBCA-1E2F-443D-91FD-7BD81644C74D}" dt="2021-12-15T18:42:06.270" v="91"/>
+          <ac:spMkLst>
+            <pc:docMk/>
+            <pc:sldMk cId="1723233911" sldId="289"/>
+            <ac:spMk id="11" creationId="{2F91A9BD-D57F-4941-931F-40597AB37017}"/>
+          </ac:spMkLst>
+        </pc:spChg>
+        <pc:spChg chg="del">
+          <ac:chgData name="João Pedro Marques Mourão" userId="f6c00371-08d6-47b2-b424-12045b6f5743" providerId="ADAL" clId="{E665EBCA-1E2F-443D-91FD-7BD81644C74D}" dt="2021-12-15T18:42:06.270" v="91"/>
+          <ac:spMkLst>
+            <pc:docMk/>
+            <pc:sldMk cId="1723233911" sldId="289"/>
+            <ac:spMk id="13" creationId="{C54DB264-9467-4730-B9E9-C9A97DD66920}"/>
+          </ac:spMkLst>
+        </pc:spChg>
+        <pc:spChg chg="del">
+          <ac:chgData name="João Pedro Marques Mourão" userId="f6c00371-08d6-47b2-b424-12045b6f5743" providerId="ADAL" clId="{E665EBCA-1E2F-443D-91FD-7BD81644C74D}" dt="2021-12-15T18:42:06.270" v="91"/>
+          <ac:spMkLst>
+            <pc:docMk/>
+            <pc:sldMk cId="1723233911" sldId="289"/>
+            <ac:spMk id="15" creationId="{BB097F88-2120-47B4-B891-5B28F66BBD4A}"/>
+          </ac:spMkLst>
+        </pc:spChg>
+        <pc:spChg chg="del">
+          <ac:chgData name="João Pedro Marques Mourão" userId="f6c00371-08d6-47b2-b424-12045b6f5743" providerId="ADAL" clId="{E665EBCA-1E2F-443D-91FD-7BD81644C74D}" dt="2021-12-15T18:42:06.270" v="91"/>
+          <ac:spMkLst>
+            <pc:docMk/>
+            <pc:sldMk cId="1723233911" sldId="289"/>
+            <ac:spMk id="17" creationId="{BF9338F5-05AB-4DC5-BD1C-1A9F26C38A7A}"/>
+          </ac:spMkLst>
+        </pc:spChg>
+      </pc:sldChg>
+      <pc:sldChg chg="addSp delSp modSp add mod addAnim">
+        <pc:chgData name="João Pedro Marques Mourão" userId="f6c00371-08d6-47b2-b424-12045b6f5743" providerId="ADAL" clId="{E665EBCA-1E2F-443D-91FD-7BD81644C74D}" dt="2021-12-15T18:54:56.263" v="426" actId="20577"/>
+        <pc:sldMkLst>
+          <pc:docMk/>
+          <pc:sldMk cId="3285620180" sldId="289"/>
+        </pc:sldMkLst>
+        <pc:spChg chg="mod">
+          <ac:chgData name="João Pedro Marques Mourão" userId="f6c00371-08d6-47b2-b424-12045b6f5743" providerId="ADAL" clId="{E665EBCA-1E2F-443D-91FD-7BD81644C74D}" dt="2021-12-15T18:43:31.168" v="111" actId="1076"/>
+          <ac:spMkLst>
+            <pc:docMk/>
+            <pc:sldMk cId="3285620180" sldId="289"/>
+            <ac:spMk id="2" creationId="{0E36B28D-7BCB-41A5-8F34-FCB51630EB28}"/>
+          </ac:spMkLst>
+        </pc:spChg>
+        <pc:spChg chg="add del mod">
+          <ac:chgData name="João Pedro Marques Mourão" userId="f6c00371-08d6-47b2-b424-12045b6f5743" providerId="ADAL" clId="{E665EBCA-1E2F-443D-91FD-7BD81644C74D}" dt="2021-12-15T18:53:24.528" v="307" actId="1076"/>
+          <ac:spMkLst>
+            <pc:docMk/>
+            <pc:sldMk cId="3285620180" sldId="289"/>
+            <ac:spMk id="3" creationId="{40B3840E-613F-4F23-8C75-995E4543C39A}"/>
+          </ac:spMkLst>
+        </pc:spChg>
+        <pc:spChg chg="add del">
+          <ac:chgData name="João Pedro Marques Mourão" userId="f6c00371-08d6-47b2-b424-12045b6f5743" providerId="ADAL" clId="{E665EBCA-1E2F-443D-91FD-7BD81644C74D}" dt="2021-12-15T18:42:40.347" v="107" actId="26606"/>
+          <ac:spMkLst>
+            <pc:docMk/>
+            <pc:sldMk cId="3285620180" sldId="289"/>
+            <ac:spMk id="9" creationId="{040BF4A1-714C-419E-A19F-578DE93BE02F}"/>
+          </ac:spMkLst>
+        </pc:spChg>
+        <pc:spChg chg="add del">
+          <ac:chgData name="João Pedro Marques Mourão" userId="f6c00371-08d6-47b2-b424-12045b6f5743" providerId="ADAL" clId="{E665EBCA-1E2F-443D-91FD-7BD81644C74D}" dt="2021-12-15T18:42:40.347" v="107" actId="26606"/>
+          <ac:spMkLst>
+            <pc:docMk/>
+            <pc:sldMk cId="3285620180" sldId="289"/>
+            <ac:spMk id="11" creationId="{2F91A9BD-D57F-4941-931F-40597AB37017}"/>
+          </ac:spMkLst>
+        </pc:spChg>
+        <pc:spChg chg="add del">
+          <ac:chgData name="João Pedro Marques Mourão" userId="f6c00371-08d6-47b2-b424-12045b6f5743" providerId="ADAL" clId="{E665EBCA-1E2F-443D-91FD-7BD81644C74D}" dt="2021-12-15T18:42:40.347" v="107" actId="26606"/>
+          <ac:spMkLst>
+            <pc:docMk/>
+            <pc:sldMk cId="3285620180" sldId="289"/>
+            <ac:spMk id="13" creationId="{C54DB264-9467-4730-B9E9-C9A97DD66920}"/>
+          </ac:spMkLst>
+        </pc:spChg>
+        <pc:spChg chg="add del">
+          <ac:chgData name="João Pedro Marques Mourão" userId="f6c00371-08d6-47b2-b424-12045b6f5743" providerId="ADAL" clId="{E665EBCA-1E2F-443D-91FD-7BD81644C74D}" dt="2021-12-15T18:42:40.347" v="107" actId="26606"/>
+          <ac:spMkLst>
+            <pc:docMk/>
+            <pc:sldMk cId="3285620180" sldId="289"/>
+            <ac:spMk id="15" creationId="{BB097F88-2120-47B4-B891-5B28F66BBD4A}"/>
+          </ac:spMkLst>
+        </pc:spChg>
+        <pc:spChg chg="add del">
+          <ac:chgData name="João Pedro Marques Mourão" userId="f6c00371-08d6-47b2-b424-12045b6f5743" providerId="ADAL" clId="{E665EBCA-1E2F-443D-91FD-7BD81644C74D}" dt="2021-12-15T18:42:40.347" v="107" actId="26606"/>
+          <ac:spMkLst>
+            <pc:docMk/>
+            <pc:sldMk cId="3285620180" sldId="289"/>
+            <ac:spMk id="17" creationId="{BF9338F5-05AB-4DC5-BD1C-1A9F26C38A7A}"/>
+          </ac:spMkLst>
+        </pc:spChg>
+        <pc:spChg chg="add mod">
+          <ac:chgData name="João Pedro Marques Mourão" userId="f6c00371-08d6-47b2-b424-12045b6f5743" providerId="ADAL" clId="{E665EBCA-1E2F-443D-91FD-7BD81644C74D}" dt="2021-12-15T18:46:43.933" v="175" actId="20577"/>
+          <ac:spMkLst>
+            <pc:docMk/>
+            <pc:sldMk cId="3285620180" sldId="289"/>
+            <ac:spMk id="26" creationId="{108C3068-0847-4118-A46C-C5C27F0A1B3E}"/>
+          </ac:spMkLst>
+        </pc:spChg>
+        <pc:spChg chg="add mod">
+          <ac:chgData name="João Pedro Marques Mourão" userId="f6c00371-08d6-47b2-b424-12045b6f5743" providerId="ADAL" clId="{E665EBCA-1E2F-443D-91FD-7BD81644C74D}" dt="2021-12-15T18:46:34.049" v="156" actId="20577"/>
+          <ac:spMkLst>
+            <pc:docMk/>
+            <pc:sldMk cId="3285620180" sldId="289"/>
+            <ac:spMk id="27" creationId="{ABB553C3-CFFA-471F-9FA6-ED10E891E634}"/>
+          </ac:spMkLst>
+        </pc:spChg>
+        <pc:spChg chg="add mod">
+          <ac:chgData name="João Pedro Marques Mourão" userId="f6c00371-08d6-47b2-b424-12045b6f5743" providerId="ADAL" clId="{E665EBCA-1E2F-443D-91FD-7BD81644C74D}" dt="2021-12-15T18:53:55.712" v="310" actId="1076"/>
+          <ac:spMkLst>
+            <pc:docMk/>
+            <pc:sldMk cId="3285620180" sldId="289"/>
+            <ac:spMk id="28" creationId="{131EB1BE-5873-4C19-8676-0432C021068D}"/>
+          </ac:spMkLst>
+        </pc:spChg>
+        <pc:spChg chg="add mod">
+          <ac:chgData name="João Pedro Marques Mourão" userId="f6c00371-08d6-47b2-b424-12045b6f5743" providerId="ADAL" clId="{E665EBCA-1E2F-443D-91FD-7BD81644C74D}" dt="2021-12-15T18:52:11.632" v="304" actId="1076"/>
+          <ac:spMkLst>
+            <pc:docMk/>
+            <pc:sldMk cId="3285620180" sldId="289"/>
+            <ac:spMk id="29" creationId="{70AF52EC-662C-4A65-868C-6D5ABD769C9B}"/>
+          </ac:spMkLst>
+        </pc:spChg>
+        <pc:spChg chg="add mod">
+          <ac:chgData name="João Pedro Marques Mourão" userId="f6c00371-08d6-47b2-b424-12045b6f5743" providerId="ADAL" clId="{E665EBCA-1E2F-443D-91FD-7BD81644C74D}" dt="2021-12-15T18:54:56.263" v="426" actId="20577"/>
+          <ac:spMkLst>
+            <pc:docMk/>
+            <pc:sldMk cId="3285620180" sldId="289"/>
+            <ac:spMk id="30" creationId="{BAB0E4A6-6AD4-4895-9363-D60EF47F7BB3}"/>
+          </ac:spMkLst>
+        </pc:spChg>
+        <pc:spChg chg="add del">
+          <ac:chgData name="João Pedro Marques Mourão" userId="f6c00371-08d6-47b2-b424-12045b6f5743" providerId="ADAL" clId="{E665EBCA-1E2F-443D-91FD-7BD81644C74D}" dt="2021-12-15T18:42:40.328" v="106" actId="26606"/>
+          <ac:spMkLst>
+            <pc:docMk/>
+            <pc:sldMk cId="3285620180" sldId="289"/>
+            <ac:spMk id="83" creationId="{BD4C0BBB-0042-4603-A226-6117F3FD5B3C}"/>
+          </ac:spMkLst>
+        </pc:spChg>
+        <pc:spChg chg="add del">
+          <ac:chgData name="João Pedro Marques Mourão" userId="f6c00371-08d6-47b2-b424-12045b6f5743" providerId="ADAL" clId="{E665EBCA-1E2F-443D-91FD-7BD81644C74D}" dt="2021-12-15T18:42:40.328" v="106" actId="26606"/>
+          <ac:spMkLst>
+            <pc:docMk/>
+            <pc:sldMk cId="3285620180" sldId="289"/>
+            <ac:spMk id="85" creationId="{EC44F520-2598-460E-9F91-B02F60830CA2}"/>
+          </ac:spMkLst>
+        </pc:spChg>
+        <pc:spChg chg="add del">
+          <ac:chgData name="João Pedro Marques Mourão" userId="f6c00371-08d6-47b2-b424-12045b6f5743" providerId="ADAL" clId="{E665EBCA-1E2F-443D-91FD-7BD81644C74D}" dt="2021-12-15T18:42:40.328" v="106" actId="26606"/>
+          <ac:spMkLst>
+            <pc:docMk/>
+            <pc:sldMk cId="3285620180" sldId="289"/>
+            <ac:spMk id="87" creationId="{B0751082-60BF-432A-AD9D-04B0BAC50A0B}"/>
+          </ac:spMkLst>
+        </pc:spChg>
+        <pc:spChg chg="add del">
+          <ac:chgData name="João Pedro Marques Mourão" userId="f6c00371-08d6-47b2-b424-12045b6f5743" providerId="ADAL" clId="{E665EBCA-1E2F-443D-91FD-7BD81644C74D}" dt="2021-12-15T18:42:40.328" v="106" actId="26606"/>
+          <ac:spMkLst>
+            <pc:docMk/>
+            <pc:sldMk cId="3285620180" sldId="289"/>
+            <ac:spMk id="89" creationId="{C6244B84-452A-4BE8-BEA4-A7CCA098C401}"/>
+          </ac:spMkLst>
+        </pc:spChg>
+        <pc:spChg chg="add del">
+          <ac:chgData name="João Pedro Marques Mourão" userId="f6c00371-08d6-47b2-b424-12045b6f5743" providerId="ADAL" clId="{E665EBCA-1E2F-443D-91FD-7BD81644C74D}" dt="2021-12-15T18:42:40.328" v="106" actId="26606"/>
+          <ac:spMkLst>
+            <pc:docMk/>
+            <pc:sldMk cId="3285620180" sldId="289"/>
+            <ac:spMk id="91" creationId="{96220EA9-AB07-4E8F-9E57-B281453FF53F}"/>
+          </ac:spMkLst>
+        </pc:spChg>
+        <pc:spChg chg="add del">
+          <ac:chgData name="João Pedro Marques Mourão" userId="f6c00371-08d6-47b2-b424-12045b6f5743" providerId="ADAL" clId="{E665EBCA-1E2F-443D-91FD-7BD81644C74D}" dt="2021-12-15T18:42:40.328" v="106" actId="26606"/>
+          <ac:spMkLst>
+            <pc:docMk/>
+            <pc:sldMk cId="3285620180" sldId="289"/>
+            <ac:spMk id="93" creationId="{CC44646F-1A59-47A2-AD5D-54DCAECD5F12}"/>
+          </ac:spMkLst>
+        </pc:spChg>
+        <pc:spChg chg="add del">
+          <ac:chgData name="João Pedro Marques Mourão" userId="f6c00371-08d6-47b2-b424-12045b6f5743" providerId="ADAL" clId="{E665EBCA-1E2F-443D-91FD-7BD81644C74D}" dt="2021-12-15T18:42:40.328" v="106" actId="26606"/>
+          <ac:spMkLst>
+            <pc:docMk/>
+            <pc:sldMk cId="3285620180" sldId="289"/>
+            <ac:spMk id="95" creationId="{C7544BED-FB42-4737-9370-482C3CE0D764}"/>
+          </ac:spMkLst>
+        </pc:spChg>
+        <pc:spChg chg="add">
+          <ac:chgData name="João Pedro Marques Mourão" userId="f6c00371-08d6-47b2-b424-12045b6f5743" providerId="ADAL" clId="{E665EBCA-1E2F-443D-91FD-7BD81644C74D}" dt="2021-12-15T18:42:40.347" v="107" actId="26606"/>
+          <ac:spMkLst>
+            <pc:docMk/>
+            <pc:sldMk cId="3285620180" sldId="289"/>
+            <ac:spMk id="1041" creationId="{BD4C0BBB-0042-4603-A226-6117F3FD5B3C}"/>
+          </ac:spMkLst>
+        </pc:spChg>
+        <pc:spChg chg="add">
+          <ac:chgData name="João Pedro Marques Mourão" userId="f6c00371-08d6-47b2-b424-12045b6f5743" providerId="ADAL" clId="{E665EBCA-1E2F-443D-91FD-7BD81644C74D}" dt="2021-12-15T18:42:40.347" v="107" actId="26606"/>
+          <ac:spMkLst>
+            <pc:docMk/>
+            <pc:sldMk cId="3285620180" sldId="289"/>
+            <ac:spMk id="1043" creationId="{EC44F520-2598-460E-9F91-B02F60830CA2}"/>
+          </ac:spMkLst>
+        </pc:spChg>
+        <pc:spChg chg="add">
+          <ac:chgData name="João Pedro Marques Mourão" userId="f6c00371-08d6-47b2-b424-12045b6f5743" providerId="ADAL" clId="{E665EBCA-1E2F-443D-91FD-7BD81644C74D}" dt="2021-12-15T18:42:40.347" v="107" actId="26606"/>
+          <ac:spMkLst>
+            <pc:docMk/>
+            <pc:sldMk cId="3285620180" sldId="289"/>
+            <ac:spMk id="1044" creationId="{FD008339-2B0F-462E-B561-4A45B23B2CE0}"/>
+          </ac:spMkLst>
+        </pc:spChg>
+        <pc:spChg chg="add">
+          <ac:chgData name="João Pedro Marques Mourão" userId="f6c00371-08d6-47b2-b424-12045b6f5743" providerId="ADAL" clId="{E665EBCA-1E2F-443D-91FD-7BD81644C74D}" dt="2021-12-15T18:42:40.347" v="107" actId="26606"/>
+          <ac:spMkLst>
+            <pc:docMk/>
+            <pc:sldMk cId="3285620180" sldId="289"/>
+            <ac:spMk id="1045" creationId="{9221F64C-F118-4805-A903-A933923342FD}"/>
+          </ac:spMkLst>
+        </pc:spChg>
+        <pc:spChg chg="add">
+          <ac:chgData name="João Pedro Marques Mourão" userId="f6c00371-08d6-47b2-b424-12045b6f5743" providerId="ADAL" clId="{E665EBCA-1E2F-443D-91FD-7BD81644C74D}" dt="2021-12-15T18:42:40.347" v="107" actId="26606"/>
+          <ac:spMkLst>
+            <pc:docMk/>
+            <pc:sldMk cId="3285620180" sldId="289"/>
+            <ac:spMk id="1046" creationId="{5B6DADAD-ACA2-49B8-9C1D-909C99176A75}"/>
+          </ac:spMkLst>
+        </pc:spChg>
+        <pc:picChg chg="mod ord">
+          <ac:chgData name="João Pedro Marques Mourão" userId="f6c00371-08d6-47b2-b424-12045b6f5743" providerId="ADAL" clId="{E665EBCA-1E2F-443D-91FD-7BD81644C74D}" dt="2021-12-15T18:42:40.347" v="107" actId="26606"/>
+          <ac:picMkLst>
+            <pc:docMk/>
+            <pc:sldMk cId="3285620180" sldId="289"/>
+            <ac:picMk id="1034" creationId="{170EBBC3-3706-4D64-9D25-D61BB2ED25FD}"/>
+          </ac:picMkLst>
+        </pc:picChg>
+        <pc:picChg chg="mod ord">
+          <ac:chgData name="João Pedro Marques Mourão" userId="f6c00371-08d6-47b2-b424-12045b6f5743" providerId="ADAL" clId="{E665EBCA-1E2F-443D-91FD-7BD81644C74D}" dt="2021-12-15T18:42:40.347" v="107" actId="26606"/>
+          <ac:picMkLst>
+            <pc:docMk/>
+            <pc:sldMk cId="3285620180" sldId="289"/>
+            <ac:picMk id="1036" creationId="{C410E847-2867-493C-81E7-41CCBC088584}"/>
+          </ac:picMkLst>
+        </pc:picChg>
+        <pc:picChg chg="mod ord">
+          <ac:chgData name="João Pedro Marques Mourão" userId="f6c00371-08d6-47b2-b424-12045b6f5743" providerId="ADAL" clId="{E665EBCA-1E2F-443D-91FD-7BD81644C74D}" dt="2021-12-15T18:42:40.347" v="107" actId="26606"/>
+          <ac:picMkLst>
+            <pc:docMk/>
+            <pc:sldMk cId="3285620180" sldId="289"/>
+            <ac:picMk id="1038" creationId="{FB5B3186-426A-433D-B42C-3847E6B7AE3A}"/>
+          </ac:picMkLst>
+        </pc:picChg>
+        <pc:picChg chg="del">
+          <ac:chgData name="João Pedro Marques Mourão" userId="f6c00371-08d6-47b2-b424-12045b6f5743" providerId="ADAL" clId="{E665EBCA-1E2F-443D-91FD-7BD81644C74D}" dt="2021-12-15T18:42:17.902" v="95" actId="478"/>
+          <ac:picMkLst>
+            <pc:docMk/>
+            <pc:sldMk cId="3285620180" sldId="289"/>
+            <ac:picMk id="1040" creationId="{DFDC9765-27AB-4394-AE29-27F1462D43F6}"/>
+          </ac:picMkLst>
+        </pc:picChg>
+        <pc:picChg chg="del">
+          <ac:chgData name="João Pedro Marques Mourão" userId="f6c00371-08d6-47b2-b424-12045b6f5743" providerId="ADAL" clId="{E665EBCA-1E2F-443D-91FD-7BD81644C74D}" dt="2021-12-15T18:42:17.209" v="94" actId="478"/>
+          <ac:picMkLst>
+            <pc:docMk/>
+            <pc:sldMk cId="3285620180" sldId="289"/>
+            <ac:picMk id="1042" creationId="{78C7CDD3-50B6-4208-BCED-511FA3B788D1}"/>
+          </ac:picMkLst>
+        </pc:picChg>
+      </pc:sldChg>
+      <pc:sldChg chg="delSp add del setBg delDesignElem">
+        <pc:chgData name="João Pedro Marques Mourão" userId="f6c00371-08d6-47b2-b424-12045b6f5743" providerId="ADAL" clId="{E665EBCA-1E2F-443D-91FD-7BD81644C74D}" dt="2021-12-15T18:45:12.674" v="124" actId="47"/>
+        <pc:sldMkLst>
+          <pc:docMk/>
+          <pc:sldMk cId="471313221" sldId="290"/>
+        </pc:sldMkLst>
+        <pc:spChg chg="del">
+          <ac:chgData name="João Pedro Marques Mourão" userId="f6c00371-08d6-47b2-b424-12045b6f5743" providerId="ADAL" clId="{E665EBCA-1E2F-443D-91FD-7BD81644C74D}" dt="2021-12-15T18:45:08.132" v="120"/>
+          <ac:spMkLst>
+            <pc:docMk/>
+            <pc:sldMk cId="471313221" sldId="290"/>
+            <ac:spMk id="1041" creationId="{BD4C0BBB-0042-4603-A226-6117F3FD5B3C}"/>
+          </ac:spMkLst>
+        </pc:spChg>
+        <pc:spChg chg="del">
+          <ac:chgData name="João Pedro Marques Mourão" userId="f6c00371-08d6-47b2-b424-12045b6f5743" providerId="ADAL" clId="{E665EBCA-1E2F-443D-91FD-7BD81644C74D}" dt="2021-12-15T18:45:08.132" v="120"/>
+          <ac:spMkLst>
+            <pc:docMk/>
+            <pc:sldMk cId="471313221" sldId="290"/>
+            <ac:spMk id="1043" creationId="{EC44F520-2598-460E-9F91-B02F60830CA2}"/>
+          </ac:spMkLst>
+        </pc:spChg>
+        <pc:spChg chg="del">
+          <ac:chgData name="João Pedro Marques Mourão" userId="f6c00371-08d6-47b2-b424-12045b6f5743" providerId="ADAL" clId="{E665EBCA-1E2F-443D-91FD-7BD81644C74D}" dt="2021-12-15T18:45:08.132" v="120"/>
+          <ac:spMkLst>
+            <pc:docMk/>
+            <pc:sldMk cId="471313221" sldId="290"/>
+            <ac:spMk id="1044" creationId="{FD008339-2B0F-462E-B561-4A45B23B2CE0}"/>
+          </ac:spMkLst>
+        </pc:spChg>
+        <pc:spChg chg="del">
+          <ac:chgData name="João Pedro Marques Mourão" userId="f6c00371-08d6-47b2-b424-12045b6f5743" providerId="ADAL" clId="{E665EBCA-1E2F-443D-91FD-7BD81644C74D}" dt="2021-12-15T18:45:08.132" v="120"/>
+          <ac:spMkLst>
+            <pc:docMk/>
+            <pc:sldMk cId="471313221" sldId="290"/>
+            <ac:spMk id="1045" creationId="{9221F64C-F118-4805-A903-A933923342FD}"/>
+          </ac:spMkLst>
+        </pc:spChg>
+        <pc:spChg chg="del">
+          <ac:chgData name="João Pedro Marques Mourão" userId="f6c00371-08d6-47b2-b424-12045b6f5743" providerId="ADAL" clId="{E665EBCA-1E2F-443D-91FD-7BD81644C74D}" dt="2021-12-15T18:45:08.132" v="120"/>
+          <ac:spMkLst>
+            <pc:docMk/>
+            <pc:sldMk cId="471313221" sldId="290"/>
+            <ac:spMk id="1046" creationId="{5B6DADAD-ACA2-49B8-9C1D-909C99176A75}"/>
+          </ac:spMkLst>
+        </pc:spChg>
+      </pc:sldChg>
+      <pc:sldChg chg="addSp delSp modSp add mod">
+        <pc:chgData name="João Pedro Marques Mourão" userId="f6c00371-08d6-47b2-b424-12045b6f5743" providerId="ADAL" clId="{E665EBCA-1E2F-443D-91FD-7BD81644C74D}" dt="2021-12-15T18:56:23.552" v="439" actId="14100"/>
+        <pc:sldMkLst>
+          <pc:docMk/>
+          <pc:sldMk cId="480981145" sldId="290"/>
+        </pc:sldMkLst>
+        <pc:spChg chg="add del mod">
+          <ac:chgData name="João Pedro Marques Mourão" userId="f6c00371-08d6-47b2-b424-12045b6f5743" providerId="ADAL" clId="{E665EBCA-1E2F-443D-91FD-7BD81644C74D}" dt="2021-12-15T18:56:02.301" v="435" actId="478"/>
+          <ac:spMkLst>
+            <pc:docMk/>
+            <pc:sldMk cId="480981145" sldId="290"/>
+            <ac:spMk id="4" creationId="{A839ACDC-14B9-4941-B2CE-D9899E006DA8}"/>
+          </ac:spMkLst>
+        </pc:spChg>
+        <pc:graphicFrameChg chg="add del modGraphic">
+          <ac:chgData name="João Pedro Marques Mourão" userId="f6c00371-08d6-47b2-b424-12045b6f5743" providerId="ADAL" clId="{E665EBCA-1E2F-443D-91FD-7BD81644C74D}" dt="2021-12-15T18:56:23.552" v="439" actId="14100"/>
+          <ac:graphicFrameMkLst>
+            <pc:docMk/>
+            <pc:sldMk cId="480981145" sldId="290"/>
+            <ac:graphicFrameMk id="10" creationId="{39046BD1-511C-4960-9C61-B4DC328FEA24}"/>
+          </ac:graphicFrameMkLst>
+        </pc:graphicFrameChg>
+      </pc:sldChg>
+      <pc:sldChg chg="addSp delSp add del setBg delDesignElem">
+        <pc:chgData name="João Pedro Marques Mourão" userId="f6c00371-08d6-47b2-b424-12045b6f5743" providerId="ADAL" clId="{E665EBCA-1E2F-443D-91FD-7BD81644C74D}" dt="2021-12-15T18:45:33.191" v="130"/>
+        <pc:sldMkLst>
+          <pc:docMk/>
+          <pc:sldMk cId="525633354" sldId="290"/>
+        </pc:sldMkLst>
+        <pc:spChg chg="add del">
+          <ac:chgData name="João Pedro Marques Mourão" userId="f6c00371-08d6-47b2-b424-12045b6f5743" providerId="ADAL" clId="{E665EBCA-1E2F-443D-91FD-7BD81644C74D}" dt="2021-12-15T18:45:33.191" v="130"/>
+          <ac:spMkLst>
+            <pc:docMk/>
+            <pc:sldMk cId="525633354" sldId="290"/>
+            <ac:spMk id="1041" creationId="{BD4C0BBB-0042-4603-A226-6117F3FD5B3C}"/>
+          </ac:spMkLst>
+        </pc:spChg>
+        <pc:spChg chg="add del">
+          <ac:chgData name="João Pedro Marques Mourão" userId="f6c00371-08d6-47b2-b424-12045b6f5743" providerId="ADAL" clId="{E665EBCA-1E2F-443D-91FD-7BD81644C74D}" dt="2021-12-15T18:45:33.191" v="130"/>
+          <ac:spMkLst>
+            <pc:docMk/>
+            <pc:sldMk cId="525633354" sldId="290"/>
+            <ac:spMk id="1043" creationId="{EC44F520-2598-460E-9F91-B02F60830CA2}"/>
+          </ac:spMkLst>
+        </pc:spChg>
+        <pc:spChg chg="add del">
+          <ac:chgData name="João Pedro Marques Mourão" userId="f6c00371-08d6-47b2-b424-12045b6f5743" providerId="ADAL" clId="{E665EBCA-1E2F-443D-91FD-7BD81644C74D}" dt="2021-12-15T18:45:33.191" v="130"/>
+          <ac:spMkLst>
+            <pc:docMk/>
+            <pc:sldMk cId="525633354" sldId="290"/>
+            <ac:spMk id="1044" creationId="{FD008339-2B0F-462E-B561-4A45B23B2CE0}"/>
+          </ac:spMkLst>
+        </pc:spChg>
+        <pc:spChg chg="add del">
+          <ac:chgData name="João Pedro Marques Mourão" userId="f6c00371-08d6-47b2-b424-12045b6f5743" providerId="ADAL" clId="{E665EBCA-1E2F-443D-91FD-7BD81644C74D}" dt="2021-12-15T18:45:33.191" v="130"/>
+          <ac:spMkLst>
+            <pc:docMk/>
+            <pc:sldMk cId="525633354" sldId="290"/>
+            <ac:spMk id="1045" creationId="{9221F64C-F118-4805-A903-A933923342FD}"/>
+          </ac:spMkLst>
+        </pc:spChg>
+        <pc:spChg chg="add del">
+          <ac:chgData name="João Pedro Marques Mourão" userId="f6c00371-08d6-47b2-b424-12045b6f5743" providerId="ADAL" clId="{E665EBCA-1E2F-443D-91FD-7BD81644C74D}" dt="2021-12-15T18:45:33.191" v="130"/>
+          <ac:spMkLst>
+            <pc:docMk/>
+            <pc:sldMk cId="525633354" sldId="290"/>
+            <ac:spMk id="1046" creationId="{5B6DADAD-ACA2-49B8-9C1D-909C99176A75}"/>
+          </ac:spMkLst>
+        </pc:spChg>
+      </pc:sldChg>
+      <pc:sldChg chg="delSp add del setBg delDesignElem">
+        <pc:chgData name="João Pedro Marques Mourão" userId="f6c00371-08d6-47b2-b424-12045b6f5743" providerId="ADAL" clId="{E665EBCA-1E2F-443D-91FD-7BD81644C74D}" dt="2021-12-15T18:55:08.054" v="429" actId="47"/>
+        <pc:sldMkLst>
+          <pc:docMk/>
+          <pc:sldMk cId="2096825808" sldId="290"/>
+        </pc:sldMkLst>
+        <pc:spChg chg="del">
+          <ac:chgData name="João Pedro Marques Mourão" userId="f6c00371-08d6-47b2-b424-12045b6f5743" providerId="ADAL" clId="{E665EBCA-1E2F-443D-91FD-7BD81644C74D}" dt="2021-12-15T18:55:04.300" v="428"/>
+          <ac:spMkLst>
+            <pc:docMk/>
+            <pc:sldMk cId="2096825808" sldId="290"/>
+            <ac:spMk id="15" creationId="{040BF4A1-714C-419E-A19F-578DE93BE02F}"/>
+          </ac:spMkLst>
+        </pc:spChg>
+        <pc:spChg chg="del">
+          <ac:chgData name="João Pedro Marques Mourão" userId="f6c00371-08d6-47b2-b424-12045b6f5743" providerId="ADAL" clId="{E665EBCA-1E2F-443D-91FD-7BD81644C74D}" dt="2021-12-15T18:55:04.300" v="428"/>
+          <ac:spMkLst>
+            <pc:docMk/>
+            <pc:sldMk cId="2096825808" sldId="290"/>
+            <ac:spMk id="17" creationId="{2F91A9BD-D57F-4941-931F-40597AB37017}"/>
+          </ac:spMkLst>
+        </pc:spChg>
+        <pc:spChg chg="del">
+          <ac:chgData name="João Pedro Marques Mourão" userId="f6c00371-08d6-47b2-b424-12045b6f5743" providerId="ADAL" clId="{E665EBCA-1E2F-443D-91FD-7BD81644C74D}" dt="2021-12-15T18:55:04.300" v="428"/>
+          <ac:spMkLst>
+            <pc:docMk/>
+            <pc:sldMk cId="2096825808" sldId="290"/>
+            <ac:spMk id="19" creationId="{C54DB264-9467-4730-B9E9-C9A97DD66920}"/>
+          </ac:spMkLst>
+        </pc:spChg>
+        <pc:spChg chg="del">
+          <ac:chgData name="João Pedro Marques Mourão" userId="f6c00371-08d6-47b2-b424-12045b6f5743" providerId="ADAL" clId="{E665EBCA-1E2F-443D-91FD-7BD81644C74D}" dt="2021-12-15T18:55:04.300" v="428"/>
+          <ac:spMkLst>
+            <pc:docMk/>
+            <pc:sldMk cId="2096825808" sldId="290"/>
+            <ac:spMk id="25" creationId="{BB097F88-2120-47B4-B891-5B28F66BBD4A}"/>
+          </ac:spMkLst>
+        </pc:spChg>
+        <pc:spChg chg="del">
+          <ac:chgData name="João Pedro Marques Mourão" userId="f6c00371-08d6-47b2-b424-12045b6f5743" providerId="ADAL" clId="{E665EBCA-1E2F-443D-91FD-7BD81644C74D}" dt="2021-12-15T18:55:04.300" v="428"/>
+          <ac:spMkLst>
+            <pc:docMk/>
+            <pc:sldMk cId="2096825808" sldId="290"/>
+            <ac:spMk id="26" creationId="{BF9338F5-05AB-4DC5-BD1C-1A9F26C38A7A}"/>
+          </ac:spMkLst>
+        </pc:spChg>
+      </pc:sldChg>
+      <pc:sldChg chg="delSp add del setBg delDesignElem">
+        <pc:chgData name="João Pedro Marques Mourão" userId="f6c00371-08d6-47b2-b424-12045b6f5743" providerId="ADAL" clId="{E665EBCA-1E2F-443D-91FD-7BD81644C74D}" dt="2021-12-15T18:45:18.376" v="127" actId="47"/>
+        <pc:sldMkLst>
+          <pc:docMk/>
+          <pc:sldMk cId="3020026563" sldId="290"/>
+        </pc:sldMkLst>
+        <pc:spChg chg="del">
+          <ac:chgData name="João Pedro Marques Mourão" userId="f6c00371-08d6-47b2-b424-12045b6f5743" providerId="ADAL" clId="{E665EBCA-1E2F-443D-91FD-7BD81644C74D}" dt="2021-12-15T18:45:16.201" v="126"/>
+          <ac:spMkLst>
+            <pc:docMk/>
+            <pc:sldMk cId="3020026563" sldId="290"/>
+            <ac:spMk id="1041" creationId="{BD4C0BBB-0042-4603-A226-6117F3FD5B3C}"/>
+          </ac:spMkLst>
+        </pc:spChg>
+        <pc:spChg chg="del">
+          <ac:chgData name="João Pedro Marques Mourão" userId="f6c00371-08d6-47b2-b424-12045b6f5743" providerId="ADAL" clId="{E665EBCA-1E2F-443D-91FD-7BD81644C74D}" dt="2021-12-15T18:45:16.201" v="126"/>
+          <ac:spMkLst>
+            <pc:docMk/>
+            <pc:sldMk cId="3020026563" sldId="290"/>
+            <ac:spMk id="1043" creationId="{EC44F520-2598-460E-9F91-B02F60830CA2}"/>
+          </ac:spMkLst>
+        </pc:spChg>
+        <pc:spChg chg="del">
+          <ac:chgData name="João Pedro Marques Mourão" userId="f6c00371-08d6-47b2-b424-12045b6f5743" providerId="ADAL" clId="{E665EBCA-1E2F-443D-91FD-7BD81644C74D}" dt="2021-12-15T18:45:16.201" v="126"/>
+          <ac:spMkLst>
+            <pc:docMk/>
+            <pc:sldMk cId="3020026563" sldId="290"/>
+            <ac:spMk id="1044" creationId="{FD008339-2B0F-462E-B561-4A45B23B2CE0}"/>
+          </ac:spMkLst>
+        </pc:spChg>
+        <pc:spChg chg="del">
+          <ac:chgData name="João Pedro Marques Mourão" userId="f6c00371-08d6-47b2-b424-12045b6f5743" providerId="ADAL" clId="{E665EBCA-1E2F-443D-91FD-7BD81644C74D}" dt="2021-12-15T18:45:16.201" v="126"/>
+          <ac:spMkLst>
+            <pc:docMk/>
+            <pc:sldMk cId="3020026563" sldId="290"/>
+            <ac:spMk id="1045" creationId="{9221F64C-F118-4805-A903-A933923342FD}"/>
+          </ac:spMkLst>
+        </pc:spChg>
+        <pc:spChg chg="del">
+          <ac:chgData name="João Pedro Marques Mourão" userId="f6c00371-08d6-47b2-b424-12045b6f5743" providerId="ADAL" clId="{E665EBCA-1E2F-443D-91FD-7BD81644C74D}" dt="2021-12-15T18:45:16.201" v="126"/>
+          <ac:spMkLst>
+            <pc:docMk/>
+            <pc:sldMk cId="3020026563" sldId="290"/>
+            <ac:spMk id="1046" creationId="{5B6DADAD-ACA2-49B8-9C1D-909C99176A75}"/>
+          </ac:spMkLst>
+        </pc:spChg>
+      </pc:sldChg>
+    </pc:docChg>
+  </pc:docChgLst>
+</pc:chgInfo>
 </file>
 
 <file path=ppt/diagrams/colors1.xml><?xml version="1.0" encoding="utf-8"?>
@@ -2961,7 +3792,7 @@
           <a:p>
             <a:fld id="{655A5808-3B61-48CC-92EF-85AC2E0DFA56}" type="datetime2">
               <a:rPr lang="en-US" smtClean="0"/>
-              <a:t>Tuesday, December 14, 2021</a:t>
+              <a:t>Wednesday, December 15, 2021</a:t>
             </a:fld>
             <a:endParaRPr lang="en-US"/>
           </a:p>
@@ -3159,7 +3990,7 @@
           <a:p>
             <a:fld id="{735E98AF-4574-4509-BF7A-519ACD5BF826}" type="datetime2">
               <a:rPr lang="en-US" smtClean="0"/>
-              <a:t>Tuesday, December 14, 2021</a:t>
+              <a:t>Wednesday, December 15, 2021</a:t>
             </a:fld>
             <a:endParaRPr lang="en-US"/>
           </a:p>
@@ -3369,7 +4200,7 @@
           <a:p>
             <a:fld id="{93DD97D4-9636-490F-85D0-E926C2B6F3B1}" type="datetime2">
               <a:rPr lang="en-US" smtClean="0"/>
-              <a:t>Tuesday, December 14, 2021</a:t>
+              <a:t>Wednesday, December 15, 2021</a:t>
             </a:fld>
             <a:endParaRPr lang="en-US"/>
           </a:p>
@@ -3568,7 +4399,7 @@
           <a:p>
             <a:fld id="{2F3AF3C6-0FD4-4939-991C-00DDE5C56815}" type="datetime2">
               <a:rPr lang="en-US" smtClean="0"/>
-              <a:t>Tuesday, December 14, 2021</a:t>
+              <a:t>Wednesday, December 15, 2021</a:t>
             </a:fld>
             <a:endParaRPr lang="en-US"/>
           </a:p>
@@ -3849,7 +4680,7 @@
           <a:p>
             <a:fld id="{86807482-8128-47C6-A8DD-6452B0291CFF}" type="datetime2">
               <a:rPr lang="en-US" smtClean="0"/>
-              <a:t>Tuesday, December 14, 2021</a:t>
+              <a:t>Wednesday, December 15, 2021</a:t>
             </a:fld>
             <a:endParaRPr lang="en-US"/>
           </a:p>
@@ -4117,7 +4948,7 @@
           <a:p>
             <a:fld id="{37903F25-275E-41DE-BE3B-EBF0DB49F9B1}" type="datetime2">
               <a:rPr lang="en-US" smtClean="0"/>
-              <a:t>Tuesday, December 14, 2021</a:t>
+              <a:t>Wednesday, December 15, 2021</a:t>
             </a:fld>
             <a:endParaRPr lang="en-US"/>
           </a:p>
@@ -4498,7 +5329,7 @@
           <a:p>
             <a:fld id="{EE475572-4A44-4171-84AA-64D42C8050A6}" type="datetime2">
               <a:rPr lang="en-US" smtClean="0"/>
-              <a:t>Tuesday, December 14, 2021</a:t>
+              <a:t>Wednesday, December 15, 2021</a:t>
             </a:fld>
             <a:endParaRPr lang="en-US"/>
           </a:p>
@@ -4668,7 +5499,7 @@
           <a:p>
             <a:fld id="{C4C1612E-528E-4FD5-9E9E-E15F1108F171}" type="datetime2">
               <a:rPr lang="en-US" smtClean="0"/>
-              <a:t>Tuesday, December 14, 2021</a:t>
+              <a:t>Wednesday, December 15, 2021</a:t>
             </a:fld>
             <a:endParaRPr lang="en-US"/>
           </a:p>
@@ -4781,7 +5612,7 @@
           <a:p>
             <a:fld id="{D4F6D862-A06D-436F-A92E-EBAAD50B6E50}" type="datetime2">
               <a:rPr lang="en-US" smtClean="0"/>
-              <a:t>Tuesday, December 14, 2021</a:t>
+              <a:t>Wednesday, December 15, 2021</a:t>
             </a:fld>
             <a:endParaRPr lang="en-US"/>
           </a:p>
@@ -5098,7 +5929,7 @@
           <a:p>
             <a:fld id="{B73E0B7D-2260-4809-8F0A-9E5F3E24F169}" type="datetime2">
               <a:rPr lang="en-US" smtClean="0"/>
-              <a:t>Tuesday, December 14, 2021</a:t>
+              <a:t>Wednesday, December 15, 2021</a:t>
             </a:fld>
             <a:endParaRPr lang="en-US"/>
           </a:p>
@@ -5390,7 +6221,7 @@
           <a:p>
             <a:fld id="{3C8E4735-C637-46A3-94EB-AB3AC4188D2F}" type="datetime2">
               <a:rPr lang="en-US" smtClean="0"/>
-              <a:t>Tuesday, December 14, 2021</a:t>
+              <a:t>Wednesday, December 15, 2021</a:t>
             </a:fld>
             <a:endParaRPr lang="en-US"/>
           </a:p>
@@ -5758,7 +6589,7 @@
             <a:fld id="{AE0C963C-C1DB-4AFD-9DDC-0691666BF49B}" type="datetime2">
               <a:rPr lang="en-US" smtClean="0"/>
               <a:pPr/>
-              <a:t>Tuesday, December 14, 2021</a:t>
+              <a:t>Wednesday, December 15, 2021</a:t>
             </a:fld>
             <a:endParaRPr lang="en-US" cap="all" dirty="0"/>
           </a:p>
@@ -14006,7 +14837,7 @@
         </p:spPr>
         <p:txBody>
           <a:bodyPr>
-            <a:normAutofit/>
+            <a:normAutofit fontScale="92500" lnSpcReduction="20000"/>
           </a:bodyPr>
           <a:lstStyle/>
           <a:p>
@@ -14017,11 +14848,11 @@
               <a:buNone/>
             </a:pPr>
             <a:r>
-              <a:rPr lang="pt-BR" sz="1300" b="0" i="0" dirty="0">
+              <a:rPr lang="pt-BR" b="0" i="0" dirty="0">
                 <a:effectLst/>
                 <a:latin typeface="-apple-system"/>
               </a:rPr>
-              <a:t>Existem tantas pessoas com problemas de saúde que, dependendo da situação, algumas necessitam de muita atenção, pois com tantos remédios precisam lembrar de vários horários no dia a dia. São tantos detalhes que qualquer pessoa corre o risco de esquecer algum deles. Para isso, seria bem-vinda uma ajuda tecnológica para trazer mais tranquilidade aos usuários (e seus responsáveis) de qualquer tipo de medicamentos de uso contínuo ou não.</a:t>
+              <a:t>São tantos detalhes em relação a remédios que qualquer pessoa corre o risco de esquecer algum deles. Para isso, seria bem-vinda uma ajuda tecnológica para trazer mais tranquilidade aos usuários (e seus responsáveis) de qualquer tipo de medicamentos de uso contínuo ou não.</a:t>
             </a:r>
           </a:p>
           <a:p>
@@ -14032,11 +14863,11 @@
               <a:buNone/>
             </a:pPr>
             <a:r>
-              <a:rPr lang="pt-BR" sz="1300" b="0" i="0" dirty="0">
+              <a:rPr lang="pt-BR" b="0" i="0" dirty="0">
                 <a:effectLst/>
                 <a:latin typeface="-apple-system"/>
               </a:rPr>
-              <a:t>Medicamentos podem ser usados para trazer bem-estar, no entanto, se seu uso não for feito com os devidos cuidados, podem trazer problemas em vez de resolvê-los. Com isso, é necessário estar sempre com a atenção voltada para os seguintes detalhes:</a:t>
+              <a:t>. Com isso, é necessário estar sempre com a atenção voltada para os seguintes detalhes:</a:t>
             </a:r>
           </a:p>
           <a:p>
@@ -14048,7 +14879,7 @@
               <a:buChar char="•"/>
             </a:pPr>
             <a:r>
-              <a:rPr lang="pt-BR" sz="1300" b="0" i="0" dirty="0">
+              <a:rPr lang="pt-BR" b="0" i="0" dirty="0">
                 <a:effectLst/>
                 <a:latin typeface="-apple-system"/>
               </a:rPr>
@@ -14064,7 +14895,7 @@
               <a:buChar char="•"/>
             </a:pPr>
             <a:r>
-              <a:rPr lang="pt-BR" sz="1300" b="0" i="0" dirty="0">
+              <a:rPr lang="pt-BR" b="0" i="0" dirty="0">
                 <a:effectLst/>
                 <a:latin typeface="-apple-system"/>
               </a:rPr>
@@ -14080,7 +14911,7 @@
               <a:buChar char="•"/>
             </a:pPr>
             <a:r>
-              <a:rPr lang="pt-BR" sz="1300" b="0" i="0" dirty="0">
+              <a:rPr lang="pt-BR" b="0" i="0" dirty="0">
                 <a:effectLst/>
                 <a:latin typeface="-apple-system"/>
               </a:rPr>
@@ -14096,7 +14927,7 @@
               <a:buChar char="•"/>
             </a:pPr>
             <a:r>
-              <a:rPr lang="pt-BR" sz="1300" b="0" i="0" dirty="0">
+              <a:rPr lang="pt-BR" b="0" i="0" dirty="0">
                 <a:effectLst/>
                 <a:latin typeface="-apple-system"/>
               </a:rPr>
@@ -14112,7 +14943,7 @@
               <a:buChar char="•"/>
             </a:pPr>
             <a:r>
-              <a:rPr lang="pt-BR" sz="1300" b="0" i="0" dirty="0">
+              <a:rPr lang="pt-BR" b="0" i="0" dirty="0">
                 <a:effectLst/>
                 <a:latin typeface="-apple-system"/>
               </a:rPr>
@@ -14128,7 +14959,7 @@
               <a:buChar char="•"/>
             </a:pPr>
             <a:r>
-              <a:rPr lang="pt-BR" sz="1300" b="0" i="0" dirty="0">
+              <a:rPr lang="pt-BR" b="0" i="0" dirty="0">
                 <a:effectLst/>
                 <a:latin typeface="-apple-system"/>
               </a:rPr>
@@ -14144,7 +14975,7 @@
               <a:buChar char="•"/>
             </a:pPr>
             <a:r>
-              <a:rPr lang="pt-BR" sz="1300" b="0" i="0" dirty="0">
+              <a:rPr lang="pt-BR" b="0" i="0" dirty="0">
                 <a:effectLst/>
                 <a:latin typeface="-apple-system"/>
               </a:rPr>
@@ -20391,7 +21222,7 @@
         <p:spPr>
           <a:xfrm>
             <a:off x="5739040" y="1053838"/>
-            <a:ext cx="5929421" cy="3322219"/>
+            <a:ext cx="5929421" cy="4301933"/>
           </a:xfrm>
         </p:spPr>
         <p:txBody>
@@ -20401,7 +21232,7 @@
           <a:lstStyle/>
           <a:p>
             <a:r>
-              <a:rPr lang="pt-BR" sz="1800" b="0" i="0" dirty="0">
+              <a:rPr lang="pt-BR" b="0" i="0" dirty="0">
                 <a:effectLst/>
                 <a:latin typeface="-apple-system"/>
               </a:rPr>
@@ -20410,7 +21241,7 @@
           </a:p>
           <a:p>
             <a:r>
-              <a:rPr lang="pt-BR" sz="1800" b="0" i="0" dirty="0">
+              <a:rPr lang="pt-BR" b="0" i="0" dirty="0">
                 <a:effectLst/>
                 <a:latin typeface="-apple-system"/>
               </a:rPr>
@@ -21916,7 +22747,7 @@
           <p:cNvPr id="8" name="Rectangle 7">
             <a:extLst>
               <a:ext uri="{FF2B5EF4-FFF2-40B4-BE49-F238E27FC236}">
-                <a16:creationId xmlns:a16="http://schemas.microsoft.com/office/drawing/2014/main" id="{B6B36A41-BF38-4C0A-BA59-CDCE04AE6C90}"/>
+                <a16:creationId xmlns:a16="http://schemas.microsoft.com/office/drawing/2014/main" id="{0700C571-846B-4306-AEF1-A2DF61F02487}"/>
               </a:ext>
               <a:ext uri="{C183D7F6-B498-43B3-948B-1728B52AA6E4}">
                 <adec:decorative xmlns:adec="http://schemas.microsoft.com/office/drawing/2017/decorative" val="1"/>
@@ -21992,7 +22823,7 @@
           <p:cNvPr id="2" name="Título 1">
             <a:extLst>
               <a:ext uri="{FF2B5EF4-FFF2-40B4-BE49-F238E27FC236}">
-                <a16:creationId xmlns:a16="http://schemas.microsoft.com/office/drawing/2014/main" id="{B504103D-6D8E-44A2-BC4C-B10EE27A0876}"/>
+                <a16:creationId xmlns:a16="http://schemas.microsoft.com/office/drawing/2014/main" id="{C9A90E1B-66C0-4C30-8B33-8BF6BAF0821A}"/>
               </a:ext>
             </a:extLst>
           </p:cNvPr>
@@ -22005,8 +22836,8 @@
         </p:nvSpPr>
         <p:spPr>
           <a:xfrm>
-            <a:off x="1135856" y="908649"/>
-            <a:ext cx="4079720" cy="3977676"/>
+            <a:off x="1371601" y="920008"/>
+            <a:ext cx="5168980" cy="4852141"/>
           </a:xfrm>
         </p:spPr>
         <p:txBody>
@@ -22015,21 +22846,20 @@
           </a:bodyPr>
           <a:lstStyle/>
           <a:p>
-            <a:pPr algn="r"/>
             <a:r>
-              <a:rPr lang="pt-BR" sz="3700" b="1" i="0" dirty="0">
+              <a:rPr lang="pt-BR" sz="4000" b="1" i="0" dirty="0">
                 <a:effectLst/>
                 <a:latin typeface="-apple-system"/>
               </a:rPr>
-              <a:t>Justificativa</a:t>
+              <a:t>Público-Alvo</a:t>
             </a:r>
             <a:br>
-              <a:rPr lang="pt-BR" sz="3700" b="1" i="0" dirty="0">
+              <a:rPr lang="pt-BR" sz="4000" b="1" i="0" dirty="0">
                 <a:effectLst/>
                 <a:latin typeface="-apple-system"/>
               </a:rPr>
             </a:br>
-            <a:endParaRPr lang="pt-BR" sz="3700" dirty="0"/>
+            <a:endParaRPr lang="pt-BR" sz="4000" dirty="0"/>
           </a:p>
         </p:txBody>
       </p:sp>
@@ -22038,7 +22868,7 @@
           <p:cNvPr id="3" name="Espaço Reservado para Conteúdo 2">
             <a:extLst>
               <a:ext uri="{FF2B5EF4-FFF2-40B4-BE49-F238E27FC236}">
-                <a16:creationId xmlns:a16="http://schemas.microsoft.com/office/drawing/2014/main" id="{51FDF6CC-12FA-4923-B365-A9384AFED7FC}"/>
+                <a16:creationId xmlns:a16="http://schemas.microsoft.com/office/drawing/2014/main" id="{54EC2C16-880C-4CF2-A3AB-9673301420BE}"/>
               </a:ext>
             </a:extLst>
           </p:cNvPr>
@@ -22051,8 +22881,8 @@
         </p:nvSpPr>
         <p:spPr>
           <a:xfrm>
-            <a:off x="5701896" y="964889"/>
-            <a:ext cx="5118505" cy="4909137"/>
+            <a:off x="7029814" y="949827"/>
+            <a:ext cx="3790585" cy="4765174"/>
           </a:xfrm>
         </p:spPr>
         <p:txBody>
@@ -22062,9 +22892,6 @@
           <a:lstStyle/>
           <a:p>
             <a:pPr marL="0" indent="0">
-              <a:lnSpc>
-                <a:spcPct val="110000"/>
-              </a:lnSpc>
               <a:buNone/>
             </a:pPr>
             <a:r>
@@ -22072,7 +22899,7 @@
                 <a:effectLst/>
                 <a:latin typeface="-apple-system"/>
               </a:rPr>
-              <a:t>A gestão de medicamentos parece algo trivial, pois demanda organização pessoal para seguir tratamentos que podem resultar em casos de vida ou morte. Contudo, em muitos casos, a quantidade de medicamentos pode dificultar a vida de um paciente, além de se tornar difícil manter organizado o orçamento e quantidade de informações de cada medicamento. Por isso, é necessário pensar no problema da gestão de medicamentos para quem necessita de maior cuidado com o controle para o tratamento de suas doenças. Isso possibilitará auxílio tecnológico que poderá resultar em sucesso de tratamentos medicamentosos e possibilitar melhora na qualidade de vida do paciente.</a:t>
+              <a:t>Esta aplicação apresenta dois tipos de público-alvo, sendo eles, clientes de farmácias/drogarias e funcionários dessas empresas. Dessa maneira, a plataforma poderá ser utilizada para auxiliar tanto quem precisa comprar medicamento(s) quanto os colaboradores das farmácias/drogarias que poderão ter acesso a prescrição médica.</a:t>
             </a:r>
             <a:endParaRPr lang="pt-BR" sz="1800" dirty="0"/>
           </a:p>
@@ -22083,7 +22910,7 @@
           <p:cNvPr id="10" name="Rectangle 9">
             <a:extLst>
               <a:ext uri="{FF2B5EF4-FFF2-40B4-BE49-F238E27FC236}">
-                <a16:creationId xmlns:a16="http://schemas.microsoft.com/office/drawing/2014/main" id="{92D36A8B-01FD-4675-9D35-FA0CC50FDCF8}"/>
+                <a16:creationId xmlns:a16="http://schemas.microsoft.com/office/drawing/2014/main" id="{996D093C-29FB-4E3D-9DBB-F237109575AF}"/>
               </a:ext>
               <a:ext uri="{C183D7F6-B498-43B3-948B-1728B52AA6E4}">
                 <adec:decorative xmlns:adec="http://schemas.microsoft.com/office/drawing/2017/decorative" val="1"/>
@@ -22103,26 +22930,27 @@
         </p:nvSpPr>
         <p:spPr>
           <a:xfrm rot="10800000" flipH="1">
-            <a:off x="0" y="6408741"/>
-            <a:ext cx="12192000" cy="449256"/>
+            <a:off x="0" y="6400373"/>
+            <a:ext cx="12191999" cy="457198"/>
           </a:xfrm>
           <a:prstGeom prst="rect">
             <a:avLst/>
           </a:prstGeom>
           <a:gradFill>
             <a:gsLst>
-              <a:gs pos="14000">
-                <a:schemeClr val="accent4">
-                  <a:alpha val="28000"/>
+              <a:gs pos="0">
+                <a:schemeClr val="accent6">
+                  <a:lumMod val="75000"/>
+                  <a:alpha val="63000"/>
                 </a:schemeClr>
               </a:gs>
-              <a:gs pos="100000">
+              <a:gs pos="32000">
                 <a:schemeClr val="accent5">
-                  <a:alpha val="85000"/>
+                  <a:alpha val="72000"/>
                 </a:schemeClr>
               </a:gs>
             </a:gsLst>
-            <a:lin ang="9000000" scaled="0"/>
+            <a:lin ang="21000000" scaled="0"/>
           </a:gradFill>
           <a:ln>
             <a:noFill/>
@@ -22158,7 +22986,7 @@
           <p:cNvPr id="12" name="Rectangle 11">
             <a:extLst>
               <a:ext uri="{FF2B5EF4-FFF2-40B4-BE49-F238E27FC236}">
-                <a16:creationId xmlns:a16="http://schemas.microsoft.com/office/drawing/2014/main" id="{726D76E8-086A-40F9-B995-AEFD77D9C089}"/>
+                <a16:creationId xmlns:a16="http://schemas.microsoft.com/office/drawing/2014/main" id="{A5F13265-BEA0-4856-9FFF-9156F3F52C8D}"/>
               </a:ext>
               <a:ext uri="{C183D7F6-B498-43B3-948B-1728B52AA6E4}">
                 <adec:decorative xmlns:adec="http://schemas.microsoft.com/office/drawing/2017/decorative" val="1"/>
@@ -22178,26 +23006,27 @@
         </p:nvSpPr>
         <p:spPr>
           <a:xfrm flipH="1">
-            <a:off x="4038600" y="6408316"/>
-            <a:ext cx="8153398" cy="449684"/>
+            <a:off x="4038600" y="6400373"/>
+            <a:ext cx="8153398" cy="457199"/>
           </a:xfrm>
           <a:prstGeom prst="rect">
             <a:avLst/>
           </a:prstGeom>
           <a:gradFill>
             <a:gsLst>
-              <a:gs pos="9000">
+              <a:gs pos="0">
+                <a:schemeClr val="accent6">
+                  <a:lumMod val="75000"/>
+                  <a:alpha val="30000"/>
+                </a:schemeClr>
+              </a:gs>
+              <a:gs pos="71000">
                 <a:schemeClr val="accent2">
-                  <a:lumMod val="60000"/>
-                  <a:lumOff val="40000"/>
-                  <a:alpha val="68000"/>
+                  <a:alpha val="61000"/>
                 </a:schemeClr>
               </a:gs>
-              <a:gs pos="99000">
-                <a:schemeClr val="accent2"/>
-              </a:gs>
             </a:gsLst>
-            <a:lin ang="13800000" scaled="0"/>
+            <a:lin ang="0" scaled="0"/>
           </a:gradFill>
           <a:ln>
             <a:noFill/>
@@ -22231,7 +23060,7 @@
     </p:spTree>
     <p:extLst>
       <p:ext uri="{BB962C8B-B14F-4D97-AF65-F5344CB8AC3E}">
-        <p14:creationId xmlns:p14="http://schemas.microsoft.com/office/powerpoint/2010/main" val="3928590143"/>
+        <p14:creationId xmlns:p14="http://schemas.microsoft.com/office/powerpoint/2010/main" val="1840866618"/>
       </p:ext>
     </p:extLst>
   </p:cSld>
@@ -22266,12 +23095,162 @@
           <a:chExt cx="0" cy="0"/>
         </a:xfrm>
       </p:grpSpPr>
+      <p:sp>
+        <p:nvSpPr>
+          <p:cNvPr id="1041" name="Rectangle 82">
+            <a:extLst>
+              <a:ext uri="{FF2B5EF4-FFF2-40B4-BE49-F238E27FC236}">
+                <a16:creationId xmlns:a16="http://schemas.microsoft.com/office/drawing/2014/main" id="{BD4C0BBB-0042-4603-A226-6117F3FD5B3C}"/>
+              </a:ext>
+              <a:ext uri="{C183D7F6-B498-43B3-948B-1728B52AA6E4}">
+                <adec:decorative xmlns:adec="http://schemas.microsoft.com/office/drawing/2017/decorative" val="1"/>
+              </a:ext>
+            </a:extLst>
+          </p:cNvPr>
+          <p:cNvSpPr>
+            <a:spLocks noGrp="1" noRot="1" noChangeAspect="1" noMove="1" noResize="1" noEditPoints="1" noAdjustHandles="1" noChangeArrowheads="1" noChangeShapeType="1" noTextEdit="1"/>
+          </p:cNvSpPr>
+          <p:nvPr>
+            <p:extLst>
+              <p:ext uri="{386F3935-93C4-4BCD-93E2-E3B085C9AB24}">
+                <p16:designElem xmlns:p16="http://schemas.microsoft.com/office/powerpoint/2015/main" val="1"/>
+              </p:ext>
+            </p:extLst>
+          </p:nvPr>
+        </p:nvSpPr>
+        <p:spPr>
+          <a:xfrm rot="10800000" flipH="1">
+            <a:off x="0" y="6400799"/>
+            <a:ext cx="12192000" cy="456773"/>
+          </a:xfrm>
+          <a:prstGeom prst="rect">
+            <a:avLst/>
+          </a:prstGeom>
+          <a:gradFill>
+            <a:gsLst>
+              <a:gs pos="14000">
+                <a:schemeClr val="accent4">
+                  <a:alpha val="28000"/>
+                </a:schemeClr>
+              </a:gs>
+              <a:gs pos="100000">
+                <a:schemeClr val="accent5">
+                  <a:alpha val="85000"/>
+                </a:schemeClr>
+              </a:gs>
+            </a:gsLst>
+            <a:lin ang="6000000" scaled="0"/>
+          </a:gradFill>
+          <a:ln>
+            <a:noFill/>
+          </a:ln>
+        </p:spPr>
+        <p:style>
+          <a:lnRef idx="2">
+            <a:schemeClr val="accent1">
+              <a:shade val="50000"/>
+            </a:schemeClr>
+          </a:lnRef>
+          <a:fillRef idx="1">
+            <a:schemeClr val="accent1"/>
+          </a:fillRef>
+          <a:effectRef idx="0">
+            <a:schemeClr val="accent1"/>
+          </a:effectRef>
+          <a:fontRef idx="minor">
+            <a:schemeClr val="lt1"/>
+          </a:fontRef>
+        </p:style>
+        <p:txBody>
+          <a:bodyPr rtlCol="0" anchor="ctr"/>
+          <a:lstStyle/>
+          <a:p>
+            <a:pPr algn="ctr"/>
+            <a:endParaRPr lang="en-US"/>
+          </a:p>
+        </p:txBody>
+      </p:sp>
+      <p:sp>
+        <p:nvSpPr>
+          <p:cNvPr id="1043" name="Rectangle 84">
+            <a:extLst>
+              <a:ext uri="{FF2B5EF4-FFF2-40B4-BE49-F238E27FC236}">
+                <a16:creationId xmlns:a16="http://schemas.microsoft.com/office/drawing/2014/main" id="{EC44F520-2598-460E-9F91-B02F60830CA2}"/>
+              </a:ext>
+              <a:ext uri="{C183D7F6-B498-43B3-948B-1728B52AA6E4}">
+                <adec:decorative xmlns:adec="http://schemas.microsoft.com/office/drawing/2017/decorative" val="1"/>
+              </a:ext>
+            </a:extLst>
+          </p:cNvPr>
+          <p:cNvSpPr>
+            <a:spLocks noGrp="1" noRot="1" noChangeAspect="1" noMove="1" noResize="1" noEditPoints="1" noAdjustHandles="1" noChangeArrowheads="1" noChangeShapeType="1" noTextEdit="1"/>
+          </p:cNvSpPr>
+          <p:nvPr>
+            <p:extLst>
+              <p:ext uri="{386F3935-93C4-4BCD-93E2-E3B085C9AB24}">
+                <p16:designElem xmlns:p16="http://schemas.microsoft.com/office/powerpoint/2015/main" val="1"/>
+              </p:ext>
+            </p:extLst>
+          </p:nvPr>
+        </p:nvSpPr>
+        <p:spPr>
+          <a:xfrm flipH="1">
+            <a:off x="4038600" y="6400799"/>
+            <a:ext cx="8153398" cy="456772"/>
+          </a:xfrm>
+          <a:prstGeom prst="rect">
+            <a:avLst/>
+          </a:prstGeom>
+          <a:gradFill>
+            <a:gsLst>
+              <a:gs pos="9000">
+                <a:schemeClr val="accent2">
+                  <a:lumMod val="60000"/>
+                  <a:lumOff val="40000"/>
+                  <a:alpha val="55000"/>
+                </a:schemeClr>
+              </a:gs>
+              <a:gs pos="99000">
+                <a:schemeClr val="accent2"/>
+              </a:gs>
+            </a:gsLst>
+            <a:lin ang="14400000" scaled="0"/>
+          </a:gradFill>
+          <a:ln>
+            <a:noFill/>
+          </a:ln>
+        </p:spPr>
+        <p:style>
+          <a:lnRef idx="2">
+            <a:schemeClr val="accent1">
+              <a:shade val="50000"/>
+            </a:schemeClr>
+          </a:lnRef>
+          <a:fillRef idx="1">
+            <a:schemeClr val="accent1"/>
+          </a:fillRef>
+          <a:effectRef idx="0">
+            <a:schemeClr val="accent1"/>
+          </a:effectRef>
+          <a:fontRef idx="minor">
+            <a:schemeClr val="lt1"/>
+          </a:fontRef>
+        </p:style>
+        <p:txBody>
+          <a:bodyPr rtlCol="0" anchor="ctr"/>
+          <a:lstStyle/>
+          <a:p>
+            <a:pPr algn="ctr"/>
+            <a:endParaRPr lang="en-US"/>
+          </a:p>
+        </p:txBody>
+      </p:sp>
       <p:sp useBgFill="1">
         <p:nvSpPr>
-          <p:cNvPr id="8" name="Rectangle 7">
-            <a:extLst>
-              <a:ext uri="{FF2B5EF4-FFF2-40B4-BE49-F238E27FC236}">
-                <a16:creationId xmlns:a16="http://schemas.microsoft.com/office/drawing/2014/main" id="{0700C571-846B-4306-AEF1-A2DF61F02487}"/>
+          <p:cNvPr id="1044" name="Rectangle 86">
+            <a:extLst>
+              <a:ext uri="{FF2B5EF4-FFF2-40B4-BE49-F238E27FC236}">
+                <a16:creationId xmlns:a16="http://schemas.microsoft.com/office/drawing/2014/main" id="{FD008339-2B0F-462E-B561-4A45B23B2CE0}"/>
               </a:ext>
               <a:ext uri="{C183D7F6-B498-43B3-948B-1728B52AA6E4}">
                 <adec:decorative xmlns:adec="http://schemas.microsoft.com/office/drawing/2017/decorative" val="1"/>
@@ -22347,7 +23326,7 @@
           <p:cNvPr id="2" name="Título 1">
             <a:extLst>
               <a:ext uri="{FF2B5EF4-FFF2-40B4-BE49-F238E27FC236}">
-                <a16:creationId xmlns:a16="http://schemas.microsoft.com/office/drawing/2014/main" id="{C9A90E1B-66C0-4C30-8B33-8BF6BAF0821A}"/>
+                <a16:creationId xmlns:a16="http://schemas.microsoft.com/office/drawing/2014/main" id="{0E36B28D-7BCB-41A5-8F34-FCB51630EB28}"/>
               </a:ext>
             </a:extLst>
           </p:cNvPr>
@@ -22360,81 +23339,30 @@
         </p:nvSpPr>
         <p:spPr>
           <a:xfrm>
-            <a:off x="1371601" y="920008"/>
-            <a:ext cx="5168980" cy="4852141"/>
+            <a:off x="472698" y="5619505"/>
+            <a:ext cx="9448800" cy="1066799"/>
           </a:xfrm>
         </p:spPr>
         <p:txBody>
-          <a:bodyPr anchor="t">
+          <a:bodyPr vert="horz" lIns="0" tIns="0" rIns="0" bIns="0" rtlCol="0" anchor="b">
             <a:normAutofit/>
           </a:bodyPr>
           <a:lstStyle/>
           <a:p>
             <a:r>
-              <a:rPr lang="pt-BR" sz="4000" b="1" i="0" dirty="0">
-                <a:effectLst/>
-                <a:latin typeface="-apple-system"/>
-              </a:rPr>
-              <a:t>Público-Alvo</a:t>
+              <a:rPr lang="en-US" sz="4000" spc="750" dirty="0" err="1"/>
+              <a:t>PErsonas</a:t>
             </a:r>
-            <a:br>
-              <a:rPr lang="pt-BR" sz="4000" b="1" i="0" dirty="0">
-                <a:effectLst/>
-                <a:latin typeface="-apple-system"/>
-              </a:rPr>
-            </a:br>
-            <a:endParaRPr lang="pt-BR" sz="4000" dirty="0"/>
+            <a:endParaRPr lang="en-US" sz="4000" spc="750" dirty="0"/>
           </a:p>
         </p:txBody>
       </p:sp>
       <p:sp>
         <p:nvSpPr>
-          <p:cNvPr id="3" name="Espaço Reservado para Conteúdo 2">
-            <a:extLst>
-              <a:ext uri="{FF2B5EF4-FFF2-40B4-BE49-F238E27FC236}">
-                <a16:creationId xmlns:a16="http://schemas.microsoft.com/office/drawing/2014/main" id="{54EC2C16-880C-4CF2-A3AB-9673301420BE}"/>
-              </a:ext>
-            </a:extLst>
-          </p:cNvPr>
-          <p:cNvSpPr>
-            <a:spLocks noGrp="1"/>
-          </p:cNvSpPr>
-          <p:nvPr>
-            <p:ph idx="1"/>
-          </p:nvPr>
-        </p:nvSpPr>
-        <p:spPr>
-          <a:xfrm>
-            <a:off x="7029814" y="949827"/>
-            <a:ext cx="3790585" cy="4765174"/>
-          </a:xfrm>
-        </p:spPr>
-        <p:txBody>
-          <a:bodyPr>
-            <a:normAutofit/>
-          </a:bodyPr>
-          <a:lstStyle/>
-          <a:p>
-            <a:pPr marL="0" indent="0">
-              <a:buNone/>
-            </a:pPr>
-            <a:r>
-              <a:rPr lang="pt-BR" sz="1800" b="0" i="0" dirty="0">
-                <a:effectLst/>
-                <a:latin typeface="-apple-system"/>
-              </a:rPr>
-              <a:t>Esta aplicação apresenta dois tipos de público-alvo, sendo eles, clientes de farmácias/drogarias e funcionários dessas empresas. Dessa maneira, a plataforma poderá ser utilizada para auxiliar tanto quem precisa comprar medicamento(s) quanto os colaboradores das farmácias/drogarias que poderão ter acesso a prescrição médica.</a:t>
-            </a:r>
-            <a:endParaRPr lang="pt-BR" sz="1800" dirty="0"/>
-          </a:p>
-        </p:txBody>
-      </p:sp>
-      <p:sp>
-        <p:nvSpPr>
-          <p:cNvPr id="10" name="Rectangle 9">
-            <a:extLst>
-              <a:ext uri="{FF2B5EF4-FFF2-40B4-BE49-F238E27FC236}">
-                <a16:creationId xmlns:a16="http://schemas.microsoft.com/office/drawing/2014/main" id="{996D093C-29FB-4E3D-9DBB-F237109575AF}"/>
+          <p:cNvPr id="1045" name="Rectangle 88">
+            <a:extLst>
+              <a:ext uri="{FF2B5EF4-FFF2-40B4-BE49-F238E27FC236}">
+                <a16:creationId xmlns:a16="http://schemas.microsoft.com/office/drawing/2014/main" id="{9221F64C-F118-4805-A903-A933923342FD}"/>
               </a:ext>
               <a:ext uri="{C183D7F6-B498-43B3-948B-1728B52AA6E4}">
                 <adec:decorative xmlns:adec="http://schemas.microsoft.com/office/drawing/2017/decorative" val="1"/>
@@ -22453,9 +23381,9 @@
           </p:nvPr>
         </p:nvSpPr>
         <p:spPr>
-          <a:xfrm rot="10800000" flipH="1">
-            <a:off x="0" y="6400373"/>
-            <a:ext cx="12191999" cy="457198"/>
+          <a:xfrm flipH="1">
+            <a:off x="-2" y="-1006"/>
+            <a:ext cx="12192002" cy="2400369"/>
           </a:xfrm>
           <a:prstGeom prst="rect">
             <a:avLst/>
@@ -22463,18 +23391,15 @@
           <a:gradFill>
             <a:gsLst>
               <a:gs pos="0">
-                <a:schemeClr val="accent6">
-                  <a:lumMod val="75000"/>
-                  <a:alpha val="63000"/>
+                <a:schemeClr val="accent2"/>
+              </a:gs>
+              <a:gs pos="100000">
+                <a:schemeClr val="accent4">
+                  <a:alpha val="80000"/>
                 </a:schemeClr>
               </a:gs>
-              <a:gs pos="32000">
-                <a:schemeClr val="accent5">
-                  <a:alpha val="72000"/>
-                </a:schemeClr>
-              </a:gs>
             </a:gsLst>
-            <a:lin ang="21000000" scaled="0"/>
+            <a:lin ang="7200000" scaled="0"/>
           </a:gradFill>
           <a:ln>
             <a:noFill/>
@@ -22501,16 +23426,170 @@
           <a:lstStyle/>
           <a:p>
             <a:pPr algn="ctr"/>
-            <a:endParaRPr lang="en-US"/>
-          </a:p>
-        </p:txBody>
-      </p:sp>
+            <a:endParaRPr lang="en-US" dirty="0"/>
+          </a:p>
+        </p:txBody>
+      </p:sp>
+      <p:pic>
+        <p:nvPicPr>
+          <p:cNvPr id="1038" name="Picture 14" descr="Gustavo Henrique">
+            <a:extLst>
+              <a:ext uri="{FF2B5EF4-FFF2-40B4-BE49-F238E27FC236}">
+                <a16:creationId xmlns:a16="http://schemas.microsoft.com/office/drawing/2014/main" id="{FB5B3186-426A-433D-B42C-3847E6B7AE3A}"/>
+              </a:ext>
+            </a:extLst>
+          </p:cNvPr>
+          <p:cNvPicPr>
+            <a:picLocks noChangeAspect="1" noChangeArrowheads="1"/>
+          </p:cNvPicPr>
+          <p:nvPr/>
+        </p:nvPicPr>
+        <p:blipFill rotWithShape="1">
+          <a:blip r:embed="rId2">
+            <a:extLst>
+              <a:ext uri="{28A0092B-C50C-407E-A947-70E740481C1C}">
+                <a14:useLocalDpi xmlns:a14="http://schemas.microsoft.com/office/drawing/2010/main" val="0"/>
+              </a:ext>
+            </a:extLst>
+          </a:blip>
+          <a:srcRect l="17956" r="15468" b="-2"/>
+          <a:stretch/>
+        </p:blipFill>
+        <p:spPr bwMode="auto">
+          <a:xfrm>
+            <a:off x="1371600" y="1316227"/>
+            <a:ext cx="2831077" cy="2831077"/>
+          </a:xfrm>
+          <a:custGeom>
+            <a:avLst/>
+            <a:gdLst/>
+            <a:ahLst/>
+            <a:cxnLst/>
+            <a:rect l="l" t="t" r="r" b="b"/>
+            <a:pathLst>
+              <a:path w="3124174" h="3124174">
+                <a:moveTo>
+                  <a:pt x="1562087" y="0"/>
+                </a:moveTo>
+                <a:cubicBezTo>
+                  <a:pt x="2424804" y="0"/>
+                  <a:pt x="3124174" y="699370"/>
+                  <a:pt x="3124174" y="1562087"/>
+                </a:cubicBezTo>
+                <a:cubicBezTo>
+                  <a:pt x="3124174" y="2424804"/>
+                  <a:pt x="2424804" y="3124174"/>
+                  <a:pt x="1562087" y="3124174"/>
+                </a:cubicBezTo>
+                <a:cubicBezTo>
+                  <a:pt x="699370" y="3124174"/>
+                  <a:pt x="0" y="2424804"/>
+                  <a:pt x="0" y="1562087"/>
+                </a:cubicBezTo>
+                <a:cubicBezTo>
+                  <a:pt x="0" y="699370"/>
+                  <a:pt x="699370" y="0"/>
+                  <a:pt x="1562087" y="0"/>
+                </a:cubicBezTo>
+                <a:close/>
+              </a:path>
+            </a:pathLst>
+          </a:custGeom>
+          <a:noFill/>
+          <a:extLst>
+            <a:ext uri="{909E8E84-426E-40DD-AFC4-6F175D3DCCD1}">
+              <a14:hiddenFill xmlns:a14="http://schemas.microsoft.com/office/drawing/2010/main">
+                <a:solidFill>
+                  <a:srgbClr val="FFFFFF"/>
+                </a:solidFill>
+              </a14:hiddenFill>
+            </a:ext>
+          </a:extLst>
+        </p:spPr>
+      </p:pic>
+      <p:pic>
+        <p:nvPicPr>
+          <p:cNvPr id="1036" name="Picture 12" descr="Maria Antônia Souza">
+            <a:extLst>
+              <a:ext uri="{FF2B5EF4-FFF2-40B4-BE49-F238E27FC236}">
+                <a16:creationId xmlns:a16="http://schemas.microsoft.com/office/drawing/2014/main" id="{C410E847-2867-493C-81E7-41CCBC088584}"/>
+              </a:ext>
+            </a:extLst>
+          </p:cNvPr>
+          <p:cNvPicPr>
+            <a:picLocks noChangeAspect="1" noChangeArrowheads="1"/>
+          </p:cNvPicPr>
+          <p:nvPr/>
+        </p:nvPicPr>
+        <p:blipFill rotWithShape="1">
+          <a:blip r:embed="rId3">
+            <a:extLst>
+              <a:ext uri="{28A0092B-C50C-407E-A947-70E740481C1C}">
+                <a14:useLocalDpi xmlns:a14="http://schemas.microsoft.com/office/drawing/2010/main" val="0"/>
+              </a:ext>
+            </a:extLst>
+          </a:blip>
+          <a:srcRect t="10133" r="1" b="23348"/>
+          <a:stretch/>
+        </p:blipFill>
+        <p:spPr bwMode="auto">
+          <a:xfrm>
+            <a:off x="4719882" y="1316227"/>
+            <a:ext cx="2831077" cy="2831077"/>
+          </a:xfrm>
+          <a:custGeom>
+            <a:avLst/>
+            <a:gdLst/>
+            <a:ahLst/>
+            <a:cxnLst/>
+            <a:rect l="l" t="t" r="r" b="b"/>
+            <a:pathLst>
+              <a:path w="3124174" h="3124174">
+                <a:moveTo>
+                  <a:pt x="1562087" y="0"/>
+                </a:moveTo>
+                <a:cubicBezTo>
+                  <a:pt x="2424804" y="0"/>
+                  <a:pt x="3124174" y="699370"/>
+                  <a:pt x="3124174" y="1562087"/>
+                </a:cubicBezTo>
+                <a:cubicBezTo>
+                  <a:pt x="3124174" y="2424804"/>
+                  <a:pt x="2424804" y="3124174"/>
+                  <a:pt x="1562087" y="3124174"/>
+                </a:cubicBezTo>
+                <a:cubicBezTo>
+                  <a:pt x="699370" y="3124174"/>
+                  <a:pt x="0" y="2424804"/>
+                  <a:pt x="0" y="1562087"/>
+                </a:cubicBezTo>
+                <a:cubicBezTo>
+                  <a:pt x="0" y="699370"/>
+                  <a:pt x="699370" y="0"/>
+                  <a:pt x="1562087" y="0"/>
+                </a:cubicBezTo>
+                <a:close/>
+              </a:path>
+            </a:pathLst>
+          </a:custGeom>
+          <a:noFill/>
+          <a:extLst>
+            <a:ext uri="{909E8E84-426E-40DD-AFC4-6F175D3DCCD1}">
+              <a14:hiddenFill xmlns:a14="http://schemas.microsoft.com/office/drawing/2010/main">
+                <a:solidFill>
+                  <a:srgbClr val="FFFFFF"/>
+                </a:solidFill>
+              </a14:hiddenFill>
+            </a:ext>
+          </a:extLst>
+        </p:spPr>
+      </p:pic>
       <p:sp>
         <p:nvSpPr>
-          <p:cNvPr id="12" name="Rectangle 11">
-            <a:extLst>
-              <a:ext uri="{FF2B5EF4-FFF2-40B4-BE49-F238E27FC236}">
-                <a16:creationId xmlns:a16="http://schemas.microsoft.com/office/drawing/2014/main" id="{A5F13265-BEA0-4856-9FFF-9156F3F52C8D}"/>
+          <p:cNvPr id="1046" name="Rectangle 90">
+            <a:extLst>
+              <a:ext uri="{FF2B5EF4-FFF2-40B4-BE49-F238E27FC236}">
+                <a16:creationId xmlns:a16="http://schemas.microsoft.com/office/drawing/2014/main" id="{5B6DADAD-ACA2-49B8-9C1D-909C99176A75}"/>
               </a:ext>
               <a:ext uri="{C183D7F6-B498-43B3-948B-1728B52AA6E4}">
                 <adec:decorative xmlns:adec="http://schemas.microsoft.com/office/drawing/2017/decorative" val="1"/>
@@ -22530,8 +23609,8 @@
         </p:nvSpPr>
         <p:spPr>
           <a:xfrm flipH="1">
-            <a:off x="4038600" y="6400373"/>
-            <a:ext cx="8153398" cy="457199"/>
+            <a:off x="9628496" y="18798"/>
+            <a:ext cx="2563504" cy="2380565"/>
           </a:xfrm>
           <a:prstGeom prst="rect">
             <a:avLst/>
@@ -22539,18 +23618,17 @@
           <a:gradFill>
             <a:gsLst>
               <a:gs pos="0">
-                <a:schemeClr val="accent6">
-                  <a:lumMod val="75000"/>
-                  <a:alpha val="30000"/>
+                <a:schemeClr val="accent5">
+                  <a:alpha val="54000"/>
                 </a:schemeClr>
               </a:gs>
-              <a:gs pos="71000">
-                <a:schemeClr val="accent2">
-                  <a:alpha val="61000"/>
+              <a:gs pos="69000">
+                <a:schemeClr val="accent5">
+                  <a:alpha val="0"/>
                 </a:schemeClr>
               </a:gs>
             </a:gsLst>
-            <a:lin ang="0" scaled="0"/>
+            <a:lin ang="15000000" scaled="0"/>
           </a:gradFill>
           <a:ln>
             <a:noFill/>
@@ -22577,20 +23655,505 @@
           <a:lstStyle/>
           <a:p>
             <a:pPr algn="ctr"/>
-            <a:endParaRPr lang="en-US"/>
+            <a:endParaRPr lang="en-US" dirty="0"/>
+          </a:p>
+        </p:txBody>
+      </p:sp>
+      <p:pic>
+        <p:nvPicPr>
+          <p:cNvPr id="1034" name="Picture 10" descr="Fernando Oliveira">
+            <a:extLst>
+              <a:ext uri="{FF2B5EF4-FFF2-40B4-BE49-F238E27FC236}">
+                <a16:creationId xmlns:a16="http://schemas.microsoft.com/office/drawing/2014/main" id="{170EBBC3-3706-4D64-9D25-D61BB2ED25FD}"/>
+              </a:ext>
+            </a:extLst>
+          </p:cNvPr>
+          <p:cNvPicPr>
+            <a:picLocks noChangeAspect="1" noChangeArrowheads="1"/>
+          </p:cNvPicPr>
+          <p:nvPr/>
+        </p:nvPicPr>
+        <p:blipFill rotWithShape="1">
+          <a:blip r:embed="rId4">
+            <a:extLst>
+              <a:ext uri="{28A0092B-C50C-407E-A947-70E740481C1C}">
+                <a14:useLocalDpi xmlns:a14="http://schemas.microsoft.com/office/drawing/2010/main" val="0"/>
+              </a:ext>
+            </a:extLst>
+          </a:blip>
+          <a:srcRect r="31" b="1"/>
+          <a:stretch/>
+        </p:blipFill>
+        <p:spPr bwMode="auto">
+          <a:xfrm>
+            <a:off x="8017894" y="1316227"/>
+            <a:ext cx="2830216" cy="2831077"/>
+          </a:xfrm>
+          <a:custGeom>
+            <a:avLst/>
+            <a:gdLst/>
+            <a:ahLst/>
+            <a:cxnLst/>
+            <a:rect l="l" t="t" r="r" b="b"/>
+            <a:pathLst>
+              <a:path w="3123224" h="3124174">
+                <a:moveTo>
+                  <a:pt x="1561137" y="0"/>
+                </a:moveTo>
+                <a:cubicBezTo>
+                  <a:pt x="2423854" y="0"/>
+                  <a:pt x="3123224" y="699370"/>
+                  <a:pt x="3123224" y="1562087"/>
+                </a:cubicBezTo>
+                <a:cubicBezTo>
+                  <a:pt x="3123224" y="2424804"/>
+                  <a:pt x="2423854" y="3124174"/>
+                  <a:pt x="1561137" y="3124174"/>
+                </a:cubicBezTo>
+                <a:cubicBezTo>
+                  <a:pt x="752340" y="3124174"/>
+                  <a:pt x="87110" y="2509494"/>
+                  <a:pt x="7115" y="1721802"/>
+                </a:cubicBezTo>
+                <a:lnTo>
+                  <a:pt x="0" y="1580900"/>
+                </a:lnTo>
+                <a:lnTo>
+                  <a:pt x="0" y="1543275"/>
+                </a:lnTo>
+                <a:lnTo>
+                  <a:pt x="7115" y="1402373"/>
+                </a:lnTo>
+                <a:cubicBezTo>
+                  <a:pt x="87110" y="614681"/>
+                  <a:pt x="752340" y="0"/>
+                  <a:pt x="1561137" y="0"/>
+                </a:cubicBezTo>
+                <a:close/>
+              </a:path>
+            </a:pathLst>
+          </a:custGeom>
+          <a:noFill/>
+          <a:extLst>
+            <a:ext uri="{909E8E84-426E-40DD-AFC4-6F175D3DCCD1}">
+              <a14:hiddenFill xmlns:a14="http://schemas.microsoft.com/office/drawing/2010/main">
+                <a:solidFill>
+                  <a:srgbClr val="FFFFFF"/>
+                </a:solidFill>
+              </a14:hiddenFill>
+            </a:ext>
+          </a:extLst>
+        </p:spPr>
+      </p:pic>
+      <p:sp>
+        <p:nvSpPr>
+          <p:cNvPr id="3" name="CaixaDeTexto 2">
+            <a:extLst>
+              <a:ext uri="{FF2B5EF4-FFF2-40B4-BE49-F238E27FC236}">
+                <a16:creationId xmlns:a16="http://schemas.microsoft.com/office/drawing/2014/main" id="{40B3840E-613F-4F23-8C75-995E4543C39A}"/>
+              </a:ext>
+            </a:extLst>
+          </p:cNvPr>
+          <p:cNvSpPr txBox="1"/>
+          <p:nvPr/>
+        </p:nvSpPr>
+        <p:spPr>
+          <a:xfrm>
+            <a:off x="8527177" y="740360"/>
+            <a:ext cx="2678677" cy="369332"/>
+          </a:xfrm>
+          <a:prstGeom prst="rect">
+            <a:avLst/>
+          </a:prstGeom>
+          <a:noFill/>
+        </p:spPr>
+        <p:txBody>
+          <a:bodyPr wrap="square" rtlCol="0">
+            <a:spAutoFit/>
+          </a:bodyPr>
+          <a:lstStyle/>
+          <a:p>
+            <a:r>
+              <a:rPr lang="pt-BR" b="1" i="0" dirty="0">
+                <a:effectLst/>
+                <a:latin typeface="-apple-system"/>
+              </a:rPr>
+              <a:t>Fernando Oliveira</a:t>
+            </a:r>
+            <a:endParaRPr lang="pt-BR" dirty="0"/>
+          </a:p>
+        </p:txBody>
+      </p:sp>
+      <p:sp>
+        <p:nvSpPr>
+          <p:cNvPr id="26" name="CaixaDeTexto 25">
+            <a:extLst>
+              <a:ext uri="{FF2B5EF4-FFF2-40B4-BE49-F238E27FC236}">
+                <a16:creationId xmlns:a16="http://schemas.microsoft.com/office/drawing/2014/main" id="{108C3068-0847-4118-A46C-C5C27F0A1B3E}"/>
+              </a:ext>
+            </a:extLst>
+          </p:cNvPr>
+          <p:cNvSpPr txBox="1"/>
+          <p:nvPr/>
+        </p:nvSpPr>
+        <p:spPr>
+          <a:xfrm>
+            <a:off x="5197098" y="730172"/>
+            <a:ext cx="2678677" cy="369332"/>
+          </a:xfrm>
+          <a:prstGeom prst="rect">
+            <a:avLst/>
+          </a:prstGeom>
+          <a:noFill/>
+        </p:spPr>
+        <p:txBody>
+          <a:bodyPr wrap="square" rtlCol="0">
+            <a:spAutoFit/>
+          </a:bodyPr>
+          <a:lstStyle/>
+          <a:p>
+            <a:r>
+              <a:rPr lang="pt-BR" b="1" i="0" dirty="0">
+                <a:effectLst/>
+                <a:latin typeface="-apple-system"/>
+              </a:rPr>
+              <a:t>Maria Antônia Souza</a:t>
+            </a:r>
+            <a:endParaRPr lang="pt-BR" dirty="0"/>
+          </a:p>
+        </p:txBody>
+      </p:sp>
+      <p:sp>
+        <p:nvSpPr>
+          <p:cNvPr id="27" name="CaixaDeTexto 26">
+            <a:extLst>
+              <a:ext uri="{FF2B5EF4-FFF2-40B4-BE49-F238E27FC236}">
+                <a16:creationId xmlns:a16="http://schemas.microsoft.com/office/drawing/2014/main" id="{ABB553C3-CFFA-471F-9FA6-ED10E891E634}"/>
+              </a:ext>
+            </a:extLst>
+          </p:cNvPr>
+          <p:cNvSpPr txBox="1"/>
+          <p:nvPr/>
+        </p:nvSpPr>
+        <p:spPr>
+          <a:xfrm>
+            <a:off x="1812037" y="730172"/>
+            <a:ext cx="2678677" cy="369332"/>
+          </a:xfrm>
+          <a:prstGeom prst="rect">
+            <a:avLst/>
+          </a:prstGeom>
+          <a:noFill/>
+        </p:spPr>
+        <p:txBody>
+          <a:bodyPr wrap="square" rtlCol="0">
+            <a:spAutoFit/>
+          </a:bodyPr>
+          <a:lstStyle/>
+          <a:p>
+            <a:r>
+              <a:rPr lang="pt-BR" b="1" i="0" dirty="0">
+                <a:effectLst/>
+                <a:latin typeface="-apple-system"/>
+              </a:rPr>
+              <a:t>Gustavo Henrique</a:t>
+            </a:r>
+            <a:endParaRPr lang="pt-BR" dirty="0"/>
+          </a:p>
+        </p:txBody>
+      </p:sp>
+      <p:sp>
+        <p:nvSpPr>
+          <p:cNvPr id="28" name="CaixaDeTexto 27">
+            <a:extLst>
+              <a:ext uri="{FF2B5EF4-FFF2-40B4-BE49-F238E27FC236}">
+                <a16:creationId xmlns:a16="http://schemas.microsoft.com/office/drawing/2014/main" id="{131EB1BE-5873-4C19-8676-0432C021068D}"/>
+              </a:ext>
+            </a:extLst>
+          </p:cNvPr>
+          <p:cNvSpPr txBox="1"/>
+          <p:nvPr/>
+        </p:nvSpPr>
+        <p:spPr>
+          <a:xfrm>
+            <a:off x="8149629" y="4353839"/>
+            <a:ext cx="2678677" cy="1200329"/>
+          </a:xfrm>
+          <a:prstGeom prst="rect">
+            <a:avLst/>
+          </a:prstGeom>
+          <a:noFill/>
+        </p:spPr>
+        <p:txBody>
+          <a:bodyPr wrap="square" rtlCol="0">
+            <a:spAutoFit/>
+          </a:bodyPr>
+          <a:lstStyle/>
+          <a:p>
+            <a:pPr marL="285750" indent="-285750">
+              <a:buFont typeface="Arial" panose="020B0604020202020204" pitchFamily="34" charset="0"/>
+              <a:buChar char="•"/>
+            </a:pPr>
+            <a:r>
+              <a:rPr lang="pt-BR" i="0" dirty="0">
+                <a:effectLst/>
+                <a:latin typeface="-apple-system"/>
+              </a:rPr>
+              <a:t>Administrador de empresas</a:t>
+            </a:r>
+          </a:p>
+          <a:p>
+            <a:pPr marL="285750" indent="-285750">
+              <a:buFont typeface="Arial" panose="020B0604020202020204" pitchFamily="34" charset="0"/>
+              <a:buChar char="•"/>
+            </a:pPr>
+            <a:r>
+              <a:rPr lang="pt-BR" dirty="0"/>
+              <a:t>Hipertenso</a:t>
+            </a:r>
+          </a:p>
+          <a:p>
+            <a:pPr marL="285750" indent="-285750">
+              <a:buFont typeface="Arial" panose="020B0604020202020204" pitchFamily="34" charset="0"/>
+              <a:buChar char="•"/>
+            </a:pPr>
+            <a:r>
+              <a:rPr lang="pt-BR" dirty="0"/>
+              <a:t>Muito atarefado</a:t>
+            </a:r>
+          </a:p>
+        </p:txBody>
+      </p:sp>
+      <p:sp>
+        <p:nvSpPr>
+          <p:cNvPr id="29" name="CaixaDeTexto 28">
+            <a:extLst>
+              <a:ext uri="{FF2B5EF4-FFF2-40B4-BE49-F238E27FC236}">
+                <a16:creationId xmlns:a16="http://schemas.microsoft.com/office/drawing/2014/main" id="{70AF52EC-662C-4A65-868C-6D5ABD769C9B}"/>
+              </a:ext>
+            </a:extLst>
+          </p:cNvPr>
+          <p:cNvSpPr txBox="1"/>
+          <p:nvPr/>
+        </p:nvSpPr>
+        <p:spPr>
+          <a:xfrm>
+            <a:off x="4756660" y="4523001"/>
+            <a:ext cx="2678677" cy="923330"/>
+          </a:xfrm>
+          <a:prstGeom prst="rect">
+            <a:avLst/>
+          </a:prstGeom>
+          <a:noFill/>
+        </p:spPr>
+        <p:txBody>
+          <a:bodyPr wrap="square" rtlCol="0">
+            <a:spAutoFit/>
+          </a:bodyPr>
+          <a:lstStyle/>
+          <a:p>
+            <a:pPr marL="285750" indent="-285750">
+              <a:buFont typeface="Arial" panose="020B0604020202020204" pitchFamily="34" charset="0"/>
+              <a:buChar char="•"/>
+            </a:pPr>
+            <a:r>
+              <a:rPr lang="pt-BR" i="0" dirty="0">
+                <a:effectLst/>
+                <a:latin typeface="-apple-system"/>
+              </a:rPr>
+              <a:t>Costureira Aposentada</a:t>
+            </a:r>
+          </a:p>
+          <a:p>
+            <a:pPr marL="285750" indent="-285750">
+              <a:buFont typeface="Arial" panose="020B0604020202020204" pitchFamily="34" charset="0"/>
+              <a:buChar char="•"/>
+            </a:pPr>
+            <a:r>
+              <a:rPr lang="pt-BR" dirty="0"/>
+              <a:t>Diversos remédios</a:t>
+            </a:r>
+          </a:p>
+          <a:p>
+            <a:pPr marL="285750" indent="-285750">
+              <a:buFont typeface="Arial" panose="020B0604020202020204" pitchFamily="34" charset="0"/>
+              <a:buChar char="•"/>
+            </a:pPr>
+            <a:r>
+              <a:rPr lang="pt-BR" dirty="0"/>
+              <a:t>Esquecimento</a:t>
+            </a:r>
+          </a:p>
+        </p:txBody>
+      </p:sp>
+      <p:sp>
+        <p:nvSpPr>
+          <p:cNvPr id="30" name="CaixaDeTexto 29">
+            <a:extLst>
+              <a:ext uri="{FF2B5EF4-FFF2-40B4-BE49-F238E27FC236}">
+                <a16:creationId xmlns:a16="http://schemas.microsoft.com/office/drawing/2014/main" id="{BAB0E4A6-6AD4-4895-9363-D60EF47F7BB3}"/>
+              </a:ext>
+            </a:extLst>
+          </p:cNvPr>
+          <p:cNvSpPr txBox="1"/>
+          <p:nvPr/>
+        </p:nvSpPr>
+        <p:spPr>
+          <a:xfrm>
+            <a:off x="1343887" y="4486658"/>
+            <a:ext cx="2678677" cy="1200329"/>
+          </a:xfrm>
+          <a:prstGeom prst="rect">
+            <a:avLst/>
+          </a:prstGeom>
+          <a:noFill/>
+        </p:spPr>
+        <p:txBody>
+          <a:bodyPr wrap="square" rtlCol="0">
+            <a:spAutoFit/>
+          </a:bodyPr>
+          <a:lstStyle/>
+          <a:p>
+            <a:pPr marL="285750" indent="-285750">
+              <a:buFont typeface="Arial" panose="020B0604020202020204" pitchFamily="34" charset="0"/>
+              <a:buChar char="•"/>
+            </a:pPr>
+            <a:r>
+              <a:rPr lang="pt-BR" dirty="0">
+                <a:latin typeface="-apple-system"/>
+              </a:rPr>
+              <a:t>Balconista da Farmácia</a:t>
+            </a:r>
+          </a:p>
+          <a:p>
+            <a:pPr marL="285750" indent="-285750">
+              <a:buFont typeface="Arial" panose="020B0604020202020204" pitchFamily="34" charset="0"/>
+              <a:buChar char="•"/>
+            </a:pPr>
+            <a:r>
+              <a:rPr lang="pt-BR" dirty="0">
+                <a:latin typeface="-apple-system"/>
+              </a:rPr>
+              <a:t>Diversos medicamentos</a:t>
+            </a:r>
+          </a:p>
+          <a:p>
+            <a:pPr marL="285750" indent="-285750">
+              <a:buFont typeface="Arial" panose="020B0604020202020204" pitchFamily="34" charset="0"/>
+              <a:buChar char="•"/>
+            </a:pPr>
+            <a:r>
+              <a:rPr lang="pt-BR" dirty="0">
+                <a:latin typeface="-apple-system"/>
+              </a:rPr>
+              <a:t>Dificuldade com prescrições médicas</a:t>
+            </a:r>
+            <a:endParaRPr lang="pt-BR" dirty="0"/>
           </a:p>
         </p:txBody>
       </p:sp>
     </p:spTree>
     <p:extLst>
       <p:ext uri="{BB962C8B-B14F-4D97-AF65-F5344CB8AC3E}">
-        <p14:creationId xmlns:p14="http://schemas.microsoft.com/office/powerpoint/2010/main" val="1840866618"/>
+        <p14:creationId xmlns:p14="http://schemas.microsoft.com/office/powerpoint/2010/main" val="3285620180"/>
       </p:ext>
     </p:extLst>
   </p:cSld>
   <p:clrMapOvr>
     <a:masterClrMapping/>
   </p:clrMapOvr>
+  <p:timing>
+    <p:tnLst>
+      <p:par>
+        <p:cTn id="1" dur="indefinite" restart="never" nodeType="tmRoot">
+          <p:childTnLst>
+            <p:seq concurrent="1" nextAc="seek">
+              <p:cTn id="2" dur="indefinite" nodeType="mainSeq">
+                <p:childTnLst>
+                  <p:par>
+                    <p:cTn id="3" fill="hold">
+                      <p:stCondLst>
+                        <p:cond delay="indefinite"/>
+                        <p:cond evt="onBegin" delay="0">
+                          <p:tn val="2"/>
+                        </p:cond>
+                      </p:stCondLst>
+                      <p:childTnLst>
+                        <p:par>
+                          <p:cTn id="4" fill="hold">
+                            <p:stCondLst>
+                              <p:cond delay="0"/>
+                            </p:stCondLst>
+                            <p:childTnLst>
+                              <p:par>
+                                <p:cTn id="5" presetID="10" presetClass="entr" presetSubtype="0" fill="hold" grpId="0" nodeType="withEffect">
+                                  <p:stCondLst>
+                                    <p:cond delay="1000"/>
+                                  </p:stCondLst>
+                                  <p:iterate>
+                                    <p:tmPct val="10000"/>
+                                  </p:iterate>
+                                  <p:childTnLst>
+                                    <p:set>
+                                      <p:cBhvr>
+                                        <p:cTn id="6" dur="1" fill="hold">
+                                          <p:stCondLst>
+                                            <p:cond delay="0"/>
+                                          </p:stCondLst>
+                                        </p:cTn>
+                                        <p:tgtEl>
+                                          <p:spTgt spid="2"/>
+                                        </p:tgtEl>
+                                        <p:attrNameLst>
+                                          <p:attrName>style.visibility</p:attrName>
+                                        </p:attrNameLst>
+                                      </p:cBhvr>
+                                      <p:to>
+                                        <p:strVal val="visible"/>
+                                      </p:to>
+                                    </p:set>
+                                    <p:animEffect transition="in" filter="fade">
+                                      <p:cBhvr>
+                                        <p:cTn id="7" dur="700"/>
+                                        <p:tgtEl>
+                                          <p:spTgt spid="2"/>
+                                        </p:tgtEl>
+                                      </p:cBhvr>
+                                    </p:animEffect>
+                                  </p:childTnLst>
+                                </p:cTn>
+                              </p:par>
+                            </p:childTnLst>
+                          </p:cTn>
+                        </p:par>
+                      </p:childTnLst>
+                    </p:cTn>
+                  </p:par>
+                </p:childTnLst>
+              </p:cTn>
+              <p:prevCondLst>
+                <p:cond evt="onPrev" delay="0">
+                  <p:tgtEl>
+                    <p:sldTgt/>
+                  </p:tgtEl>
+                </p:cond>
+              </p:prevCondLst>
+              <p:nextCondLst>
+                <p:cond evt="onNext" delay="0">
+                  <p:tgtEl>
+                    <p:sldTgt/>
+                  </p:tgtEl>
+                </p:cond>
+              </p:nextCondLst>
+            </p:seq>
+          </p:childTnLst>
+        </p:cTn>
+      </p:par>
+    </p:tnLst>
+    <p:bldLst>
+      <p:bldP spid="2" grpId="0"/>
+    </p:bldLst>
+  </p:timing>
 </p:sld>
 </file>
 
@@ -22621,7 +24184,7 @@
       </p:grpSpPr>
       <p:sp useBgFill="1">
         <p:nvSpPr>
-          <p:cNvPr id="9" name="Rectangle 8">
+          <p:cNvPr id="15" name="Rectangle 14">
             <a:extLst>
               <a:ext uri="{FF2B5EF4-FFF2-40B4-BE49-F238E27FC236}">
                 <a16:creationId xmlns:a16="http://schemas.microsoft.com/office/drawing/2014/main" id="{040BF4A1-714C-419E-A19F-578DE93BE02F}"/>
@@ -22697,7 +24260,7 @@
       </p:sp>
       <p:sp>
         <p:nvSpPr>
-          <p:cNvPr id="11" name="Rectangle 10">
+          <p:cNvPr id="17" name="Rectangle 16">
             <a:extLst>
               <a:ext uri="{FF2B5EF4-FFF2-40B4-BE49-F238E27FC236}">
                 <a16:creationId xmlns:a16="http://schemas.microsoft.com/office/drawing/2014/main" id="{2F91A9BD-D57F-4941-931F-40597AB37017}"/>
@@ -22770,7 +24333,7 @@
       </p:sp>
       <p:sp>
         <p:nvSpPr>
-          <p:cNvPr id="13" name="Rectangle 12">
+          <p:cNvPr id="19" name="Rectangle 18">
             <a:extLst>
               <a:ext uri="{FF2B5EF4-FFF2-40B4-BE49-F238E27FC236}">
                 <a16:creationId xmlns:a16="http://schemas.microsoft.com/office/drawing/2014/main" id="{C54DB264-9467-4730-B9E9-C9A97DD66920}"/>
@@ -22845,7 +24408,7 @@
       </p:sp>
       <p:sp>
         <p:nvSpPr>
-          <p:cNvPr id="15" name="Freeform: Shape 14">
+          <p:cNvPr id="25" name="Freeform: Shape 20">
             <a:extLst>
               <a:ext uri="{FF2B5EF4-FFF2-40B4-BE49-F238E27FC236}">
                 <a16:creationId xmlns:a16="http://schemas.microsoft.com/office/drawing/2014/main" id="{BB097F88-2120-47B4-B891-5B28F66BBD4A}"/>
@@ -23017,7 +24580,7 @@
       </p:sp>
       <p:sp>
         <p:nvSpPr>
-          <p:cNvPr id="17" name="Rectangle 16">
+          <p:cNvPr id="26" name="Rectangle 22">
             <a:extLst>
               <a:ext uri="{FF2B5EF4-FFF2-40B4-BE49-F238E27FC236}">
                 <a16:creationId xmlns:a16="http://schemas.microsoft.com/office/drawing/2014/main" id="{BF9338F5-05AB-4DC5-BD1C-1A9F26C38A7A}"/>
@@ -23095,7 +24658,7 @@
           <p:cNvPr id="2" name="Título 1">
             <a:extLst>
               <a:ext uri="{FF2B5EF4-FFF2-40B4-BE49-F238E27FC236}">
-                <a16:creationId xmlns:a16="http://schemas.microsoft.com/office/drawing/2014/main" id="{0E36B28D-7BCB-41A5-8F34-FCB51630EB28}"/>
+                <a16:creationId xmlns:a16="http://schemas.microsoft.com/office/drawing/2014/main" id="{44B92204-69D9-4078-8C8A-9198AA30D74A}"/>
               </a:ext>
             </a:extLst>
           </p:cNvPr>
@@ -23108,7 +24671,7 @@
         </p:nvSpPr>
         <p:spPr>
           <a:xfrm>
-            <a:off x="419357" y="263559"/>
+            <a:off x="457200" y="868280"/>
             <a:ext cx="3390645" cy="3363597"/>
           </a:xfrm>
         </p:spPr>
@@ -23120,14 +24683,25 @@
           <a:p>
             <a:pPr algn="r"/>
             <a:r>
-              <a:rPr lang="pt-BR" sz="3200" dirty="0" err="1">
+              <a:rPr lang="pt-BR" sz="2200" b="1" i="0">
                 <a:solidFill>
                   <a:schemeClr val="bg1"/>
                 </a:solidFill>
+                <a:effectLst/>
+                <a:latin typeface="-apple-system"/>
               </a:rPr>
-              <a:t>PErsonas</a:t>
+              <a:t>Especificações do Projeto</a:t>
             </a:r>
-            <a:endParaRPr lang="pt-BR" sz="3200" dirty="0">
+            <a:br>
+              <a:rPr lang="pt-BR" sz="2200" b="1" i="0">
+                <a:solidFill>
+                  <a:schemeClr val="bg1"/>
+                </a:solidFill>
+                <a:effectLst/>
+                <a:latin typeface="-apple-system"/>
+              </a:rPr>
+            </a:br>
+            <a:endParaRPr lang="pt-BR" sz="2200">
               <a:solidFill>
                 <a:schemeClr val="bg1"/>
               </a:solidFill>
@@ -23137,10 +24711,10 @@
       </p:sp>
       <p:graphicFrame>
         <p:nvGraphicFramePr>
-          <p:cNvPr id="4" name="Tabela 4">
-            <a:extLst>
-              <a:ext uri="{FF2B5EF4-FFF2-40B4-BE49-F238E27FC236}">
-                <a16:creationId xmlns:a16="http://schemas.microsoft.com/office/drawing/2014/main" id="{049FE232-7872-4D6D-B90D-A7AFE2605246}"/>
+          <p:cNvPr id="10" name="Tabela 10">
+            <a:extLst>
+              <a:ext uri="{FF2B5EF4-FFF2-40B4-BE49-F238E27FC236}">
+                <a16:creationId xmlns:a16="http://schemas.microsoft.com/office/drawing/2014/main" id="{39046BD1-511C-4960-9C61-B4DC328FEA24}"/>
               </a:ext>
             </a:extLst>
           </p:cNvPr>
@@ -23151,14 +24725,14 @@
             <p:ph idx="1"/>
             <p:extLst>
               <p:ext uri="{D42A27DB-BD31-4B8C-83A1-F6EECF244321}">
-                <p14:modId xmlns:p14="http://schemas.microsoft.com/office/powerpoint/2010/main" val="2873540985"/>
+                <p14:modId xmlns:p14="http://schemas.microsoft.com/office/powerpoint/2010/main" val="2671491760"/>
               </p:ext>
             </p:extLst>
           </p:nvPr>
         </p:nvGraphicFramePr>
         <p:xfrm>
-          <a:off x="4038219" y="-1"/>
-          <a:ext cx="8153016" cy="6853952"/>
+          <a:off x="4038220" y="-1"/>
+          <a:ext cx="8153780" cy="6853950"/>
         </p:xfrm>
         <a:graphic>
           <a:graphicData uri="http://schemas.openxmlformats.org/drawingml/2006/table">
@@ -23167,44 +24741,50 @@
                 <a:tableStyleId>{5C22544A-7EE6-4342-B048-85BDC9FD1C3A}</a:tableStyleId>
               </a:tblPr>
               <a:tblGrid>
-                <a:gridCol w="3732389">
+                <a:gridCol w="1481471">
                   <a:extLst>
                     <a:ext uri="{9D8B030D-6E8A-4147-A177-3AD203B41FA5}">
-                      <a16:colId xmlns:a16="http://schemas.microsoft.com/office/drawing/2014/main" val="1043927191"/>
+                      <a16:colId xmlns:a16="http://schemas.microsoft.com/office/drawing/2014/main" val="1381748901"/>
                     </a:ext>
                   </a:extLst>
                 </a:gridCol>
-                <a:gridCol w="4420627">
+                <a:gridCol w="4410487">
                   <a:extLst>
                     <a:ext uri="{9D8B030D-6E8A-4147-A177-3AD203B41FA5}">
-                      <a16:colId xmlns:a16="http://schemas.microsoft.com/office/drawing/2014/main" val="3154651015"/>
+                      <a16:colId xmlns:a16="http://schemas.microsoft.com/office/drawing/2014/main" val="573002531"/>
+                    </a:ext>
+                  </a:extLst>
+                </a:gridCol>
+                <a:gridCol w="2261822">
+                  <a:extLst>
+                    <a:ext uri="{9D8B030D-6E8A-4147-A177-3AD203B41FA5}">
+                      <a16:colId xmlns:a16="http://schemas.microsoft.com/office/drawing/2014/main" val="3359840312"/>
                     </a:ext>
                   </a:extLst>
                 </a:gridCol>
               </a:tblGrid>
-              <a:tr h="191073">
+              <a:tr h="416612">
                 <a:tc>
                   <a:txBody>
                     <a:bodyPr/>
                     <a:lstStyle/>
                     <a:p>
-                      <a:pPr algn="ctr"/>
                       <a:r>
-                        <a:rPr lang="pt-BR" sz="700" b="1" dirty="0">
+                        <a:rPr lang="pt-BR" sz="1200" b="1" dirty="0">
                           <a:solidFill>
                             <a:schemeClr val="tx2"/>
                           </a:solidFill>
                           <a:effectLst/>
                         </a:rPr>
-                        <a:t>Fernando Oliveira</a:t>
+                        <a:t>ID</a:t>
                       </a:r>
                     </a:p>
                   </a:txBody>
-                  <a:tcPr marL="48253" marR="48253" marT="22271" marB="22271" anchor="ctr">
+                  <a:tcPr marL="51594" marR="51594" marT="23812" marB="23812" anchor="ctr">
                     <a:solidFill>
-                      <a:schemeClr val="accent1">
-                        <a:lumMod val="20000"/>
-                        <a:lumOff val="80000"/>
+                      <a:schemeClr val="accent6">
+                        <a:lumMod val="60000"/>
+                        <a:lumOff val="40000"/>
                       </a:schemeClr>
                     </a:solidFill>
                   </a:tcPr>
@@ -23214,471 +24794,738 @@
                     <a:bodyPr/>
                     <a:lstStyle/>
                     <a:p>
-                      <a:pPr algn="l"/>
                       <a:r>
-                        <a:rPr lang="pt-BR" sz="700" b="1" dirty="0">
+                        <a:rPr lang="pt-BR" sz="1200" b="1">
                           <a:solidFill>
                             <a:schemeClr val="tx2"/>
                           </a:solidFill>
                           <a:effectLst/>
                         </a:rPr>
-                        <a:t>Administrador</a:t>
+                        <a:t>Descrição do Requisito</a:t>
                       </a:r>
                     </a:p>
                   </a:txBody>
-                  <a:tcPr marL="48253" marR="48253" marT="22271" marB="22271" anchor="ctr">
+                  <a:tcPr marL="51594" marR="51594" marT="23812" marB="23812" anchor="ctr">
                     <a:solidFill>
-                      <a:schemeClr val="accent1">
-                        <a:lumMod val="20000"/>
-                        <a:lumOff val="80000"/>
+                      <a:schemeClr val="accent6">
+                        <a:lumMod val="60000"/>
+                        <a:lumOff val="40000"/>
+                      </a:schemeClr>
+                    </a:solidFill>
+                  </a:tcPr>
+                </a:tc>
+                <a:tc>
+                  <a:txBody>
+                    <a:bodyPr/>
+                    <a:lstStyle/>
+                    <a:p>
+                      <a:r>
+                        <a:rPr lang="pt-BR" sz="1200" b="1" dirty="0">
+                          <a:solidFill>
+                            <a:schemeClr val="tx2"/>
+                          </a:solidFill>
+                          <a:effectLst/>
+                        </a:rPr>
+                        <a:t>Prioridade</a:t>
+                      </a:r>
+                    </a:p>
+                  </a:txBody>
+                  <a:tcPr marL="51594" marR="51594" marT="23812" marB="23812" anchor="ctr">
+                    <a:solidFill>
+                      <a:schemeClr val="accent6">
+                        <a:lumMod val="60000"/>
+                        <a:lumOff val="40000"/>
                       </a:schemeClr>
                     </a:solidFill>
                   </a:tcPr>
                 </a:tc>
                 <a:extLst>
                   <a:ext uri="{0D108BD9-81ED-4DB2-BD59-A6C34878D82A}">
-                    <a16:rowId xmlns:a16="http://schemas.microsoft.com/office/drawing/2014/main" val="1950719875"/>
+                    <a16:rowId xmlns:a16="http://schemas.microsoft.com/office/drawing/2014/main" val="2921396466"/>
                   </a:ext>
                 </a:extLst>
               </a:tr>
-              <a:tr h="1053979">
+              <a:tr h="685395">
                 <a:tc>
                   <a:txBody>
                     <a:bodyPr/>
                     <a:lstStyle/>
                     <a:p>
-                      <a:pPr algn="ctr"/>
-                      <a:endParaRPr lang="pt-BR" sz="700" dirty="0">
-                        <a:effectLst/>
-                      </a:endParaRPr>
+                      <a:r>
+                        <a:rPr lang="pt-BR" sz="1200">
+                          <a:solidFill>
+                            <a:schemeClr val="tx2"/>
+                          </a:solidFill>
+                          <a:effectLst/>
+                        </a:rPr>
+                        <a:t>RF-01</a:t>
+                      </a:r>
                     </a:p>
                   </a:txBody>
-                  <a:tcPr marL="48253" marR="48253" marT="22271" marB="22271" anchor="ctr"/>
+                  <a:tcPr marL="51594" marR="51594" marT="23812" marB="23812" anchor="ctr">
+                    <a:solidFill>
+                      <a:schemeClr val="accent6">
+                        <a:lumMod val="60000"/>
+                        <a:lumOff val="40000"/>
+                      </a:schemeClr>
+                    </a:solidFill>
+                  </a:tcPr>
                 </a:tc>
                 <a:tc>
                   <a:txBody>
                     <a:bodyPr/>
                     <a:lstStyle/>
                     <a:p>
-                      <a:pPr algn="l"/>
                       <a:r>
-                        <a:rPr lang="pt-BR" sz="700">
+                        <a:rPr lang="pt-BR" sz="1200" dirty="0">
+                          <a:solidFill>
+                            <a:schemeClr val="tx2"/>
+                          </a:solidFill>
                           <a:effectLst/>
                         </a:rPr>
-                        <a:t>Fernando é administrador de empresas e tem o cargo de Gerente Comercial em uma multinacional do ramo de alimentos. Está constantemente em viagens de negócios, em reuniões com clientes ou com as equipes de vendas. Fernando foi diagnosticado com hipertensão e precisa tomar um medicamento diariamente, na parte da manhã. Devido ao seu horário irregular de trabalho, frequentemente se esquece de tomar o medicamento. Com as frequentes viagens, também se esquece de levar o remédio e, não raro, tem dificuldade de encontrar uma farmácia próxima quando está em uma região que não conhece.</a:t>
+                        <a:t>O sistema deve ter um cadastro de medicamentos, incluindo: nome, laboratório, dosagem, tipo (comprimido, gota, ampola, </a:t>
+                      </a:r>
+                      <a:r>
+                        <a:rPr lang="pt-BR" sz="1200" dirty="0" err="1">
+                          <a:solidFill>
+                            <a:schemeClr val="tx2"/>
+                          </a:solidFill>
+                          <a:effectLst/>
+                        </a:rPr>
+                        <a:t>etc</a:t>
+                      </a:r>
+                      <a:r>
+                        <a:rPr lang="pt-BR" sz="1200" dirty="0">
+                          <a:solidFill>
+                            <a:schemeClr val="tx2"/>
+                          </a:solidFill>
+                          <a:effectLst/>
+                        </a:rPr>
+                        <a:t>).</a:t>
                       </a:r>
                     </a:p>
                   </a:txBody>
-                  <a:tcPr marL="48253" marR="48253" marT="22271" marB="22271" anchor="ctr"/>
-                </a:tc>
-                <a:extLst>
-                  <a:ext uri="{0D108BD9-81ED-4DB2-BD59-A6C34878D82A}">
-                    <a16:rowId xmlns:a16="http://schemas.microsoft.com/office/drawing/2014/main" val="1511762582"/>
-                  </a:ext>
-                </a:extLst>
-              </a:tr>
-              <a:tr h="191073">
-                <a:tc>
-                  <a:txBody>
-                    <a:bodyPr/>
-                    <a:lstStyle/>
-                    <a:p>
-                      <a:pPr algn="ctr"/>
-                      <a:r>
-                        <a:rPr lang="pt-BR" sz="700" b="1">
-                          <a:effectLst/>
-                        </a:rPr>
-                        <a:t>Maria Antônia Souza</a:t>
-                      </a:r>
-                      <a:endParaRPr lang="pt-BR" sz="700">
-                        <a:effectLst/>
-                      </a:endParaRPr>
-                    </a:p>
-                  </a:txBody>
-                  <a:tcPr marL="48253" marR="48253" marT="22271" marB="22271" anchor="ctr"/>
+                  <a:tcPr marL="51594" marR="51594" marT="23812" marB="23812" anchor="ctr">
+                    <a:solidFill>
+                      <a:schemeClr val="accent6">
+                        <a:lumMod val="60000"/>
+                        <a:lumOff val="40000"/>
+                      </a:schemeClr>
+                    </a:solidFill>
+                  </a:tcPr>
                 </a:tc>
                 <a:tc>
                   <a:txBody>
                     <a:bodyPr/>
                     <a:lstStyle/>
                     <a:p>
-                      <a:pPr algn="l"/>
                       <a:r>
-                        <a:rPr lang="pt-BR" sz="700" b="1">
+                        <a:rPr lang="pt-BR" sz="1200" dirty="0">
+                          <a:solidFill>
+                            <a:schemeClr val="tx2"/>
+                          </a:solidFill>
                           <a:effectLst/>
                         </a:rPr>
-                        <a:t>Aposentada</a:t>
+                        <a:t>Alta</a:t>
                       </a:r>
-                      <a:endParaRPr lang="pt-BR" sz="700">
-                        <a:effectLst/>
-                      </a:endParaRPr>
                     </a:p>
                   </a:txBody>
-                  <a:tcPr marL="48253" marR="48253" marT="22271" marB="22271" anchor="ctr"/>
+                  <a:tcPr marL="51594" marR="51594" marT="23812" marB="23812" anchor="ctr">
+                    <a:solidFill>
+                      <a:schemeClr val="accent6">
+                        <a:lumMod val="60000"/>
+                        <a:lumOff val="40000"/>
+                      </a:schemeClr>
+                    </a:solidFill>
+                  </a:tcPr>
                 </a:tc>
                 <a:extLst>
                   <a:ext uri="{0D108BD9-81ED-4DB2-BD59-A6C34878D82A}">
-                    <a16:rowId xmlns:a16="http://schemas.microsoft.com/office/drawing/2014/main" val="4089277086"/>
+                    <a16:rowId xmlns:a16="http://schemas.microsoft.com/office/drawing/2014/main" val="2294309983"/>
                   </a:ext>
                 </a:extLst>
               </a:tr>
-              <a:tr h="1053979">
+              <a:tr h="685395">
                 <a:tc>
                   <a:txBody>
                     <a:bodyPr/>
                     <a:lstStyle/>
                     <a:p>
-                      <a:pPr algn="ctr"/>
-                      <a:endParaRPr lang="pt-BR" sz="700">
-                        <a:effectLst/>
-                      </a:endParaRPr>
+                      <a:r>
+                        <a:rPr lang="pt-BR" sz="1200">
+                          <a:effectLst/>
+                        </a:rPr>
+                        <a:t>RF-02</a:t>
+                      </a:r>
                     </a:p>
                   </a:txBody>
-                  <a:tcPr marL="48253" marR="48253" marT="22271" marB="22271" anchor="ctr"/>
+                  <a:tcPr marL="51594" marR="51594" marT="23812" marB="23812" anchor="ctr">
+                    <a:solidFill>
+                      <a:schemeClr val="accent6">
+                        <a:lumMod val="60000"/>
+                        <a:lumOff val="40000"/>
+                      </a:schemeClr>
+                    </a:solidFill>
+                  </a:tcPr>
                 </a:tc>
                 <a:tc>
                   <a:txBody>
                     <a:bodyPr/>
                     <a:lstStyle/>
                     <a:p>
-                      <a:pPr algn="l"/>
                       <a:r>
-                        <a:rPr lang="pt-BR" sz="700">
+                        <a:rPr lang="pt-BR" sz="1200">
                           <a:effectLst/>
                         </a:rPr>
-                        <a:t>Maria Antônia trabalhou de costureira durante muitos anos. Hoje tem 84 anos e é aposentada. Depois de muitos anos de trabalho, Maria Antônia foi diagnosticada com glaucoma, ceratocone, hipertensão e hipertireoidismo. Devido à idade avançada, esquece com facilidade seus horários e se já tomou os remédios, correndo grande risco de ingerir duas vezes o mesmo medicamento no mesmo horário. Com isso, precisa sempre da vigilância dos filhos para ajudá-la nesta tarefa árdua, inclusive na vigilância do estoque, na pesquisa de preços e na compra destes medicamentos.</a:t>
+                        <a:t>O sistema deve possuir um banco de dados de medicamentos para seleção do usuário no cadastro de tratamento</a:t>
                       </a:r>
                     </a:p>
                   </a:txBody>
-                  <a:tcPr marL="48253" marR="48253" marT="22271" marB="22271" anchor="ctr"/>
-                </a:tc>
-                <a:extLst>
-                  <a:ext uri="{0D108BD9-81ED-4DB2-BD59-A6C34878D82A}">
-                    <a16:rowId xmlns:a16="http://schemas.microsoft.com/office/drawing/2014/main" val="26797072"/>
-                  </a:ext>
-                </a:extLst>
-              </a:tr>
-              <a:tr h="191073">
-                <a:tc>
-                  <a:txBody>
-                    <a:bodyPr/>
-                    <a:lstStyle/>
-                    <a:p>
-                      <a:pPr algn="ctr"/>
-                      <a:r>
-                        <a:rPr lang="pt-BR" sz="700" b="1">
-                          <a:effectLst/>
-                        </a:rPr>
-                        <a:t>Gustavo Henrique</a:t>
-                      </a:r>
-                      <a:endParaRPr lang="pt-BR" sz="700">
-                        <a:effectLst/>
-                      </a:endParaRPr>
-                    </a:p>
-                  </a:txBody>
-                  <a:tcPr marL="48253" marR="48253" marT="22271" marB="22271" anchor="ctr"/>
+                  <a:tcPr marL="51594" marR="51594" marT="23812" marB="23812" anchor="ctr">
+                    <a:solidFill>
+                      <a:schemeClr val="accent6">
+                        <a:lumMod val="60000"/>
+                        <a:lumOff val="40000"/>
+                      </a:schemeClr>
+                    </a:solidFill>
+                  </a:tcPr>
                 </a:tc>
                 <a:tc>
                   <a:txBody>
                     <a:bodyPr/>
                     <a:lstStyle/>
                     <a:p>
-                      <a:pPr algn="l"/>
                       <a:r>
-                        <a:rPr lang="pt-BR" sz="700" b="1">
+                        <a:rPr lang="pt-BR" sz="1200">
                           <a:effectLst/>
                         </a:rPr>
-                        <a:t>Balconista de farmácia</a:t>
+                        <a:t>Baixa</a:t>
                       </a:r>
-                      <a:endParaRPr lang="pt-BR" sz="700">
-                        <a:effectLst/>
-                      </a:endParaRPr>
                     </a:p>
                   </a:txBody>
-                  <a:tcPr marL="48253" marR="48253" marT="22271" marB="22271" anchor="ctr"/>
+                  <a:tcPr marL="51594" marR="51594" marT="23812" marB="23812" anchor="ctr">
+                    <a:solidFill>
+                      <a:schemeClr val="accent6">
+                        <a:lumMod val="60000"/>
+                        <a:lumOff val="40000"/>
+                      </a:schemeClr>
+                    </a:solidFill>
+                  </a:tcPr>
                 </a:tc>
                 <a:extLst>
                   <a:ext uri="{0D108BD9-81ED-4DB2-BD59-A6C34878D82A}">
-                    <a16:rowId xmlns:a16="http://schemas.microsoft.com/office/drawing/2014/main" val="1722845614"/>
+                    <a16:rowId xmlns:a16="http://schemas.microsoft.com/office/drawing/2014/main" val="3017924123"/>
                   </a:ext>
                 </a:extLst>
               </a:tr>
-              <a:tr h="560890">
+              <a:tr h="685395">
                 <a:tc>
                   <a:txBody>
                     <a:bodyPr/>
                     <a:lstStyle/>
                     <a:p>
-                      <a:pPr algn="ctr"/>
-                      <a:endParaRPr lang="pt-BR" sz="700">
-                        <a:effectLst/>
-                      </a:endParaRPr>
+                      <a:r>
+                        <a:rPr lang="pt-BR" sz="1200">
+                          <a:effectLst/>
+                        </a:rPr>
+                        <a:t>RF-03</a:t>
+                      </a:r>
                     </a:p>
                   </a:txBody>
-                  <a:tcPr marL="48253" marR="48253" marT="22271" marB="22271" anchor="ctr"/>
+                  <a:tcPr marL="51594" marR="51594" marT="23812" marB="23812" anchor="ctr">
+                    <a:solidFill>
+                      <a:schemeClr val="accent6">
+                        <a:lumMod val="60000"/>
+                        <a:lumOff val="40000"/>
+                      </a:schemeClr>
+                    </a:solidFill>
+                  </a:tcPr>
                 </a:tc>
                 <a:tc>
                   <a:txBody>
                     <a:bodyPr/>
                     <a:lstStyle/>
                     <a:p>
-                      <a:pPr algn="l"/>
                       <a:r>
-                        <a:rPr lang="pt-BR" sz="700">
+                        <a:rPr lang="pt-BR" sz="1200" dirty="0">
                           <a:effectLst/>
                         </a:rPr>
-                        <a:t>Gustavo é um balconista da Farmácia Mais Saúde. Todos os dias ele atende a diversas pessoas que procuram o estabelecimento para comprar os mais variados medicamentos. Ele acaba tendo algumas dificuldades com prescrições médicas ilegíveis ou de difícil compreensão.</a:t>
+                        <a:t>O sistema deve permitir cadastro de tratamento, incluindo: nome do medicamento, dosagem, horários de ingestão e duração do tratamento.</a:t>
                       </a:r>
                     </a:p>
                   </a:txBody>
-                  <a:tcPr marL="48253" marR="48253" marT="22271" marB="22271" anchor="ctr"/>
-                </a:tc>
-                <a:extLst>
-                  <a:ext uri="{0D108BD9-81ED-4DB2-BD59-A6C34878D82A}">
-                    <a16:rowId xmlns:a16="http://schemas.microsoft.com/office/drawing/2014/main" val="2792220140"/>
-                  </a:ext>
-                </a:extLst>
-              </a:tr>
-              <a:tr h="191073">
-                <a:tc>
-                  <a:txBody>
-                    <a:bodyPr/>
-                    <a:lstStyle/>
-                    <a:p>
-                      <a:pPr algn="ctr"/>
-                      <a:r>
-                        <a:rPr lang="pt-BR" sz="700" b="1">
-                          <a:effectLst/>
-                        </a:rPr>
-                        <a:t>João e Maria</a:t>
-                      </a:r>
-                      <a:endParaRPr lang="pt-BR" sz="700">
-                        <a:effectLst/>
-                      </a:endParaRPr>
-                    </a:p>
-                  </a:txBody>
-                  <a:tcPr marL="48253" marR="48253" marT="22271" marB="22271" anchor="ctr"/>
+                  <a:tcPr marL="51594" marR="51594" marT="23812" marB="23812" anchor="ctr">
+                    <a:solidFill>
+                      <a:schemeClr val="accent6">
+                        <a:lumMod val="60000"/>
+                        <a:lumOff val="40000"/>
+                      </a:schemeClr>
+                    </a:solidFill>
+                  </a:tcPr>
                 </a:tc>
                 <a:tc>
                   <a:txBody>
                     <a:bodyPr/>
                     <a:lstStyle/>
                     <a:p>
-                      <a:pPr algn="l"/>
                       <a:r>
-                        <a:rPr lang="pt-BR" sz="700" b="1">
+                        <a:rPr lang="pt-BR" sz="1200">
                           <a:effectLst/>
                         </a:rPr>
-                        <a:t>Pais de família - Porteiro e Operadora de caixa</a:t>
+                        <a:t>Alta</a:t>
                       </a:r>
-                      <a:endParaRPr lang="pt-BR" sz="700">
-                        <a:effectLst/>
-                      </a:endParaRPr>
                     </a:p>
                   </a:txBody>
-                  <a:tcPr marL="48253" marR="48253" marT="22271" marB="22271" anchor="ctr"/>
+                  <a:tcPr marL="51594" marR="51594" marT="23812" marB="23812" anchor="ctr">
+                    <a:solidFill>
+                      <a:schemeClr val="accent6">
+                        <a:lumMod val="60000"/>
+                        <a:lumOff val="40000"/>
+                      </a:schemeClr>
+                    </a:solidFill>
+                  </a:tcPr>
                 </a:tc>
                 <a:extLst>
                   <a:ext uri="{0D108BD9-81ED-4DB2-BD59-A6C34878D82A}">
-                    <a16:rowId xmlns:a16="http://schemas.microsoft.com/office/drawing/2014/main" val="1900127176"/>
+                    <a16:rowId xmlns:a16="http://schemas.microsoft.com/office/drawing/2014/main" val="962828242"/>
                   </a:ext>
                 </a:extLst>
               </a:tr>
-              <a:tr h="1177252">
+              <a:tr h="954178">
                 <a:tc>
                   <a:txBody>
                     <a:bodyPr/>
                     <a:lstStyle/>
                     <a:p>
-                      <a:pPr algn="ctr"/>
-                      <a:endParaRPr lang="pt-BR" sz="700" dirty="0">
-                        <a:effectLst/>
-                      </a:endParaRPr>
+                      <a:r>
+                        <a:rPr lang="pt-BR" sz="1200">
+                          <a:effectLst/>
+                        </a:rPr>
+                        <a:t>RF-04</a:t>
+                      </a:r>
                     </a:p>
                   </a:txBody>
-                  <a:tcPr marL="48253" marR="48253" marT="22271" marB="22271" anchor="ctr"/>
+                  <a:tcPr marL="51594" marR="51594" marT="23812" marB="23812" anchor="ctr">
+                    <a:solidFill>
+                      <a:schemeClr val="accent6">
+                        <a:lumMod val="60000"/>
+                        <a:lumOff val="40000"/>
+                      </a:schemeClr>
+                    </a:solidFill>
+                  </a:tcPr>
                 </a:tc>
                 <a:tc>
                   <a:txBody>
                     <a:bodyPr/>
                     <a:lstStyle/>
                     <a:p>
-                      <a:pPr algn="l"/>
                       <a:r>
-                        <a:rPr lang="pt-BR" sz="700">
+                        <a:rPr lang="pt-BR" sz="1200" dirty="0">
                           <a:effectLst/>
                         </a:rPr>
-                        <a:t>Pais de família, com idade entre 30 e 35 anos. A típica família brasileira, possui um alto custo de vida e despesas pesadas como alimentação, escola, transporte, financiamento, e ao final do mês pouco dinheiro é guardado para o lazer. João trabalha o dia inteiro como porteiro de um prédio, e Maria trabalha na padaria como operadora de caixa. As crianças ficam em uma creche escolar, e o período das escolas onde as crianças entram em contato com vários germes, demanda dos pais, uma constante despesa, quase que mensal com remédios e medicamentos. Com o intuito de economizar dinheiro, os pais buscam farmácias com os melhores preços e a melhor qualidade.</a:t>
+                        <a:t>O sistema deve apresentar um formulário de cadastro para novos usuários contendo: Tipo de usuário (Paciente / Funcionário da farmácia), nome, CPF, telefone, e-mail, perfil.</a:t>
                       </a:r>
                     </a:p>
                   </a:txBody>
-                  <a:tcPr marL="48253" marR="48253" marT="22271" marB="22271" anchor="ctr"/>
-                </a:tc>
-                <a:extLst>
-                  <a:ext uri="{0D108BD9-81ED-4DB2-BD59-A6C34878D82A}">
-                    <a16:rowId xmlns:a16="http://schemas.microsoft.com/office/drawing/2014/main" val="1353452460"/>
-                  </a:ext>
-                </a:extLst>
-              </a:tr>
-              <a:tr h="191073">
-                <a:tc>
-                  <a:txBody>
-                    <a:bodyPr/>
-                    <a:lstStyle/>
-                    <a:p>
-                      <a:pPr algn="ctr"/>
-                      <a:r>
-                        <a:rPr lang="pt-BR" sz="700" b="1">
-                          <a:effectLst/>
-                        </a:rPr>
-                        <a:t>Enzo Pereira</a:t>
-                      </a:r>
-                      <a:endParaRPr lang="pt-BR" sz="700">
-                        <a:effectLst/>
-                      </a:endParaRPr>
-                    </a:p>
-                  </a:txBody>
-                  <a:tcPr marL="48253" marR="48253" marT="22271" marB="22271" anchor="ctr"/>
+                  <a:tcPr marL="51594" marR="51594" marT="23812" marB="23812" anchor="ctr">
+                    <a:solidFill>
+                      <a:schemeClr val="accent6">
+                        <a:lumMod val="60000"/>
+                        <a:lumOff val="40000"/>
+                      </a:schemeClr>
+                    </a:solidFill>
+                  </a:tcPr>
                 </a:tc>
                 <a:tc>
                   <a:txBody>
                     <a:bodyPr/>
                     <a:lstStyle/>
                     <a:p>
-                      <a:pPr algn="l"/>
                       <a:r>
-                        <a:rPr lang="pt-BR" sz="700" b="1">
+                        <a:rPr lang="pt-BR" sz="1200" dirty="0">
                           <a:effectLst/>
                         </a:rPr>
-                        <a:t>Jovem</a:t>
+                        <a:t>Alta</a:t>
                       </a:r>
-                      <a:endParaRPr lang="pt-BR" sz="700">
-                        <a:effectLst/>
-                      </a:endParaRPr>
                     </a:p>
                   </a:txBody>
-                  <a:tcPr marL="48253" marR="48253" marT="22271" marB="22271" anchor="ctr"/>
+                  <a:tcPr marL="51594" marR="51594" marT="23812" marB="23812" anchor="ctr">
+                    <a:solidFill>
+                      <a:schemeClr val="accent6">
+                        <a:lumMod val="60000"/>
+                        <a:lumOff val="40000"/>
+                      </a:schemeClr>
+                    </a:solidFill>
+                  </a:tcPr>
                 </a:tc>
                 <a:extLst>
                   <a:ext uri="{0D108BD9-81ED-4DB2-BD59-A6C34878D82A}">
-                    <a16:rowId xmlns:a16="http://schemas.microsoft.com/office/drawing/2014/main" val="556280443"/>
+                    <a16:rowId xmlns:a16="http://schemas.microsoft.com/office/drawing/2014/main" val="854542502"/>
                   </a:ext>
                 </a:extLst>
               </a:tr>
-              <a:tr h="1053979">
+              <a:tr h="685395">
                 <a:tc>
                   <a:txBody>
                     <a:bodyPr/>
                     <a:lstStyle/>
                     <a:p>
-                      <a:pPr algn="ctr"/>
-                      <a:endParaRPr lang="pt-BR" sz="700">
-                        <a:effectLst/>
-                      </a:endParaRPr>
+                      <a:r>
+                        <a:rPr lang="pt-BR" sz="1200">
+                          <a:effectLst/>
+                        </a:rPr>
+                        <a:t>RF-05</a:t>
+                      </a:r>
                     </a:p>
                   </a:txBody>
-                  <a:tcPr marL="48253" marR="48253" marT="22271" marB="22271" anchor="ctr"/>
+                  <a:tcPr marL="51594" marR="51594" marT="23812" marB="23812" anchor="ctr">
+                    <a:solidFill>
+                      <a:schemeClr val="accent6">
+                        <a:lumMod val="60000"/>
+                        <a:lumOff val="40000"/>
+                      </a:schemeClr>
+                    </a:solidFill>
+                  </a:tcPr>
                 </a:tc>
                 <a:tc>
                   <a:txBody>
                     <a:bodyPr/>
                     <a:lstStyle/>
                     <a:p>
-                      <a:pPr algn="l"/>
                       <a:r>
-                        <a:rPr lang="pt-BR" sz="700">
+                        <a:rPr lang="pt-BR" sz="1200" dirty="0">
                           <a:effectLst/>
                         </a:rPr>
-                        <a:t>Enzo Pereira é um estudante de ensino médio dos turnos da manhã e da tarde. De noite ele faz seu dever de casa, estuda e/ou vai jogar futebol com os amigos. Tem interesse em jogos e esportes, gosta de cultura pop, em especial filmes de heróis. Se informa pelo Twitter e possui muitos amigos com quem compartilha o final de semana. Enzo possui amigdalite crônica e necessita de cuidados para que a inflamação não o afete de modo muito severo. Porém, frequentemente Enzo possui dores de garganta que se desenvolvem em amigdalite e tem que tomar antibióticos. Enzo planeja sua cirurgia de remoção de amígdalas para o próximo ano.</a:t>
+                        <a:t>O sistema deve permitir cadastro de Caixinha de medicamentos, com quantidade alterada quando usuário confirma a ingestão.</a:t>
                       </a:r>
                     </a:p>
                   </a:txBody>
-                  <a:tcPr marL="48253" marR="48253" marT="22271" marB="22271" anchor="ctr"/>
-                </a:tc>
-                <a:extLst>
-                  <a:ext uri="{0D108BD9-81ED-4DB2-BD59-A6C34878D82A}">
-                    <a16:rowId xmlns:a16="http://schemas.microsoft.com/office/drawing/2014/main" val="359628703"/>
-                  </a:ext>
-                </a:extLst>
-              </a:tr>
-              <a:tr h="191073">
-                <a:tc>
-                  <a:txBody>
-                    <a:bodyPr/>
-                    <a:lstStyle/>
-                    <a:p>
-                      <a:pPr algn="ctr"/>
-                      <a:r>
-                        <a:rPr lang="pt-BR" sz="700" b="1">
-                          <a:effectLst/>
-                        </a:rPr>
-                        <a:t>Jéssica Andrade</a:t>
-                      </a:r>
-                      <a:endParaRPr lang="pt-BR" sz="700">
-                        <a:effectLst/>
-                      </a:endParaRPr>
-                    </a:p>
-                  </a:txBody>
-                  <a:tcPr marL="48253" marR="48253" marT="22271" marB="22271" anchor="ctr"/>
+                  <a:tcPr marL="51594" marR="51594" marT="23812" marB="23812" anchor="ctr">
+                    <a:solidFill>
+                      <a:schemeClr val="accent6">
+                        <a:lumMod val="60000"/>
+                        <a:lumOff val="40000"/>
+                      </a:schemeClr>
+                    </a:solidFill>
+                  </a:tcPr>
                 </a:tc>
                 <a:tc>
                   <a:txBody>
                     <a:bodyPr/>
                     <a:lstStyle/>
                     <a:p>
-                      <a:pPr algn="l"/>
                       <a:r>
-                        <a:rPr lang="pt-BR" sz="700" b="1">
+                        <a:rPr lang="pt-BR" sz="1200">
                           <a:effectLst/>
                         </a:rPr>
-                        <a:t>Farmacêutica</a:t>
+                        <a:t>Média</a:t>
                       </a:r>
-                      <a:endParaRPr lang="pt-BR" sz="700">
-                        <a:effectLst/>
-                      </a:endParaRPr>
                     </a:p>
                   </a:txBody>
-                  <a:tcPr marL="48253" marR="48253" marT="22271" marB="22271" anchor="ctr"/>
+                  <a:tcPr marL="51594" marR="51594" marT="23812" marB="23812" anchor="ctr">
+                    <a:solidFill>
+                      <a:schemeClr val="accent6">
+                        <a:lumMod val="60000"/>
+                        <a:lumOff val="40000"/>
+                      </a:schemeClr>
+                    </a:solidFill>
+                  </a:tcPr>
                 </a:tc>
                 <a:extLst>
                   <a:ext uri="{0D108BD9-81ED-4DB2-BD59-A6C34878D82A}">
-                    <a16:rowId xmlns:a16="http://schemas.microsoft.com/office/drawing/2014/main" val="49835099"/>
+                    <a16:rowId xmlns:a16="http://schemas.microsoft.com/office/drawing/2014/main" val="4259498546"/>
                   </a:ext>
                 </a:extLst>
               </a:tr>
-              <a:tr h="807435">
+              <a:tr h="416612">
                 <a:tc>
                   <a:txBody>
                     <a:bodyPr/>
                     <a:lstStyle/>
                     <a:p>
-                      <a:pPr algn="ctr"/>
-                      <a:endParaRPr lang="pt-BR" sz="700">
-                        <a:effectLst/>
-                      </a:endParaRPr>
+                      <a:r>
+                        <a:rPr lang="pt-BR" sz="1200">
+                          <a:effectLst/>
+                        </a:rPr>
+                        <a:t>RF-06</a:t>
+                      </a:r>
                     </a:p>
                   </a:txBody>
-                  <a:tcPr marL="48253" marR="48253" marT="22271" marB="22271" anchor="ctr"/>
+                  <a:tcPr marL="51594" marR="51594" marT="23812" marB="23812" anchor="ctr">
+                    <a:solidFill>
+                      <a:schemeClr val="accent6">
+                        <a:lumMod val="60000"/>
+                        <a:lumOff val="40000"/>
+                      </a:schemeClr>
+                    </a:solidFill>
+                  </a:tcPr>
                 </a:tc>
                 <a:tc>
                   <a:txBody>
                     <a:bodyPr/>
                     <a:lstStyle/>
                     <a:p>
-                      <a:pPr algn="l"/>
                       <a:r>
-                        <a:rPr lang="pt-BR" sz="700" dirty="0">
+                        <a:rPr lang="pt-BR" sz="1200" dirty="0">
                           <a:effectLst/>
                         </a:rPr>
-                        <a:t>Jéssica é a farmacêutica responsável técnica da Farmácia Mais Saúde. Durante seus atendimentos, ela se depara com algumas dificuldades para compreender várias prescrições médicas que surgem mal escritas e/ou inelegíveis. Sua produtividade acaba sendo um pouco afetada por ter que dedicar tempo na tentativa de entendimento dessas prescrições sendo tanto de seus clientes quanto de clientes dos atendentes da farmácia.</a:t>
+                        <a:t>O cadastro de Caixinha deve incluir data de validade e lote</a:t>
                       </a:r>
                     </a:p>
                   </a:txBody>
-                  <a:tcPr marL="48253" marR="48253" marT="22271" marB="22271" anchor="ctr"/>
+                  <a:tcPr marL="51594" marR="51594" marT="23812" marB="23812" anchor="ctr">
+                    <a:solidFill>
+                      <a:schemeClr val="accent6">
+                        <a:lumMod val="60000"/>
+                        <a:lumOff val="40000"/>
+                      </a:schemeClr>
+                    </a:solidFill>
+                  </a:tcPr>
+                </a:tc>
+                <a:tc>
+                  <a:txBody>
+                    <a:bodyPr/>
+                    <a:lstStyle/>
+                    <a:p>
+                      <a:r>
+                        <a:rPr lang="pt-BR" sz="1200">
+                          <a:effectLst/>
+                        </a:rPr>
+                        <a:t>Baixa</a:t>
+                      </a:r>
+                    </a:p>
+                  </a:txBody>
+                  <a:tcPr marL="51594" marR="51594" marT="23812" marB="23812" anchor="ctr">
+                    <a:solidFill>
+                      <a:schemeClr val="accent6">
+                        <a:lumMod val="60000"/>
+                        <a:lumOff val="40000"/>
+                      </a:schemeClr>
+                    </a:solidFill>
+                  </a:tcPr>
                 </a:tc>
                 <a:extLst>
                   <a:ext uri="{0D108BD9-81ED-4DB2-BD59-A6C34878D82A}">
-                    <a16:rowId xmlns:a16="http://schemas.microsoft.com/office/drawing/2014/main" val="1611895253"/>
+                    <a16:rowId xmlns:a16="http://schemas.microsoft.com/office/drawing/2014/main" val="1469199691"/>
+                  </a:ext>
+                </a:extLst>
+              </a:tr>
+              <a:tr h="685395">
+                <a:tc>
+                  <a:txBody>
+                    <a:bodyPr/>
+                    <a:lstStyle/>
+                    <a:p>
+                      <a:r>
+                        <a:rPr lang="pt-BR" sz="1200">
+                          <a:effectLst/>
+                        </a:rPr>
+                        <a:t>RF-07</a:t>
+                      </a:r>
+                    </a:p>
+                  </a:txBody>
+                  <a:tcPr marL="51594" marR="51594" marT="23812" marB="23812" anchor="ctr">
+                    <a:solidFill>
+                      <a:schemeClr val="accent6">
+                        <a:lumMod val="60000"/>
+                        <a:lumOff val="40000"/>
+                      </a:schemeClr>
+                    </a:solidFill>
+                  </a:tcPr>
+                </a:tc>
+                <a:tc>
+                  <a:txBody>
+                    <a:bodyPr/>
+                    <a:lstStyle/>
+                    <a:p>
+                      <a:r>
+                        <a:rPr lang="pt-BR" sz="1200">
+                          <a:effectLst/>
+                        </a:rPr>
+                        <a:t>O sistema deve emitir alerta com notificação nos horários de ingestão cadastrados no tratamento</a:t>
+                      </a:r>
+                    </a:p>
+                  </a:txBody>
+                  <a:tcPr marL="51594" marR="51594" marT="23812" marB="23812" anchor="ctr">
+                    <a:solidFill>
+                      <a:schemeClr val="accent6">
+                        <a:lumMod val="60000"/>
+                        <a:lumOff val="40000"/>
+                      </a:schemeClr>
+                    </a:solidFill>
+                  </a:tcPr>
+                </a:tc>
+                <a:tc>
+                  <a:txBody>
+                    <a:bodyPr/>
+                    <a:lstStyle/>
+                    <a:p>
+                      <a:r>
+                        <a:rPr lang="pt-BR" sz="1200">
+                          <a:effectLst/>
+                        </a:rPr>
+                        <a:t>Alta</a:t>
+                      </a:r>
+                    </a:p>
+                  </a:txBody>
+                  <a:tcPr marL="51594" marR="51594" marT="23812" marB="23812" anchor="ctr">
+                    <a:solidFill>
+                      <a:schemeClr val="accent6">
+                        <a:lumMod val="60000"/>
+                        <a:lumOff val="40000"/>
+                      </a:schemeClr>
+                    </a:solidFill>
+                  </a:tcPr>
+                </a:tc>
+                <a:extLst>
+                  <a:ext uri="{0D108BD9-81ED-4DB2-BD59-A6C34878D82A}">
+                    <a16:rowId xmlns:a16="http://schemas.microsoft.com/office/drawing/2014/main" val="2883811427"/>
+                  </a:ext>
+                </a:extLst>
+              </a:tr>
+              <a:tr h="954178">
+                <a:tc>
+                  <a:txBody>
+                    <a:bodyPr/>
+                    <a:lstStyle/>
+                    <a:p>
+                      <a:r>
+                        <a:rPr lang="pt-BR" sz="1200">
+                          <a:effectLst/>
+                        </a:rPr>
+                        <a:t>RF-08</a:t>
+                      </a:r>
+                    </a:p>
+                  </a:txBody>
+                  <a:tcPr marL="51594" marR="51594" marT="23812" marB="23812" anchor="ctr">
+                    <a:solidFill>
+                      <a:schemeClr val="accent6">
+                        <a:lumMod val="60000"/>
+                        <a:lumOff val="40000"/>
+                      </a:schemeClr>
+                    </a:solidFill>
+                  </a:tcPr>
+                </a:tc>
+                <a:tc>
+                  <a:txBody>
+                    <a:bodyPr/>
+                    <a:lstStyle/>
+                    <a:p>
+                      <a:r>
+                        <a:rPr lang="pt-BR" sz="1200" dirty="0">
+                          <a:effectLst/>
+                        </a:rPr>
+                        <a:t>O sistema deve emitir alerta de quantidade baixa de medicamento, considerando a quantidade definida pelo usuário (“quando quantidade for menor que X comprimidos”)</a:t>
+                      </a:r>
+                    </a:p>
+                  </a:txBody>
+                  <a:tcPr marL="51594" marR="51594" marT="23812" marB="23812" anchor="ctr">
+                    <a:solidFill>
+                      <a:schemeClr val="accent6">
+                        <a:lumMod val="60000"/>
+                        <a:lumOff val="40000"/>
+                      </a:schemeClr>
+                    </a:solidFill>
+                  </a:tcPr>
+                </a:tc>
+                <a:tc>
+                  <a:txBody>
+                    <a:bodyPr/>
+                    <a:lstStyle/>
+                    <a:p>
+                      <a:r>
+                        <a:rPr lang="pt-BR" sz="1200">
+                          <a:effectLst/>
+                        </a:rPr>
+                        <a:t>Média</a:t>
+                      </a:r>
+                    </a:p>
+                  </a:txBody>
+                  <a:tcPr marL="51594" marR="51594" marT="23812" marB="23812" anchor="ctr">
+                    <a:solidFill>
+                      <a:schemeClr val="accent6">
+                        <a:lumMod val="60000"/>
+                        <a:lumOff val="40000"/>
+                      </a:schemeClr>
+                    </a:solidFill>
+                  </a:tcPr>
+                </a:tc>
+                <a:extLst>
+                  <a:ext uri="{0D108BD9-81ED-4DB2-BD59-A6C34878D82A}">
+                    <a16:rowId xmlns:a16="http://schemas.microsoft.com/office/drawing/2014/main" val="3818984010"/>
+                  </a:ext>
+                </a:extLst>
+              </a:tr>
+              <a:tr h="685395">
+                <a:tc>
+                  <a:txBody>
+                    <a:bodyPr/>
+                    <a:lstStyle/>
+                    <a:p>
+                      <a:r>
+                        <a:rPr lang="pt-BR" sz="1200">
+                          <a:effectLst/>
+                        </a:rPr>
+                        <a:t>RF-09</a:t>
+                      </a:r>
+                    </a:p>
+                  </a:txBody>
+                  <a:tcPr marL="51594" marR="51594" marT="23812" marB="23812" anchor="ctr">
+                    <a:solidFill>
+                      <a:schemeClr val="accent6">
+                        <a:lumMod val="60000"/>
+                        <a:lumOff val="40000"/>
+                      </a:schemeClr>
+                    </a:solidFill>
+                  </a:tcPr>
+                </a:tc>
+                <a:tc>
+                  <a:txBody>
+                    <a:bodyPr/>
+                    <a:lstStyle/>
+                    <a:p>
+                      <a:r>
+                        <a:rPr lang="pt-BR" sz="1200">
+                          <a:effectLst/>
+                        </a:rPr>
+                        <a:t>O sistema deve ter um sistema de localização de farmácias (pode ser pelo Google Maps), considerando a localização atual do usuário</a:t>
+                      </a:r>
+                    </a:p>
+                  </a:txBody>
+                  <a:tcPr marL="51594" marR="51594" marT="23812" marB="23812" anchor="ctr">
+                    <a:solidFill>
+                      <a:schemeClr val="accent6">
+                        <a:lumMod val="60000"/>
+                        <a:lumOff val="40000"/>
+                      </a:schemeClr>
+                    </a:solidFill>
+                  </a:tcPr>
+                </a:tc>
+                <a:tc>
+                  <a:txBody>
+                    <a:bodyPr/>
+                    <a:lstStyle/>
+                    <a:p>
+                      <a:r>
+                        <a:rPr lang="pt-BR" sz="1200" dirty="0">
+                          <a:effectLst/>
+                        </a:rPr>
+                        <a:t>Baixa</a:t>
+                      </a:r>
+                    </a:p>
+                  </a:txBody>
+                  <a:tcPr marL="51594" marR="51594" marT="23812" marB="23812" anchor="ctr">
+                    <a:solidFill>
+                      <a:schemeClr val="accent6">
+                        <a:lumMod val="60000"/>
+                        <a:lumOff val="40000"/>
+                      </a:schemeClr>
+                    </a:solidFill>
+                  </a:tcPr>
+                </a:tc>
+                <a:extLst>
+                  <a:ext uri="{0D108BD9-81ED-4DB2-BD59-A6C34878D82A}">
+                    <a16:rowId xmlns:a16="http://schemas.microsoft.com/office/drawing/2014/main" val="2154748864"/>
                   </a:ext>
                 </a:extLst>
               </a:tr>
@@ -23689,7 +25536,7 @@
     </p:spTree>
     <p:extLst>
       <p:ext uri="{BB962C8B-B14F-4D97-AF65-F5344CB8AC3E}">
-        <p14:creationId xmlns:p14="http://schemas.microsoft.com/office/powerpoint/2010/main" val="1315042485"/>
+        <p14:creationId xmlns:p14="http://schemas.microsoft.com/office/powerpoint/2010/main" val="2657081250"/>
       </p:ext>
     </p:extLst>
   </p:cSld>
@@ -24267,14 +26114,14 @@
             <p:ph idx="1"/>
             <p:extLst>
               <p:ext uri="{D42A27DB-BD31-4B8C-83A1-F6EECF244321}">
-                <p14:modId xmlns:p14="http://schemas.microsoft.com/office/powerpoint/2010/main" val="3135529880"/>
+                <p14:modId xmlns:p14="http://schemas.microsoft.com/office/powerpoint/2010/main" val="1829520059"/>
               </p:ext>
             </p:extLst>
           </p:nvPr>
         </p:nvGraphicFramePr>
         <p:xfrm>
           <a:off x="4038220" y="-1"/>
-          <a:ext cx="8153780" cy="6858004"/>
+          <a:ext cx="8153780" cy="6865792"/>
         </p:xfrm>
         <a:graphic>
           <a:graphicData uri="http://schemas.openxmlformats.org/drawingml/2006/table">
@@ -24305,14 +26152,14 @@
                   </a:extLst>
                 </a:gridCol>
               </a:tblGrid>
-              <a:tr h="204421">
+              <a:tr h="375169">
                 <a:tc>
                   <a:txBody>
                     <a:bodyPr/>
                     <a:lstStyle/>
                     <a:p>
                       <a:r>
-                        <a:rPr lang="pt-BR" sz="700" b="1" dirty="0">
+                        <a:rPr lang="pt-BR" sz="1200" b="1" dirty="0">
                           <a:solidFill>
                             <a:schemeClr val="tx2"/>
                           </a:solidFill>
@@ -24337,7 +26184,7 @@
                     <a:lstStyle/>
                     <a:p>
                       <a:r>
-                        <a:rPr lang="pt-BR" sz="700" b="1">
+                        <a:rPr lang="pt-BR" sz="1200" b="1">
                           <a:solidFill>
                             <a:schemeClr val="tx2"/>
                           </a:solidFill>
@@ -24362,7 +26209,7 @@
                     <a:lstStyle/>
                     <a:p>
                       <a:r>
-                        <a:rPr lang="pt-BR" sz="700" b="1" dirty="0">
+                        <a:rPr lang="pt-BR" sz="1200" b="1" dirty="0">
                           <a:solidFill>
                             <a:schemeClr val="tx2"/>
                           </a:solidFill>
@@ -24387,698 +26234,14 @@
                   </a:ext>
                 </a:extLst>
               </a:tr>
-              <a:tr h="336306">
+              <a:tr h="617215">
                 <a:tc>
                   <a:txBody>
                     <a:bodyPr/>
                     <a:lstStyle/>
                     <a:p>
                       <a:r>
-                        <a:rPr lang="pt-BR" sz="700">
-                          <a:solidFill>
-                            <a:schemeClr val="tx2"/>
-                          </a:solidFill>
-                          <a:effectLst/>
-                        </a:rPr>
-                        <a:t>RF-01</a:t>
-                      </a:r>
-                    </a:p>
-                  </a:txBody>
-                  <a:tcPr marL="51594" marR="51594" marT="23812" marB="23812" anchor="ctr">
-                    <a:solidFill>
-                      <a:schemeClr val="accent6">
-                        <a:lumMod val="60000"/>
-                        <a:lumOff val="40000"/>
-                      </a:schemeClr>
-                    </a:solidFill>
-                  </a:tcPr>
-                </a:tc>
-                <a:tc>
-                  <a:txBody>
-                    <a:bodyPr/>
-                    <a:lstStyle/>
-                    <a:p>
-                      <a:r>
-                        <a:rPr lang="pt-BR" sz="700" dirty="0">
-                          <a:solidFill>
-                            <a:schemeClr val="tx2"/>
-                          </a:solidFill>
-                          <a:effectLst/>
-                        </a:rPr>
-                        <a:t>O sistema deve ter um cadastro de medicamentos, incluindo: nome, laboratório, dosagem, tipo (comprimido, gota, ampola, </a:t>
-                      </a:r>
-                      <a:r>
-                        <a:rPr lang="pt-BR" sz="700" dirty="0" err="1">
-                          <a:solidFill>
-                            <a:schemeClr val="tx2"/>
-                          </a:solidFill>
-                          <a:effectLst/>
-                        </a:rPr>
-                        <a:t>etc</a:t>
-                      </a:r>
-                      <a:r>
-                        <a:rPr lang="pt-BR" sz="700" dirty="0">
-                          <a:solidFill>
-                            <a:schemeClr val="tx2"/>
-                          </a:solidFill>
-                          <a:effectLst/>
-                        </a:rPr>
-                        <a:t>).</a:t>
-                      </a:r>
-                    </a:p>
-                  </a:txBody>
-                  <a:tcPr marL="51594" marR="51594" marT="23812" marB="23812" anchor="ctr">
-                    <a:solidFill>
-                      <a:schemeClr val="accent6">
-                        <a:lumMod val="60000"/>
-                        <a:lumOff val="40000"/>
-                      </a:schemeClr>
-                    </a:solidFill>
-                  </a:tcPr>
-                </a:tc>
-                <a:tc>
-                  <a:txBody>
-                    <a:bodyPr/>
-                    <a:lstStyle/>
-                    <a:p>
-                      <a:r>
-                        <a:rPr lang="pt-BR" sz="700" dirty="0">
-                          <a:solidFill>
-                            <a:schemeClr val="tx2"/>
-                          </a:solidFill>
-                          <a:effectLst/>
-                        </a:rPr>
-                        <a:t>Alta</a:t>
-                      </a:r>
-                    </a:p>
-                  </a:txBody>
-                  <a:tcPr marL="51594" marR="51594" marT="23812" marB="23812" anchor="ctr">
-                    <a:solidFill>
-                      <a:schemeClr val="accent6">
-                        <a:lumMod val="60000"/>
-                        <a:lumOff val="40000"/>
-                      </a:schemeClr>
-                    </a:solidFill>
-                  </a:tcPr>
-                </a:tc>
-                <a:extLst>
-                  <a:ext uri="{0D108BD9-81ED-4DB2-BD59-A6C34878D82A}">
-                    <a16:rowId xmlns:a16="http://schemas.microsoft.com/office/drawing/2014/main" val="2294309983"/>
-                  </a:ext>
-                </a:extLst>
-              </a:tr>
-              <a:tr h="336306">
-                <a:tc>
-                  <a:txBody>
-                    <a:bodyPr/>
-                    <a:lstStyle/>
-                    <a:p>
-                      <a:r>
-                        <a:rPr lang="pt-BR" sz="700">
-                          <a:effectLst/>
-                        </a:rPr>
-                        <a:t>RF-02</a:t>
-                      </a:r>
-                    </a:p>
-                  </a:txBody>
-                  <a:tcPr marL="51594" marR="51594" marT="23812" marB="23812" anchor="ctr">
-                    <a:solidFill>
-                      <a:schemeClr val="accent6">
-                        <a:lumMod val="60000"/>
-                        <a:lumOff val="40000"/>
-                      </a:schemeClr>
-                    </a:solidFill>
-                  </a:tcPr>
-                </a:tc>
-                <a:tc>
-                  <a:txBody>
-                    <a:bodyPr/>
-                    <a:lstStyle/>
-                    <a:p>
-                      <a:r>
-                        <a:rPr lang="pt-BR" sz="700">
-                          <a:effectLst/>
-                        </a:rPr>
-                        <a:t>O sistema deve possuir um banco de dados de medicamentos para seleção do usuário no cadastro de tratamento</a:t>
-                      </a:r>
-                    </a:p>
-                  </a:txBody>
-                  <a:tcPr marL="51594" marR="51594" marT="23812" marB="23812" anchor="ctr">
-                    <a:solidFill>
-                      <a:schemeClr val="accent6">
-                        <a:lumMod val="60000"/>
-                        <a:lumOff val="40000"/>
-                      </a:schemeClr>
-                    </a:solidFill>
-                  </a:tcPr>
-                </a:tc>
-                <a:tc>
-                  <a:txBody>
-                    <a:bodyPr/>
-                    <a:lstStyle/>
-                    <a:p>
-                      <a:r>
-                        <a:rPr lang="pt-BR" sz="700">
-                          <a:effectLst/>
-                        </a:rPr>
-                        <a:t>Baixa</a:t>
-                      </a:r>
-                    </a:p>
-                  </a:txBody>
-                  <a:tcPr marL="51594" marR="51594" marT="23812" marB="23812" anchor="ctr">
-                    <a:solidFill>
-                      <a:schemeClr val="accent6">
-                        <a:lumMod val="60000"/>
-                        <a:lumOff val="40000"/>
-                      </a:schemeClr>
-                    </a:solidFill>
-                  </a:tcPr>
-                </a:tc>
-                <a:extLst>
-                  <a:ext uri="{0D108BD9-81ED-4DB2-BD59-A6C34878D82A}">
-                    <a16:rowId xmlns:a16="http://schemas.microsoft.com/office/drawing/2014/main" val="3017924123"/>
-                  </a:ext>
-                </a:extLst>
-              </a:tr>
-              <a:tr h="336306">
-                <a:tc>
-                  <a:txBody>
-                    <a:bodyPr/>
-                    <a:lstStyle/>
-                    <a:p>
-                      <a:r>
-                        <a:rPr lang="pt-BR" sz="700">
-                          <a:effectLst/>
-                        </a:rPr>
-                        <a:t>RF-03</a:t>
-                      </a:r>
-                    </a:p>
-                  </a:txBody>
-                  <a:tcPr marL="51594" marR="51594" marT="23812" marB="23812" anchor="ctr">
-                    <a:solidFill>
-                      <a:schemeClr val="accent6">
-                        <a:lumMod val="60000"/>
-                        <a:lumOff val="40000"/>
-                      </a:schemeClr>
-                    </a:solidFill>
-                  </a:tcPr>
-                </a:tc>
-                <a:tc>
-                  <a:txBody>
-                    <a:bodyPr/>
-                    <a:lstStyle/>
-                    <a:p>
-                      <a:r>
-                        <a:rPr lang="pt-BR" sz="700" dirty="0">
-                          <a:effectLst/>
-                        </a:rPr>
-                        <a:t>O sistema deve permitir cadastro de tratamento, incluindo: nome do medicamento, dosagem, horários de ingestão e duração do tratamento.</a:t>
-                      </a:r>
-                    </a:p>
-                  </a:txBody>
-                  <a:tcPr marL="51594" marR="51594" marT="23812" marB="23812" anchor="ctr">
-                    <a:solidFill>
-                      <a:schemeClr val="accent6">
-                        <a:lumMod val="60000"/>
-                        <a:lumOff val="40000"/>
-                      </a:schemeClr>
-                    </a:solidFill>
-                  </a:tcPr>
-                </a:tc>
-                <a:tc>
-                  <a:txBody>
-                    <a:bodyPr/>
-                    <a:lstStyle/>
-                    <a:p>
-                      <a:r>
-                        <a:rPr lang="pt-BR" sz="700">
-                          <a:effectLst/>
-                        </a:rPr>
-                        <a:t>Alta</a:t>
-                      </a:r>
-                    </a:p>
-                  </a:txBody>
-                  <a:tcPr marL="51594" marR="51594" marT="23812" marB="23812" anchor="ctr">
-                    <a:solidFill>
-                      <a:schemeClr val="accent6">
-                        <a:lumMod val="60000"/>
-                        <a:lumOff val="40000"/>
-                      </a:schemeClr>
-                    </a:solidFill>
-                  </a:tcPr>
-                </a:tc>
-                <a:extLst>
-                  <a:ext uri="{0D108BD9-81ED-4DB2-BD59-A6C34878D82A}">
-                    <a16:rowId xmlns:a16="http://schemas.microsoft.com/office/drawing/2014/main" val="962828242"/>
-                  </a:ext>
-                </a:extLst>
-              </a:tr>
-              <a:tr h="468191">
-                <a:tc>
-                  <a:txBody>
-                    <a:bodyPr/>
-                    <a:lstStyle/>
-                    <a:p>
-                      <a:r>
-                        <a:rPr lang="pt-BR" sz="700">
-                          <a:effectLst/>
-                        </a:rPr>
-                        <a:t>RF-04</a:t>
-                      </a:r>
-                    </a:p>
-                  </a:txBody>
-                  <a:tcPr marL="51594" marR="51594" marT="23812" marB="23812" anchor="ctr">
-                    <a:solidFill>
-                      <a:schemeClr val="accent6">
-                        <a:lumMod val="60000"/>
-                        <a:lumOff val="40000"/>
-                      </a:schemeClr>
-                    </a:solidFill>
-                  </a:tcPr>
-                </a:tc>
-                <a:tc>
-                  <a:txBody>
-                    <a:bodyPr/>
-                    <a:lstStyle/>
-                    <a:p>
-                      <a:r>
-                        <a:rPr lang="pt-BR" sz="700" dirty="0">
-                          <a:effectLst/>
-                        </a:rPr>
-                        <a:t>O sistema deve apresentar um formulário de cadastro para novos usuários contendo: Tipo de usuário (Paciente / Funcionário da farmácia), nome, CPF, telefone, e-mail, perfil.</a:t>
-                      </a:r>
-                    </a:p>
-                  </a:txBody>
-                  <a:tcPr marL="51594" marR="51594" marT="23812" marB="23812" anchor="ctr">
-                    <a:solidFill>
-                      <a:schemeClr val="accent6">
-                        <a:lumMod val="60000"/>
-                        <a:lumOff val="40000"/>
-                      </a:schemeClr>
-                    </a:solidFill>
-                  </a:tcPr>
-                </a:tc>
-                <a:tc>
-                  <a:txBody>
-                    <a:bodyPr/>
-                    <a:lstStyle/>
-                    <a:p>
-                      <a:r>
-                        <a:rPr lang="pt-BR" sz="700" dirty="0">
-                          <a:effectLst/>
-                        </a:rPr>
-                        <a:t>Alta</a:t>
-                      </a:r>
-                    </a:p>
-                  </a:txBody>
-                  <a:tcPr marL="51594" marR="51594" marT="23812" marB="23812" anchor="ctr">
-                    <a:solidFill>
-                      <a:schemeClr val="accent6">
-                        <a:lumMod val="60000"/>
-                        <a:lumOff val="40000"/>
-                      </a:schemeClr>
-                    </a:solidFill>
-                  </a:tcPr>
-                </a:tc>
-                <a:extLst>
-                  <a:ext uri="{0D108BD9-81ED-4DB2-BD59-A6C34878D82A}">
-                    <a16:rowId xmlns:a16="http://schemas.microsoft.com/office/drawing/2014/main" val="854542502"/>
-                  </a:ext>
-                </a:extLst>
-              </a:tr>
-              <a:tr h="336306">
-                <a:tc>
-                  <a:txBody>
-                    <a:bodyPr/>
-                    <a:lstStyle/>
-                    <a:p>
-                      <a:r>
-                        <a:rPr lang="pt-BR" sz="700">
-                          <a:effectLst/>
-                        </a:rPr>
-                        <a:t>RF-05</a:t>
-                      </a:r>
-                    </a:p>
-                  </a:txBody>
-                  <a:tcPr marL="51594" marR="51594" marT="23812" marB="23812" anchor="ctr">
-                    <a:solidFill>
-                      <a:schemeClr val="accent6">
-                        <a:lumMod val="60000"/>
-                        <a:lumOff val="40000"/>
-                      </a:schemeClr>
-                    </a:solidFill>
-                  </a:tcPr>
-                </a:tc>
-                <a:tc>
-                  <a:txBody>
-                    <a:bodyPr/>
-                    <a:lstStyle/>
-                    <a:p>
-                      <a:r>
-                        <a:rPr lang="pt-BR" sz="700" dirty="0">
-                          <a:effectLst/>
-                        </a:rPr>
-                        <a:t>O sistema deve permitir cadastro de Caixinha de medicamentos, com quantidade alterada quando usuário confirma a ingestão.</a:t>
-                      </a:r>
-                    </a:p>
-                  </a:txBody>
-                  <a:tcPr marL="51594" marR="51594" marT="23812" marB="23812" anchor="ctr">
-                    <a:solidFill>
-                      <a:schemeClr val="accent6">
-                        <a:lumMod val="60000"/>
-                        <a:lumOff val="40000"/>
-                      </a:schemeClr>
-                    </a:solidFill>
-                  </a:tcPr>
-                </a:tc>
-                <a:tc>
-                  <a:txBody>
-                    <a:bodyPr/>
-                    <a:lstStyle/>
-                    <a:p>
-                      <a:r>
-                        <a:rPr lang="pt-BR" sz="700">
-                          <a:effectLst/>
-                        </a:rPr>
-                        <a:t>Média</a:t>
-                      </a:r>
-                    </a:p>
-                  </a:txBody>
-                  <a:tcPr marL="51594" marR="51594" marT="23812" marB="23812" anchor="ctr">
-                    <a:solidFill>
-                      <a:schemeClr val="accent6">
-                        <a:lumMod val="60000"/>
-                        <a:lumOff val="40000"/>
-                      </a:schemeClr>
-                    </a:solidFill>
-                  </a:tcPr>
-                </a:tc>
-                <a:extLst>
-                  <a:ext uri="{0D108BD9-81ED-4DB2-BD59-A6C34878D82A}">
-                    <a16:rowId xmlns:a16="http://schemas.microsoft.com/office/drawing/2014/main" val="4259498546"/>
-                  </a:ext>
-                </a:extLst>
-              </a:tr>
-              <a:tr h="204421">
-                <a:tc>
-                  <a:txBody>
-                    <a:bodyPr/>
-                    <a:lstStyle/>
-                    <a:p>
-                      <a:r>
-                        <a:rPr lang="pt-BR" sz="700">
-                          <a:effectLst/>
-                        </a:rPr>
-                        <a:t>RF-06</a:t>
-                      </a:r>
-                    </a:p>
-                  </a:txBody>
-                  <a:tcPr marL="51594" marR="51594" marT="23812" marB="23812" anchor="ctr">
-                    <a:solidFill>
-                      <a:schemeClr val="accent6">
-                        <a:lumMod val="60000"/>
-                        <a:lumOff val="40000"/>
-                      </a:schemeClr>
-                    </a:solidFill>
-                  </a:tcPr>
-                </a:tc>
-                <a:tc>
-                  <a:txBody>
-                    <a:bodyPr/>
-                    <a:lstStyle/>
-                    <a:p>
-                      <a:r>
-                        <a:rPr lang="pt-BR" sz="700">
-                          <a:effectLst/>
-                        </a:rPr>
-                        <a:t>O cadastro de Caixinha deve incluir data de validade e lote</a:t>
-                      </a:r>
-                    </a:p>
-                  </a:txBody>
-                  <a:tcPr marL="51594" marR="51594" marT="23812" marB="23812" anchor="ctr">
-                    <a:solidFill>
-                      <a:schemeClr val="accent6">
-                        <a:lumMod val="60000"/>
-                        <a:lumOff val="40000"/>
-                      </a:schemeClr>
-                    </a:solidFill>
-                  </a:tcPr>
-                </a:tc>
-                <a:tc>
-                  <a:txBody>
-                    <a:bodyPr/>
-                    <a:lstStyle/>
-                    <a:p>
-                      <a:r>
-                        <a:rPr lang="pt-BR" sz="700">
-                          <a:effectLst/>
-                        </a:rPr>
-                        <a:t>Baixa</a:t>
-                      </a:r>
-                    </a:p>
-                  </a:txBody>
-                  <a:tcPr marL="51594" marR="51594" marT="23812" marB="23812" anchor="ctr">
-                    <a:solidFill>
-                      <a:schemeClr val="accent6">
-                        <a:lumMod val="60000"/>
-                        <a:lumOff val="40000"/>
-                      </a:schemeClr>
-                    </a:solidFill>
-                  </a:tcPr>
-                </a:tc>
-                <a:extLst>
-                  <a:ext uri="{0D108BD9-81ED-4DB2-BD59-A6C34878D82A}">
-                    <a16:rowId xmlns:a16="http://schemas.microsoft.com/office/drawing/2014/main" val="1469199691"/>
-                  </a:ext>
-                </a:extLst>
-              </a:tr>
-              <a:tr h="336306">
-                <a:tc>
-                  <a:txBody>
-                    <a:bodyPr/>
-                    <a:lstStyle/>
-                    <a:p>
-                      <a:r>
-                        <a:rPr lang="pt-BR" sz="700">
-                          <a:effectLst/>
-                        </a:rPr>
-                        <a:t>RF-07</a:t>
-                      </a:r>
-                    </a:p>
-                  </a:txBody>
-                  <a:tcPr marL="51594" marR="51594" marT="23812" marB="23812" anchor="ctr">
-                    <a:solidFill>
-                      <a:schemeClr val="accent6">
-                        <a:lumMod val="60000"/>
-                        <a:lumOff val="40000"/>
-                      </a:schemeClr>
-                    </a:solidFill>
-                  </a:tcPr>
-                </a:tc>
-                <a:tc>
-                  <a:txBody>
-                    <a:bodyPr/>
-                    <a:lstStyle/>
-                    <a:p>
-                      <a:r>
-                        <a:rPr lang="pt-BR" sz="700">
-                          <a:effectLst/>
-                        </a:rPr>
-                        <a:t>O sistema deve emitir alerta com notificação nos horários de ingestão cadastrados no tratamento</a:t>
-                      </a:r>
-                    </a:p>
-                  </a:txBody>
-                  <a:tcPr marL="51594" marR="51594" marT="23812" marB="23812" anchor="ctr">
-                    <a:solidFill>
-                      <a:schemeClr val="accent6">
-                        <a:lumMod val="60000"/>
-                        <a:lumOff val="40000"/>
-                      </a:schemeClr>
-                    </a:solidFill>
-                  </a:tcPr>
-                </a:tc>
-                <a:tc>
-                  <a:txBody>
-                    <a:bodyPr/>
-                    <a:lstStyle/>
-                    <a:p>
-                      <a:r>
-                        <a:rPr lang="pt-BR" sz="700">
-                          <a:effectLst/>
-                        </a:rPr>
-                        <a:t>Alta</a:t>
-                      </a:r>
-                    </a:p>
-                  </a:txBody>
-                  <a:tcPr marL="51594" marR="51594" marT="23812" marB="23812" anchor="ctr">
-                    <a:solidFill>
-                      <a:schemeClr val="accent6">
-                        <a:lumMod val="60000"/>
-                        <a:lumOff val="40000"/>
-                      </a:schemeClr>
-                    </a:solidFill>
-                  </a:tcPr>
-                </a:tc>
-                <a:extLst>
-                  <a:ext uri="{0D108BD9-81ED-4DB2-BD59-A6C34878D82A}">
-                    <a16:rowId xmlns:a16="http://schemas.microsoft.com/office/drawing/2014/main" val="2883811427"/>
-                  </a:ext>
-                </a:extLst>
-              </a:tr>
-              <a:tr h="468191">
-                <a:tc>
-                  <a:txBody>
-                    <a:bodyPr/>
-                    <a:lstStyle/>
-                    <a:p>
-                      <a:r>
-                        <a:rPr lang="pt-BR" sz="700">
-                          <a:effectLst/>
-                        </a:rPr>
-                        <a:t>RF-08</a:t>
-                      </a:r>
-                    </a:p>
-                  </a:txBody>
-                  <a:tcPr marL="51594" marR="51594" marT="23812" marB="23812" anchor="ctr">
-                    <a:solidFill>
-                      <a:schemeClr val="accent6">
-                        <a:lumMod val="60000"/>
-                        <a:lumOff val="40000"/>
-                      </a:schemeClr>
-                    </a:solidFill>
-                  </a:tcPr>
-                </a:tc>
-                <a:tc>
-                  <a:txBody>
-                    <a:bodyPr/>
-                    <a:lstStyle/>
-                    <a:p>
-                      <a:r>
-                        <a:rPr lang="pt-BR" sz="700" dirty="0">
-                          <a:effectLst/>
-                        </a:rPr>
-                        <a:t>O sistema deve emitir alerta de quantidade baixa de medicamento, considerando a quantidade definida pelo usuário (“quando quantidade for menor que X comprimidos”)</a:t>
-                      </a:r>
-                    </a:p>
-                  </a:txBody>
-                  <a:tcPr marL="51594" marR="51594" marT="23812" marB="23812" anchor="ctr">
-                    <a:solidFill>
-                      <a:schemeClr val="accent6">
-                        <a:lumMod val="60000"/>
-                        <a:lumOff val="40000"/>
-                      </a:schemeClr>
-                    </a:solidFill>
-                  </a:tcPr>
-                </a:tc>
-                <a:tc>
-                  <a:txBody>
-                    <a:bodyPr/>
-                    <a:lstStyle/>
-                    <a:p>
-                      <a:r>
-                        <a:rPr lang="pt-BR" sz="700">
-                          <a:effectLst/>
-                        </a:rPr>
-                        <a:t>Média</a:t>
-                      </a:r>
-                    </a:p>
-                  </a:txBody>
-                  <a:tcPr marL="51594" marR="51594" marT="23812" marB="23812" anchor="ctr">
-                    <a:solidFill>
-                      <a:schemeClr val="accent6">
-                        <a:lumMod val="60000"/>
-                        <a:lumOff val="40000"/>
-                      </a:schemeClr>
-                    </a:solidFill>
-                  </a:tcPr>
-                </a:tc>
-                <a:extLst>
-                  <a:ext uri="{0D108BD9-81ED-4DB2-BD59-A6C34878D82A}">
-                    <a16:rowId xmlns:a16="http://schemas.microsoft.com/office/drawing/2014/main" val="3818984010"/>
-                  </a:ext>
-                </a:extLst>
-              </a:tr>
-              <a:tr h="336306">
-                <a:tc>
-                  <a:txBody>
-                    <a:bodyPr/>
-                    <a:lstStyle/>
-                    <a:p>
-                      <a:r>
-                        <a:rPr lang="pt-BR" sz="700">
-                          <a:effectLst/>
-                        </a:rPr>
-                        <a:t>RF-09</a:t>
-                      </a:r>
-                    </a:p>
-                  </a:txBody>
-                  <a:tcPr marL="51594" marR="51594" marT="23812" marB="23812" anchor="ctr">
-                    <a:solidFill>
-                      <a:schemeClr val="accent6">
-                        <a:lumMod val="60000"/>
-                        <a:lumOff val="40000"/>
-                      </a:schemeClr>
-                    </a:solidFill>
-                  </a:tcPr>
-                </a:tc>
-                <a:tc>
-                  <a:txBody>
-                    <a:bodyPr/>
-                    <a:lstStyle/>
-                    <a:p>
-                      <a:r>
-                        <a:rPr lang="pt-BR" sz="700">
-                          <a:effectLst/>
-                        </a:rPr>
-                        <a:t>O sistema deve ter um sistema de localização de farmácias (pode ser pelo Google Maps), considerando a localização atual do usuário</a:t>
-                      </a:r>
-                    </a:p>
-                  </a:txBody>
-                  <a:tcPr marL="51594" marR="51594" marT="23812" marB="23812" anchor="ctr">
-                    <a:solidFill>
-                      <a:schemeClr val="accent6">
-                        <a:lumMod val="60000"/>
-                        <a:lumOff val="40000"/>
-                      </a:schemeClr>
-                    </a:solidFill>
-                  </a:tcPr>
-                </a:tc>
-                <a:tc>
-                  <a:txBody>
-                    <a:bodyPr/>
-                    <a:lstStyle/>
-                    <a:p>
-                      <a:r>
-                        <a:rPr lang="pt-BR" sz="700">
-                          <a:effectLst/>
-                        </a:rPr>
-                        <a:t>Baixa</a:t>
-                      </a:r>
-                    </a:p>
-                  </a:txBody>
-                  <a:tcPr marL="51594" marR="51594" marT="23812" marB="23812" anchor="ctr">
-                    <a:solidFill>
-                      <a:schemeClr val="accent6">
-                        <a:lumMod val="60000"/>
-                        <a:lumOff val="40000"/>
-                      </a:schemeClr>
-                    </a:solidFill>
-                  </a:tcPr>
-                </a:tc>
-                <a:extLst>
-                  <a:ext uri="{0D108BD9-81ED-4DB2-BD59-A6C34878D82A}">
-                    <a16:rowId xmlns:a16="http://schemas.microsoft.com/office/drawing/2014/main" val="2154748864"/>
-                  </a:ext>
-                </a:extLst>
-              </a:tr>
-              <a:tr h="336306">
-                <a:tc>
-                  <a:txBody>
-                    <a:bodyPr/>
-                    <a:lstStyle/>
-                    <a:p>
-                      <a:r>
-                        <a:rPr lang="pt-BR" sz="700">
+                        <a:rPr lang="pt-BR" sz="1200" dirty="0">
                           <a:effectLst/>
                         </a:rPr>
                         <a:t>RF-10</a:t>
@@ -25100,7 +26263,7 @@
                     <a:lstStyle/>
                     <a:p>
                       <a:r>
-                        <a:rPr lang="pt-BR" sz="700" dirty="0">
+                        <a:rPr lang="pt-BR" sz="1200" dirty="0">
                           <a:effectLst/>
                         </a:rPr>
                         <a:t>O sistema deve permitir a comparação de preços de um medicamento selecionado entre diversas farmácias</a:t>
@@ -25122,7 +26285,7 @@
                     <a:lstStyle/>
                     <a:p>
                       <a:r>
-                        <a:rPr lang="pt-BR" sz="700">
+                        <a:rPr lang="pt-BR" sz="1200" dirty="0">
                           <a:effectLst/>
                         </a:rPr>
                         <a:t>Baixa</a:t>
@@ -25144,14 +26307,14 @@
                   </a:ext>
                 </a:extLst>
               </a:tr>
-              <a:tr h="204421">
+              <a:tr h="409489">
                 <a:tc>
                   <a:txBody>
                     <a:bodyPr/>
                     <a:lstStyle/>
                     <a:p>
                       <a:r>
-                        <a:rPr lang="pt-BR" sz="700">
+                        <a:rPr lang="pt-BR" sz="1200">
                           <a:effectLst/>
                         </a:rPr>
                         <a:t>RF-11</a:t>
@@ -25173,7 +26336,7 @@
                     <a:lstStyle/>
                     <a:p>
                       <a:r>
-                        <a:rPr lang="pt-BR" sz="700">
+                        <a:rPr lang="pt-BR" sz="1200" dirty="0">
                           <a:effectLst/>
                         </a:rPr>
                         <a:t>O sistema deve permitir a inserção e a leitura de bulas de medicamentos</a:t>
@@ -25195,7 +26358,7 @@
                     <a:lstStyle/>
                     <a:p>
                       <a:r>
-                        <a:rPr lang="pt-BR" sz="700">
+                        <a:rPr lang="pt-BR" sz="1200">
                           <a:effectLst/>
                         </a:rPr>
                         <a:t>Baixa</a:t>
@@ -25217,14 +26380,14 @@
                   </a:ext>
                 </a:extLst>
               </a:tr>
-              <a:tr h="336306">
+              <a:tr h="617215">
                 <a:tc>
                   <a:txBody>
                     <a:bodyPr/>
                     <a:lstStyle/>
                     <a:p>
                       <a:r>
-                        <a:rPr lang="pt-BR" sz="700">
+                        <a:rPr lang="pt-BR" sz="1200">
                           <a:effectLst/>
                         </a:rPr>
                         <a:t>RF-12</a:t>
@@ -25246,7 +26409,7 @@
                     <a:lstStyle/>
                     <a:p>
                       <a:r>
-                        <a:rPr lang="pt-BR" sz="700">
+                        <a:rPr lang="pt-BR" sz="1200">
                           <a:effectLst/>
                         </a:rPr>
                         <a:t>O sistema deve permitir receber e encaminhar prescrição eletrônica (Importar e exportar)</a:t>
@@ -25268,7 +26431,7 @@
                     <a:lstStyle/>
                     <a:p>
                       <a:r>
-                        <a:rPr lang="pt-BR" sz="700">
+                        <a:rPr lang="pt-BR" sz="1200">
                           <a:effectLst/>
                         </a:rPr>
                         <a:t>Baixa</a:t>
@@ -25290,14 +26453,14 @@
                   </a:ext>
                 </a:extLst>
               </a:tr>
-              <a:tr h="336306">
+              <a:tr h="617215">
                 <a:tc>
                   <a:txBody>
                     <a:bodyPr/>
                     <a:lstStyle/>
                     <a:p>
                       <a:r>
-                        <a:rPr lang="pt-BR" sz="700">
+                        <a:rPr lang="pt-BR" sz="1200">
                           <a:effectLst/>
                         </a:rPr>
                         <a:t>RF-13</a:t>
@@ -25319,7 +26482,7 @@
                     <a:lstStyle/>
                     <a:p>
                       <a:r>
-                        <a:rPr lang="pt-BR" sz="700" dirty="0">
+                        <a:rPr lang="pt-BR" sz="1200" dirty="0">
                           <a:effectLst/>
                         </a:rPr>
                         <a:t>O sistema deve permitir o registro da qualidade do atendimento das farmácias para futura comparação (Avaliação)</a:t>
@@ -25341,7 +26504,7 @@
                     <a:lstStyle/>
                     <a:p>
                       <a:r>
-                        <a:rPr lang="pt-BR" sz="700">
+                        <a:rPr lang="pt-BR" sz="1200">
                           <a:effectLst/>
                         </a:rPr>
                         <a:t>Média</a:t>
@@ -25363,14 +26526,14 @@
                   </a:ext>
                 </a:extLst>
               </a:tr>
-              <a:tr h="336306">
+              <a:tr h="617215">
                 <a:tc>
                   <a:txBody>
                     <a:bodyPr/>
                     <a:lstStyle/>
                     <a:p>
                       <a:r>
-                        <a:rPr lang="pt-BR" sz="700">
+                        <a:rPr lang="pt-BR" sz="1200">
                           <a:effectLst/>
                         </a:rPr>
                         <a:t>RF-14</a:t>
@@ -25392,7 +26555,7 @@
                     <a:lstStyle/>
                     <a:p>
                       <a:r>
-                        <a:rPr lang="pt-BR" sz="700">
+                        <a:rPr lang="pt-BR" sz="1200" dirty="0">
                           <a:effectLst/>
                         </a:rPr>
                         <a:t>O sistema deve apresentar na página principal uma área de login e a opção para se cadastrar ou recuperar senha.</a:t>
@@ -25414,7 +26577,7 @@
                     <a:lstStyle/>
                     <a:p>
                       <a:r>
-                        <a:rPr lang="pt-BR" sz="700">
+                        <a:rPr lang="pt-BR" sz="1200">
                           <a:effectLst/>
                         </a:rPr>
                         <a:t>Baixa</a:t>
@@ -25436,14 +26599,14 @@
                   </a:ext>
                 </a:extLst>
               </a:tr>
-              <a:tr h="336306">
+              <a:tr h="617215">
                 <a:tc>
                   <a:txBody>
                     <a:bodyPr/>
                     <a:lstStyle/>
                     <a:p>
                       <a:r>
-                        <a:rPr lang="pt-BR" sz="700">
+                        <a:rPr lang="pt-BR" sz="1200">
                           <a:effectLst/>
                         </a:rPr>
                         <a:t>RF-15</a:t>
@@ -25465,7 +26628,7 @@
                     <a:lstStyle/>
                     <a:p>
                       <a:r>
-                        <a:rPr lang="pt-BR" sz="700">
+                        <a:rPr lang="pt-BR" sz="1200" dirty="0">
                           <a:effectLst/>
                         </a:rPr>
                         <a:t>O sistema deve conter um formulário que permita ao usuário cadastrar uma nova senha em caso de esquecimento.</a:t>
@@ -25487,7 +26650,7 @@
                     <a:lstStyle/>
                     <a:p>
                       <a:r>
-                        <a:rPr lang="pt-BR" sz="700" dirty="0">
+                        <a:rPr lang="pt-BR" sz="1200" dirty="0">
                           <a:effectLst/>
                         </a:rPr>
                         <a:t>Alta</a:t>
@@ -25509,14 +26672,14 @@
                   </a:ext>
                 </a:extLst>
               </a:tr>
-              <a:tr h="336306">
+              <a:tr h="617215">
                 <a:tc>
                   <a:txBody>
                     <a:bodyPr/>
                     <a:lstStyle/>
                     <a:p>
                       <a:r>
-                        <a:rPr lang="pt-BR" sz="700">
+                        <a:rPr lang="pt-BR" sz="1200">
                           <a:effectLst/>
                         </a:rPr>
                         <a:t>RF-16</a:t>
@@ -25538,7 +26701,7 @@
                     <a:lstStyle/>
                     <a:p>
                       <a:r>
-                        <a:rPr lang="pt-BR" sz="700">
+                        <a:rPr lang="pt-BR" sz="1200">
                           <a:effectLst/>
                         </a:rPr>
                         <a:t>O site deve conter área logada (Perfil) que conforme o logon de cada perfil (paciente / Funcionário da farmácia) que deverá mostrar o conteúdo apropriado.</a:t>
@@ -25560,7 +26723,7 @@
                     <a:lstStyle/>
                     <a:p>
                       <a:r>
-                        <a:rPr lang="pt-BR" sz="700">
+                        <a:rPr lang="pt-BR" sz="1200">
                           <a:effectLst/>
                         </a:rPr>
                         <a:t>Alta</a:t>
@@ -25582,14 +26745,14 @@
                   </a:ext>
                 </a:extLst>
               </a:tr>
-              <a:tr h="600075">
+              <a:tr h="1101305">
                 <a:tc>
                   <a:txBody>
                     <a:bodyPr/>
                     <a:lstStyle/>
                     <a:p>
                       <a:r>
-                        <a:rPr lang="pt-BR" sz="700">
+                        <a:rPr lang="pt-BR" sz="1200">
                           <a:effectLst/>
                         </a:rPr>
                         <a:t>RF-17</a:t>
@@ -25611,7 +26774,7 @@
                     <a:lstStyle/>
                     <a:p>
                       <a:r>
-                        <a:rPr lang="pt-BR" sz="700" dirty="0">
+                        <a:rPr lang="pt-BR" sz="1200" dirty="0">
                           <a:effectLst/>
                         </a:rPr>
                         <a:t>A tela Perfil deve contemplar informações importantes para ambos os tipos de usuários como: Tratamentos, Medicamentos, Alarme, Menor preço de medicamentos, Cadastrar medicamento, Visualizar receita, Cadastrar tratamento (Considerando o tipo de cada perfil)</a:t>
@@ -25633,7 +26796,7 @@
                     <a:lstStyle/>
                     <a:p>
                       <a:r>
-                        <a:rPr lang="pt-BR" sz="700" dirty="0">
+                        <a:rPr lang="pt-BR" sz="1200" dirty="0">
                           <a:effectLst/>
                         </a:rPr>
                         <a:t>Alta</a:t>
@@ -25655,14 +26818,14 @@
                   </a:ext>
                 </a:extLst>
               </a:tr>
-              <a:tr h="204421">
+              <a:tr h="409489">
                 <a:tc>
                   <a:txBody>
                     <a:bodyPr/>
                     <a:lstStyle/>
                     <a:p>
                       <a:r>
-                        <a:rPr lang="pt-BR" sz="700">
+                        <a:rPr lang="pt-BR" sz="1200">
                           <a:effectLst/>
                         </a:rPr>
                         <a:t>RF-18</a:t>
@@ -25684,7 +26847,7 @@
                     <a:lstStyle/>
                     <a:p>
                       <a:r>
-                        <a:rPr lang="pt-BR" sz="700">
+                        <a:rPr lang="pt-BR" sz="1200" dirty="0">
                           <a:effectLst/>
                         </a:rPr>
                         <a:t>O sistema deve apresentar uma página para Visualizar Receita.</a:t>
@@ -25706,7 +26869,7 @@
                     <a:lstStyle/>
                     <a:p>
                       <a:r>
-                        <a:rPr lang="pt-BR" sz="700">
+                        <a:rPr lang="pt-BR" sz="1200" dirty="0">
                           <a:effectLst/>
                         </a:rPr>
                         <a:t>Média</a:t>
@@ -25728,14 +26891,14 @@
                   </a:ext>
                 </a:extLst>
               </a:tr>
-              <a:tr h="468191">
+              <a:tr h="859260">
                 <a:tc>
                   <a:txBody>
                     <a:bodyPr/>
                     <a:lstStyle/>
                     <a:p>
                       <a:r>
-                        <a:rPr lang="pt-BR" sz="700">
+                        <a:rPr lang="pt-BR" sz="1200">
                           <a:effectLst/>
                         </a:rPr>
                         <a:t>RF-19</a:t>
@@ -25757,7 +26920,7 @@
                     <a:lstStyle/>
                     <a:p>
                       <a:r>
-                        <a:rPr lang="pt-BR" sz="700">
+                        <a:rPr lang="pt-BR" sz="1200" dirty="0">
                           <a:effectLst/>
                         </a:rPr>
                         <a:t>O sistema deve monitorar a localização do usuário e emitir alerta quando este se deslocar da sua residência (cadastrada no perfil) para que leve os remédios do tratamento cadastrado</a:t>
@@ -25779,7 +26942,7 @@
                     <a:lstStyle/>
                     <a:p>
                       <a:r>
-                        <a:rPr lang="pt-BR" sz="700" dirty="0">
+                        <a:rPr lang="pt-BR" sz="1200" dirty="0">
                           <a:effectLst/>
                         </a:rPr>
                         <a:t>Baixa</a:t>
@@ -25808,7 +26971,7 @@
     </p:spTree>
     <p:extLst>
       <p:ext uri="{BB962C8B-B14F-4D97-AF65-F5344CB8AC3E}">
-        <p14:creationId xmlns:p14="http://schemas.microsoft.com/office/powerpoint/2010/main" val="2657081250"/>
+        <p14:creationId xmlns:p14="http://schemas.microsoft.com/office/powerpoint/2010/main" val="480981145"/>
       </p:ext>
     </p:extLst>
   </p:cSld>

--- a/presentation/Minha Saúde.pptx
+++ b/presentation/Minha Saúde.pptx
@@ -144,7 +144,7 @@
 <file path=ppt/revisionInfo.xml><?xml version="1.0" encoding="utf-8"?>
 <p1510:revInfo xmlns:a="http://schemas.openxmlformats.org/drawingml/2006/main" xmlns:r="http://schemas.openxmlformats.org/officeDocument/2006/relationships" xmlns:p1510="http://schemas.microsoft.com/office/powerpoint/2015/10/main">
   <p1510:revLst>
-    <p1510:client id="{E665EBCA-1E2F-443D-91FD-7BD81644C74D}" v="70" dt="2021-12-15T18:55:04.300"/>
+    <p1510:client id="{E665EBCA-1E2F-443D-91FD-7BD81644C74D}" v="71" dt="2021-12-15T19:06:56.445"/>
   </p1510:revLst>
 </p1510:revInfo>
 </file>
@@ -154,7 +154,7 @@
   <pc:docChgLst>
     <pc:chgData name="João Pedro Marques Mourão" userId="f6c00371-08d6-47b2-b424-12045b6f5743" providerId="ADAL" clId="{E665EBCA-1E2F-443D-91FD-7BD81644C74D}"/>
     <pc:docChg chg="undo custSel addSld delSld modSld sldOrd">
-      <pc:chgData name="João Pedro Marques Mourão" userId="f6c00371-08d6-47b2-b424-12045b6f5743" providerId="ADAL" clId="{E665EBCA-1E2F-443D-91FD-7BD81644C74D}" dt="2021-12-15T18:56:23.552" v="439" actId="14100"/>
+      <pc:chgData name="João Pedro Marques Mourão" userId="f6c00371-08d6-47b2-b424-12045b6f5743" providerId="ADAL" clId="{E665EBCA-1E2F-443D-91FD-7BD81644C74D}" dt="2021-12-15T19:07:51.239" v="460" actId="14100"/>
       <pc:docMkLst>
         <pc:docMk/>
       </pc:docMkLst>
@@ -196,11 +196,19 @@
         </pc:sldMkLst>
       </pc:sldChg>
       <pc:sldChg chg="addSp delSp modSp mod">
-        <pc:chgData name="João Pedro Marques Mourão" userId="f6c00371-08d6-47b2-b424-12045b6f5743" providerId="ADAL" clId="{E665EBCA-1E2F-443D-91FD-7BD81644C74D}" dt="2021-12-15T18:55:43.745" v="433" actId="255"/>
+        <pc:chgData name="João Pedro Marques Mourão" userId="f6c00371-08d6-47b2-b424-12045b6f5743" providerId="ADAL" clId="{E665EBCA-1E2F-443D-91FD-7BD81644C74D}" dt="2021-12-15T19:07:51.239" v="460" actId="14100"/>
         <pc:sldMkLst>
           <pc:docMk/>
           <pc:sldMk cId="2657081250" sldId="262"/>
         </pc:sldMkLst>
+        <pc:spChg chg="mod">
+          <ac:chgData name="João Pedro Marques Mourão" userId="f6c00371-08d6-47b2-b424-12045b6f5743" providerId="ADAL" clId="{E665EBCA-1E2F-443D-91FD-7BD81644C74D}" dt="2021-12-15T19:07:06.682" v="453" actId="26606"/>
+          <ac:spMkLst>
+            <pc:docMk/>
+            <pc:sldMk cId="2657081250" sldId="262"/>
+            <ac:spMk id="2" creationId="{44B92204-69D9-4078-8C8A-9198AA30D74A}"/>
+          </ac:spMkLst>
+        </pc:spChg>
         <pc:spChg chg="add del mod">
           <ac:chgData name="João Pedro Marques Mourão" userId="f6c00371-08d6-47b2-b424-12045b6f5743" providerId="ADAL" clId="{E665EBCA-1E2F-443D-91FD-7BD81644C74D}" dt="2021-12-15T18:32:36.556" v="44" actId="478"/>
           <ac:spMkLst>
@@ -209,8 +217,200 @@
             <ac:spMk id="3" creationId="{80300BD4-AE5B-41EA-87F3-235AA91D1F3D}"/>
           </ac:spMkLst>
         </pc:spChg>
-        <pc:graphicFrameChg chg="modGraphic">
-          <ac:chgData name="João Pedro Marques Mourão" userId="f6c00371-08d6-47b2-b424-12045b6f5743" providerId="ADAL" clId="{E665EBCA-1E2F-443D-91FD-7BD81644C74D}" dt="2021-12-15T18:55:43.745" v="433" actId="255"/>
+        <pc:spChg chg="del">
+          <ac:chgData name="João Pedro Marques Mourão" userId="f6c00371-08d6-47b2-b424-12045b6f5743" providerId="ADAL" clId="{E665EBCA-1E2F-443D-91FD-7BD81644C74D}" dt="2021-12-15T19:04:59.836" v="441" actId="26606"/>
+          <ac:spMkLst>
+            <pc:docMk/>
+            <pc:sldMk cId="2657081250" sldId="262"/>
+            <ac:spMk id="15" creationId="{040BF4A1-714C-419E-A19F-578DE93BE02F}"/>
+          </ac:spMkLst>
+        </pc:spChg>
+        <pc:spChg chg="del">
+          <ac:chgData name="João Pedro Marques Mourão" userId="f6c00371-08d6-47b2-b424-12045b6f5743" providerId="ADAL" clId="{E665EBCA-1E2F-443D-91FD-7BD81644C74D}" dt="2021-12-15T19:04:59.836" v="441" actId="26606"/>
+          <ac:spMkLst>
+            <pc:docMk/>
+            <pc:sldMk cId="2657081250" sldId="262"/>
+            <ac:spMk id="17" creationId="{2F91A9BD-D57F-4941-931F-40597AB37017}"/>
+          </ac:spMkLst>
+        </pc:spChg>
+        <pc:spChg chg="del">
+          <ac:chgData name="João Pedro Marques Mourão" userId="f6c00371-08d6-47b2-b424-12045b6f5743" providerId="ADAL" clId="{E665EBCA-1E2F-443D-91FD-7BD81644C74D}" dt="2021-12-15T19:04:59.836" v="441" actId="26606"/>
+          <ac:spMkLst>
+            <pc:docMk/>
+            <pc:sldMk cId="2657081250" sldId="262"/>
+            <ac:spMk id="19" creationId="{C54DB264-9467-4730-B9E9-C9A97DD66920}"/>
+          </ac:spMkLst>
+        </pc:spChg>
+        <pc:spChg chg="del">
+          <ac:chgData name="João Pedro Marques Mourão" userId="f6c00371-08d6-47b2-b424-12045b6f5743" providerId="ADAL" clId="{E665EBCA-1E2F-443D-91FD-7BD81644C74D}" dt="2021-12-15T19:04:59.836" v="441" actId="26606"/>
+          <ac:spMkLst>
+            <pc:docMk/>
+            <pc:sldMk cId="2657081250" sldId="262"/>
+            <ac:spMk id="25" creationId="{BB097F88-2120-47B4-B891-5B28F66BBD4A}"/>
+          </ac:spMkLst>
+        </pc:spChg>
+        <pc:spChg chg="del">
+          <ac:chgData name="João Pedro Marques Mourão" userId="f6c00371-08d6-47b2-b424-12045b6f5743" providerId="ADAL" clId="{E665EBCA-1E2F-443D-91FD-7BD81644C74D}" dt="2021-12-15T19:04:59.836" v="441" actId="26606"/>
+          <ac:spMkLst>
+            <pc:docMk/>
+            <pc:sldMk cId="2657081250" sldId="262"/>
+            <ac:spMk id="26" creationId="{BF9338F5-05AB-4DC5-BD1C-1A9F26C38A7A}"/>
+          </ac:spMkLst>
+        </pc:spChg>
+        <pc:spChg chg="add del">
+          <ac:chgData name="João Pedro Marques Mourão" userId="f6c00371-08d6-47b2-b424-12045b6f5743" providerId="ADAL" clId="{E665EBCA-1E2F-443D-91FD-7BD81644C74D}" dt="2021-12-15T19:07:06.682" v="453" actId="26606"/>
+          <ac:spMkLst>
+            <pc:docMk/>
+            <pc:sldMk cId="2657081250" sldId="262"/>
+            <ac:spMk id="31" creationId="{E383CC5D-71E8-4CB2-8E4A-F1E4FF6DC9D6}"/>
+          </ac:spMkLst>
+        </pc:spChg>
+        <pc:spChg chg="add del">
+          <ac:chgData name="João Pedro Marques Mourão" userId="f6c00371-08d6-47b2-b424-12045b6f5743" providerId="ADAL" clId="{E665EBCA-1E2F-443D-91FD-7BD81644C74D}" dt="2021-12-15T19:07:06.682" v="453" actId="26606"/>
+          <ac:spMkLst>
+            <pc:docMk/>
+            <pc:sldMk cId="2657081250" sldId="262"/>
+            <ac:spMk id="33" creationId="{E2DA5AC1-43C5-4243-9028-07DBB80D0C95}"/>
+          </ac:spMkLst>
+        </pc:spChg>
+        <pc:spChg chg="add del">
+          <ac:chgData name="João Pedro Marques Mourão" userId="f6c00371-08d6-47b2-b424-12045b6f5743" providerId="ADAL" clId="{E665EBCA-1E2F-443D-91FD-7BD81644C74D}" dt="2021-12-15T19:07:06.682" v="453" actId="26606"/>
+          <ac:spMkLst>
+            <pc:docMk/>
+            <pc:sldMk cId="2657081250" sldId="262"/>
+            <ac:spMk id="35" creationId="{8A4EDA1C-27A1-4C83-ACE4-6675EC9245B1}"/>
+          </ac:spMkLst>
+        </pc:spChg>
+        <pc:spChg chg="add del">
+          <ac:chgData name="João Pedro Marques Mourão" userId="f6c00371-08d6-47b2-b424-12045b6f5743" providerId="ADAL" clId="{E665EBCA-1E2F-443D-91FD-7BD81644C74D}" dt="2021-12-15T19:07:06.682" v="453" actId="26606"/>
+          <ac:spMkLst>
+            <pc:docMk/>
+            <pc:sldMk cId="2657081250" sldId="262"/>
+            <ac:spMk id="37" creationId="{1C2185E4-B584-4B9D-9440-DEA0FB9D94DF}"/>
+          </ac:spMkLst>
+        </pc:spChg>
+        <pc:spChg chg="add del">
+          <ac:chgData name="João Pedro Marques Mourão" userId="f6c00371-08d6-47b2-b424-12045b6f5743" providerId="ADAL" clId="{E665EBCA-1E2F-443D-91FD-7BD81644C74D}" dt="2021-12-15T19:07:06.682" v="453" actId="26606"/>
+          <ac:spMkLst>
+            <pc:docMk/>
+            <pc:sldMk cId="2657081250" sldId="262"/>
+            <ac:spMk id="39" creationId="{FF33EC8A-EE0A-4395-97E2-DAD467CF734C}"/>
+          </ac:spMkLst>
+        </pc:spChg>
+        <pc:spChg chg="add del">
+          <ac:chgData name="João Pedro Marques Mourão" userId="f6c00371-08d6-47b2-b424-12045b6f5743" providerId="ADAL" clId="{E665EBCA-1E2F-443D-91FD-7BD81644C74D}" dt="2021-12-15T19:07:06.682" v="453" actId="26606"/>
+          <ac:spMkLst>
+            <pc:docMk/>
+            <pc:sldMk cId="2657081250" sldId="262"/>
+            <ac:spMk id="41" creationId="{FF85DA95-16A4-404E-9BFF-27F8E4FC78AA}"/>
+          </ac:spMkLst>
+        </pc:spChg>
+        <pc:spChg chg="add del">
+          <ac:chgData name="João Pedro Marques Mourão" userId="f6c00371-08d6-47b2-b424-12045b6f5743" providerId="ADAL" clId="{E665EBCA-1E2F-443D-91FD-7BD81644C74D}" dt="2021-12-15T19:07:06.625" v="452" actId="26606"/>
+          <ac:spMkLst>
+            <pc:docMk/>
+            <pc:sldMk cId="2657081250" sldId="262"/>
+            <ac:spMk id="46" creationId="{E383CC5D-71E8-4CB2-8E4A-F1E4FF6DC9D6}"/>
+          </ac:spMkLst>
+        </pc:spChg>
+        <pc:spChg chg="add del">
+          <ac:chgData name="João Pedro Marques Mourão" userId="f6c00371-08d6-47b2-b424-12045b6f5743" providerId="ADAL" clId="{E665EBCA-1E2F-443D-91FD-7BD81644C74D}" dt="2021-12-15T19:07:06.625" v="452" actId="26606"/>
+          <ac:spMkLst>
+            <pc:docMk/>
+            <pc:sldMk cId="2657081250" sldId="262"/>
+            <ac:spMk id="48" creationId="{E2DA5AC1-43C5-4243-9028-07DBB80D0C95}"/>
+          </ac:spMkLst>
+        </pc:spChg>
+        <pc:spChg chg="add del">
+          <ac:chgData name="João Pedro Marques Mourão" userId="f6c00371-08d6-47b2-b424-12045b6f5743" providerId="ADAL" clId="{E665EBCA-1E2F-443D-91FD-7BD81644C74D}" dt="2021-12-15T19:07:06.625" v="452" actId="26606"/>
+          <ac:spMkLst>
+            <pc:docMk/>
+            <pc:sldMk cId="2657081250" sldId="262"/>
+            <ac:spMk id="50" creationId="{8A4EDA1C-27A1-4C83-ACE4-6675EC9245B1}"/>
+          </ac:spMkLst>
+        </pc:spChg>
+        <pc:spChg chg="add del">
+          <ac:chgData name="João Pedro Marques Mourão" userId="f6c00371-08d6-47b2-b424-12045b6f5743" providerId="ADAL" clId="{E665EBCA-1E2F-443D-91FD-7BD81644C74D}" dt="2021-12-15T19:07:06.625" v="452" actId="26606"/>
+          <ac:spMkLst>
+            <pc:docMk/>
+            <pc:sldMk cId="2657081250" sldId="262"/>
+            <ac:spMk id="52" creationId="{1C2185E4-B584-4B9D-9440-DEA0FB9D94DF}"/>
+          </ac:spMkLst>
+        </pc:spChg>
+        <pc:spChg chg="add del">
+          <ac:chgData name="João Pedro Marques Mourão" userId="f6c00371-08d6-47b2-b424-12045b6f5743" providerId="ADAL" clId="{E665EBCA-1E2F-443D-91FD-7BD81644C74D}" dt="2021-12-15T19:07:06.625" v="452" actId="26606"/>
+          <ac:spMkLst>
+            <pc:docMk/>
+            <pc:sldMk cId="2657081250" sldId="262"/>
+            <ac:spMk id="54" creationId="{FF33EC8A-EE0A-4395-97E2-DAD467CF734C}"/>
+          </ac:spMkLst>
+        </pc:spChg>
+        <pc:spChg chg="add del">
+          <ac:chgData name="João Pedro Marques Mourão" userId="f6c00371-08d6-47b2-b424-12045b6f5743" providerId="ADAL" clId="{E665EBCA-1E2F-443D-91FD-7BD81644C74D}" dt="2021-12-15T19:07:06.625" v="452" actId="26606"/>
+          <ac:spMkLst>
+            <pc:docMk/>
+            <pc:sldMk cId="2657081250" sldId="262"/>
+            <ac:spMk id="56" creationId="{FF85DA95-16A4-404E-9BFF-27F8E4FC78AA}"/>
+          </ac:spMkLst>
+        </pc:spChg>
+        <pc:spChg chg="add">
+          <ac:chgData name="João Pedro Marques Mourão" userId="f6c00371-08d6-47b2-b424-12045b6f5743" providerId="ADAL" clId="{E665EBCA-1E2F-443D-91FD-7BD81644C74D}" dt="2021-12-15T19:07:06.682" v="453" actId="26606"/>
+          <ac:spMkLst>
+            <pc:docMk/>
+            <pc:sldMk cId="2657081250" sldId="262"/>
+            <ac:spMk id="58" creationId="{DE6E822A-8BCF-432C-83E6-BBE821476CD4}"/>
+          </ac:spMkLst>
+        </pc:spChg>
+        <pc:spChg chg="add">
+          <ac:chgData name="João Pedro Marques Mourão" userId="f6c00371-08d6-47b2-b424-12045b6f5743" providerId="ADAL" clId="{E665EBCA-1E2F-443D-91FD-7BD81644C74D}" dt="2021-12-15T19:07:06.682" v="453" actId="26606"/>
+          <ac:spMkLst>
+            <pc:docMk/>
+            <pc:sldMk cId="2657081250" sldId="262"/>
+            <ac:spMk id="59" creationId="{BD4C0BBB-0042-4603-A226-6117F3FD5B3C}"/>
+          </ac:spMkLst>
+        </pc:spChg>
+        <pc:spChg chg="add">
+          <ac:chgData name="João Pedro Marques Mourão" userId="f6c00371-08d6-47b2-b424-12045b6f5743" providerId="ADAL" clId="{E665EBCA-1E2F-443D-91FD-7BD81644C74D}" dt="2021-12-15T19:07:06.682" v="453" actId="26606"/>
+          <ac:spMkLst>
+            <pc:docMk/>
+            <pc:sldMk cId="2657081250" sldId="262"/>
+            <ac:spMk id="60" creationId="{EC44F520-2598-460E-9F91-B02F60830CA2}"/>
+          </ac:spMkLst>
+        </pc:spChg>
+        <pc:spChg chg="add">
+          <ac:chgData name="João Pedro Marques Mourão" userId="f6c00371-08d6-47b2-b424-12045b6f5743" providerId="ADAL" clId="{E665EBCA-1E2F-443D-91FD-7BD81644C74D}" dt="2021-12-15T19:07:06.682" v="453" actId="26606"/>
+          <ac:spMkLst>
+            <pc:docMk/>
+            <pc:sldMk cId="2657081250" sldId="262"/>
+            <ac:spMk id="61" creationId="{1DBC8414-BE7E-4B6C-A114-B2C3795C883F}"/>
+          </ac:spMkLst>
+        </pc:spChg>
+        <pc:spChg chg="add">
+          <ac:chgData name="João Pedro Marques Mourão" userId="f6c00371-08d6-47b2-b424-12045b6f5743" providerId="ADAL" clId="{E665EBCA-1E2F-443D-91FD-7BD81644C74D}" dt="2021-12-15T19:07:06.682" v="453" actId="26606"/>
+          <ac:spMkLst>
+            <pc:docMk/>
+            <pc:sldMk cId="2657081250" sldId="262"/>
+            <ac:spMk id="62" creationId="{0EC398C5-5C2E-4038-9DB3-DE2B5A9BEFFB}"/>
+          </ac:spMkLst>
+        </pc:spChg>
+        <pc:spChg chg="add">
+          <ac:chgData name="João Pedro Marques Mourão" userId="f6c00371-08d6-47b2-b424-12045b6f5743" providerId="ADAL" clId="{E665EBCA-1E2F-443D-91FD-7BD81644C74D}" dt="2021-12-15T19:07:06.682" v="453" actId="26606"/>
+          <ac:spMkLst>
+            <pc:docMk/>
+            <pc:sldMk cId="2657081250" sldId="262"/>
+            <ac:spMk id="63" creationId="{A2F10B26-073B-4B10-8AAA-161242DD82B0}"/>
+          </ac:spMkLst>
+        </pc:spChg>
+        <pc:spChg chg="add">
+          <ac:chgData name="João Pedro Marques Mourão" userId="f6c00371-08d6-47b2-b424-12045b6f5743" providerId="ADAL" clId="{E665EBCA-1E2F-443D-91FD-7BD81644C74D}" dt="2021-12-15T19:07:06.682" v="453" actId="26606"/>
+          <ac:spMkLst>
+            <pc:docMk/>
+            <pc:sldMk cId="2657081250" sldId="262"/>
+            <ac:spMk id="64" creationId="{610DBBC7-698F-4A54-B1CB-A99F9CC356DF}"/>
+          </ac:spMkLst>
+        </pc:spChg>
+        <pc:graphicFrameChg chg="mod modGraphic">
+          <ac:chgData name="João Pedro Marques Mourão" userId="f6c00371-08d6-47b2-b424-12045b6f5743" providerId="ADAL" clId="{E665EBCA-1E2F-443D-91FD-7BD81644C74D}" dt="2021-12-15T19:07:51.239" v="460" actId="14100"/>
           <ac:graphicFrameMkLst>
             <pc:docMk/>
             <pc:sldMk cId="2657081250" sldId="262"/>
@@ -799,7 +999,7 @@
         </pc:spChg>
       </pc:sldChg>
       <pc:sldChg chg="addSp delSp modSp add mod">
-        <pc:chgData name="João Pedro Marques Mourão" userId="f6c00371-08d6-47b2-b424-12045b6f5743" providerId="ADAL" clId="{E665EBCA-1E2F-443D-91FD-7BD81644C74D}" dt="2021-12-15T18:56:23.552" v="439" actId="14100"/>
+        <pc:chgData name="João Pedro Marques Mourão" userId="f6c00371-08d6-47b2-b424-12045b6f5743" providerId="ADAL" clId="{E665EBCA-1E2F-443D-91FD-7BD81644C74D}" dt="2021-12-15T19:06:36.461" v="446" actId="2165"/>
         <pc:sldMkLst>
           <pc:docMk/>
           <pc:sldMk cId="480981145" sldId="290"/>
@@ -813,7 +1013,7 @@
           </ac:spMkLst>
         </pc:spChg>
         <pc:graphicFrameChg chg="add del modGraphic">
-          <ac:chgData name="João Pedro Marques Mourão" userId="f6c00371-08d6-47b2-b424-12045b6f5743" providerId="ADAL" clId="{E665EBCA-1E2F-443D-91FD-7BD81644C74D}" dt="2021-12-15T18:56:23.552" v="439" actId="14100"/>
+          <ac:chgData name="João Pedro Marques Mourão" userId="f6c00371-08d6-47b2-b424-12045b6f5743" providerId="ADAL" clId="{E665EBCA-1E2F-443D-91FD-7BD81644C74D}" dt="2021-12-15T19:06:36.461" v="446" actId="2165"/>
           <ac:graphicFrameMkLst>
             <pc:docMk/>
             <pc:sldMk cId="480981145" sldId="290"/>
@@ -24182,6 +24382,1400 @@
           <a:chExt cx="0" cy="0"/>
         </a:xfrm>
       </p:grpSpPr>
+      <p:sp>
+        <p:nvSpPr>
+          <p:cNvPr id="59" name="Rectangle 45">
+            <a:extLst>
+              <a:ext uri="{FF2B5EF4-FFF2-40B4-BE49-F238E27FC236}">
+                <a16:creationId xmlns:a16="http://schemas.microsoft.com/office/drawing/2014/main" id="{BD4C0BBB-0042-4603-A226-6117F3FD5B3C}"/>
+              </a:ext>
+              <a:ext uri="{C183D7F6-B498-43B3-948B-1728B52AA6E4}">
+                <adec:decorative xmlns:adec="http://schemas.microsoft.com/office/drawing/2017/decorative" val="1"/>
+              </a:ext>
+            </a:extLst>
+          </p:cNvPr>
+          <p:cNvSpPr>
+            <a:spLocks noGrp="1" noRot="1" noChangeAspect="1" noMove="1" noResize="1" noEditPoints="1" noAdjustHandles="1" noChangeArrowheads="1" noChangeShapeType="1" noTextEdit="1"/>
+          </p:cNvSpPr>
+          <p:nvPr>
+            <p:extLst>
+              <p:ext uri="{386F3935-93C4-4BCD-93E2-E3B085C9AB24}">
+                <p16:designElem xmlns:p16="http://schemas.microsoft.com/office/powerpoint/2015/main" val="1"/>
+              </p:ext>
+            </p:extLst>
+          </p:nvPr>
+        </p:nvSpPr>
+        <p:spPr>
+          <a:xfrm rot="10800000" flipH="1">
+            <a:off x="0" y="6400799"/>
+            <a:ext cx="12192000" cy="456773"/>
+          </a:xfrm>
+          <a:prstGeom prst="rect">
+            <a:avLst/>
+          </a:prstGeom>
+          <a:gradFill>
+            <a:gsLst>
+              <a:gs pos="14000">
+                <a:schemeClr val="accent4">
+                  <a:alpha val="28000"/>
+                </a:schemeClr>
+              </a:gs>
+              <a:gs pos="100000">
+                <a:schemeClr val="accent5">
+                  <a:alpha val="85000"/>
+                </a:schemeClr>
+              </a:gs>
+            </a:gsLst>
+            <a:lin ang="6000000" scaled="0"/>
+          </a:gradFill>
+          <a:ln>
+            <a:noFill/>
+          </a:ln>
+        </p:spPr>
+        <p:style>
+          <a:lnRef idx="2">
+            <a:schemeClr val="accent1">
+              <a:shade val="50000"/>
+            </a:schemeClr>
+          </a:lnRef>
+          <a:fillRef idx="1">
+            <a:schemeClr val="accent1"/>
+          </a:fillRef>
+          <a:effectRef idx="0">
+            <a:schemeClr val="accent1"/>
+          </a:effectRef>
+          <a:fontRef idx="minor">
+            <a:schemeClr val="lt1"/>
+          </a:fontRef>
+        </p:style>
+        <p:txBody>
+          <a:bodyPr rtlCol="0" anchor="ctr"/>
+          <a:lstStyle/>
+          <a:p>
+            <a:pPr algn="ctr"/>
+            <a:endParaRPr lang="en-US"/>
+          </a:p>
+        </p:txBody>
+      </p:sp>
+      <p:sp>
+        <p:nvSpPr>
+          <p:cNvPr id="60" name="Rectangle 47">
+            <a:extLst>
+              <a:ext uri="{FF2B5EF4-FFF2-40B4-BE49-F238E27FC236}">
+                <a16:creationId xmlns:a16="http://schemas.microsoft.com/office/drawing/2014/main" id="{EC44F520-2598-460E-9F91-B02F60830CA2}"/>
+              </a:ext>
+              <a:ext uri="{C183D7F6-B498-43B3-948B-1728B52AA6E4}">
+                <adec:decorative xmlns:adec="http://schemas.microsoft.com/office/drawing/2017/decorative" val="1"/>
+              </a:ext>
+            </a:extLst>
+          </p:cNvPr>
+          <p:cNvSpPr>
+            <a:spLocks noGrp="1" noRot="1" noChangeAspect="1" noMove="1" noResize="1" noEditPoints="1" noAdjustHandles="1" noChangeArrowheads="1" noChangeShapeType="1" noTextEdit="1"/>
+          </p:cNvSpPr>
+          <p:nvPr>
+            <p:extLst>
+              <p:ext uri="{386F3935-93C4-4BCD-93E2-E3B085C9AB24}">
+                <p16:designElem xmlns:p16="http://schemas.microsoft.com/office/powerpoint/2015/main" val="1"/>
+              </p:ext>
+            </p:extLst>
+          </p:nvPr>
+        </p:nvSpPr>
+        <p:spPr>
+          <a:xfrm flipH="1">
+            <a:off x="4038600" y="6400799"/>
+            <a:ext cx="8153398" cy="456772"/>
+          </a:xfrm>
+          <a:prstGeom prst="rect">
+            <a:avLst/>
+          </a:prstGeom>
+          <a:gradFill>
+            <a:gsLst>
+              <a:gs pos="9000">
+                <a:schemeClr val="accent2">
+                  <a:lumMod val="60000"/>
+                  <a:lumOff val="40000"/>
+                  <a:alpha val="55000"/>
+                </a:schemeClr>
+              </a:gs>
+              <a:gs pos="99000">
+                <a:schemeClr val="accent2"/>
+              </a:gs>
+            </a:gsLst>
+            <a:lin ang="14400000" scaled="0"/>
+          </a:gradFill>
+          <a:ln>
+            <a:noFill/>
+          </a:ln>
+        </p:spPr>
+        <p:style>
+          <a:lnRef idx="2">
+            <a:schemeClr val="accent1">
+              <a:shade val="50000"/>
+            </a:schemeClr>
+          </a:lnRef>
+          <a:fillRef idx="1">
+            <a:schemeClr val="accent1"/>
+          </a:fillRef>
+          <a:effectRef idx="0">
+            <a:schemeClr val="accent1"/>
+          </a:effectRef>
+          <a:fontRef idx="minor">
+            <a:schemeClr val="lt1"/>
+          </a:fontRef>
+        </p:style>
+        <p:txBody>
+          <a:bodyPr rtlCol="0" anchor="ctr"/>
+          <a:lstStyle/>
+          <a:p>
+            <a:pPr algn="ctr"/>
+            <a:endParaRPr lang="en-US"/>
+          </a:p>
+        </p:txBody>
+      </p:sp>
+      <p:sp useBgFill="1">
+        <p:nvSpPr>
+          <p:cNvPr id="61" name="Rectangle 49">
+            <a:extLst>
+              <a:ext uri="{FF2B5EF4-FFF2-40B4-BE49-F238E27FC236}">
+                <a16:creationId xmlns:a16="http://schemas.microsoft.com/office/drawing/2014/main" id="{1DBC8414-BE7E-4B6C-A114-B2C3795C883F}"/>
+              </a:ext>
+              <a:ext uri="{C183D7F6-B498-43B3-948B-1728B52AA6E4}">
+                <adec:decorative xmlns:adec="http://schemas.microsoft.com/office/drawing/2017/decorative" val="1"/>
+              </a:ext>
+            </a:extLst>
+          </p:cNvPr>
+          <p:cNvSpPr>
+            <a:spLocks noGrp="1" noRot="1" noChangeAspect="1" noMove="1" noResize="1" noEditPoints="1" noAdjustHandles="1" noChangeArrowheads="1" noChangeShapeType="1" noTextEdit="1"/>
+          </p:cNvSpPr>
+          <p:nvPr>
+            <p:extLst>
+              <p:ext uri="{386F3935-93C4-4BCD-93E2-E3B085C9AB24}">
+                <p16:designElem xmlns:p16="http://schemas.microsoft.com/office/powerpoint/2015/main" val="1"/>
+              </p:ext>
+            </p:extLst>
+          </p:nvPr>
+        </p:nvSpPr>
+        <p:spPr>
+          <a:xfrm>
+            <a:off x="0" y="0"/>
+            <a:ext cx="12192000" cy="6858000"/>
+          </a:xfrm>
+          <a:prstGeom prst="rect">
+            <a:avLst/>
+          </a:prstGeom>
+          <a:ln w="12700" cap="flat" cmpd="sng" algn="ctr">
+            <a:noFill/>
+            <a:prstDash val="solid"/>
+            <a:miter lim="800000"/>
+          </a:ln>
+          <a:effectLst/>
+          <a:extLst>
+            <a:ext uri="{91240B29-F687-4F45-9708-019B960494DF}">
+              <a14:hiddenLine xmlns:a14="http://schemas.microsoft.com/office/drawing/2010/main" w="12700" cap="flat" cmpd="sng" algn="ctr">
+                <a:solidFill>
+                  <a:schemeClr val="accent1">
+                    <a:shade val="50000"/>
+                  </a:schemeClr>
+                </a:solidFill>
+                <a:prstDash val="solid"/>
+                <a:miter lim="800000"/>
+              </a14:hiddenLine>
+            </a:ext>
+          </a:extLst>
+        </p:spPr>
+        <p:style>
+          <a:lnRef idx="2">
+            <a:schemeClr val="accent1">
+              <a:shade val="50000"/>
+            </a:schemeClr>
+          </a:lnRef>
+          <a:fillRef idx="1">
+            <a:schemeClr val="accent1"/>
+          </a:fillRef>
+          <a:effectRef idx="0">
+            <a:schemeClr val="accent1"/>
+          </a:effectRef>
+          <a:fontRef idx="minor">
+            <a:schemeClr val="lt1"/>
+          </a:fontRef>
+        </p:style>
+        <p:txBody>
+          <a:bodyPr rtlCol="0" anchor="ctr"/>
+          <a:lstStyle/>
+          <a:p>
+            <a:pPr algn="ctr"/>
+            <a:endParaRPr lang="en-US"/>
+          </a:p>
+        </p:txBody>
+      </p:sp>
+      <p:sp>
+        <p:nvSpPr>
+          <p:cNvPr id="62" name="Rectangle 51">
+            <a:extLst>
+              <a:ext uri="{FF2B5EF4-FFF2-40B4-BE49-F238E27FC236}">
+                <a16:creationId xmlns:a16="http://schemas.microsoft.com/office/drawing/2014/main" id="{0EC398C5-5C2E-4038-9DB3-DE2B5A9BEFFB}"/>
+              </a:ext>
+              <a:ext uri="{C183D7F6-B498-43B3-948B-1728B52AA6E4}">
+                <adec:decorative xmlns:adec="http://schemas.microsoft.com/office/drawing/2017/decorative" val="1"/>
+              </a:ext>
+            </a:extLst>
+          </p:cNvPr>
+          <p:cNvSpPr>
+            <a:spLocks noGrp="1" noRot="1" noChangeAspect="1" noMove="1" noResize="1" noEditPoints="1" noAdjustHandles="1" noChangeArrowheads="1" noChangeShapeType="1" noTextEdit="1"/>
+          </p:cNvSpPr>
+          <p:nvPr>
+            <p:extLst>
+              <p:ext uri="{386F3935-93C4-4BCD-93E2-E3B085C9AB24}">
+                <p16:designElem xmlns:p16="http://schemas.microsoft.com/office/powerpoint/2015/main" val="1"/>
+              </p:ext>
+            </p:extLst>
+          </p:nvPr>
+        </p:nvSpPr>
+        <p:spPr>
+          <a:xfrm rot="5400000" flipH="1">
+            <a:off x="-1409318" y="1410082"/>
+            <a:ext cx="6858000" cy="4037835"/>
+          </a:xfrm>
+          <a:prstGeom prst="rect">
+            <a:avLst/>
+          </a:prstGeom>
+          <a:gradFill>
+            <a:gsLst>
+              <a:gs pos="8000">
+                <a:schemeClr val="accent6"/>
+              </a:gs>
+              <a:gs pos="100000">
+                <a:schemeClr val="accent5">
+                  <a:alpha val="89000"/>
+                </a:schemeClr>
+              </a:gs>
+            </a:gsLst>
+            <a:lin ang="3000000" scaled="0"/>
+          </a:gradFill>
+          <a:ln>
+            <a:noFill/>
+          </a:ln>
+        </p:spPr>
+        <p:style>
+          <a:lnRef idx="2">
+            <a:schemeClr val="accent1">
+              <a:shade val="50000"/>
+            </a:schemeClr>
+          </a:lnRef>
+          <a:fillRef idx="1">
+            <a:schemeClr val="accent1"/>
+          </a:fillRef>
+          <a:effectRef idx="0">
+            <a:schemeClr val="accent1"/>
+          </a:effectRef>
+          <a:fontRef idx="minor">
+            <a:schemeClr val="lt1"/>
+          </a:fontRef>
+        </p:style>
+        <p:txBody>
+          <a:bodyPr rtlCol="0" anchor="ctr"/>
+          <a:lstStyle/>
+          <a:p>
+            <a:pPr algn="ctr"/>
+            <a:endParaRPr lang="en-US"/>
+          </a:p>
+        </p:txBody>
+      </p:sp>
+      <p:sp>
+        <p:nvSpPr>
+          <p:cNvPr id="63" name="Rectangle 53">
+            <a:extLst>
+              <a:ext uri="{FF2B5EF4-FFF2-40B4-BE49-F238E27FC236}">
+                <a16:creationId xmlns:a16="http://schemas.microsoft.com/office/drawing/2014/main" id="{A2F10B26-073B-4B10-8AAA-161242DD82B0}"/>
+              </a:ext>
+              <a:ext uri="{C183D7F6-B498-43B3-948B-1728B52AA6E4}">
+                <adec:decorative xmlns:adec="http://schemas.microsoft.com/office/drawing/2017/decorative" val="1"/>
+              </a:ext>
+            </a:extLst>
+          </p:cNvPr>
+          <p:cNvSpPr>
+            <a:spLocks noGrp="1" noRot="1" noChangeAspect="1" noMove="1" noResize="1" noEditPoints="1" noAdjustHandles="1" noChangeArrowheads="1" noChangeShapeType="1" noTextEdit="1"/>
+          </p:cNvSpPr>
+          <p:nvPr>
+            <p:extLst>
+              <p:ext uri="{386F3935-93C4-4BCD-93E2-E3B085C9AB24}">
+                <p16:designElem xmlns:p16="http://schemas.microsoft.com/office/powerpoint/2015/main" val="1"/>
+              </p:ext>
+            </p:extLst>
+          </p:nvPr>
+        </p:nvSpPr>
+        <p:spPr>
+          <a:xfrm rot="5400000" flipH="1">
+            <a:off x="-1153806" y="1153804"/>
+            <a:ext cx="6346209" cy="4038601"/>
+          </a:xfrm>
+          <a:prstGeom prst="rect">
+            <a:avLst/>
+          </a:prstGeom>
+          <a:gradFill>
+            <a:gsLst>
+              <a:gs pos="0">
+                <a:schemeClr val="accent5">
+                  <a:lumMod val="60000"/>
+                  <a:lumOff val="40000"/>
+                  <a:alpha val="0"/>
+                </a:schemeClr>
+              </a:gs>
+              <a:gs pos="99000">
+                <a:schemeClr val="accent2">
+                  <a:alpha val="92000"/>
+                </a:schemeClr>
+              </a:gs>
+            </a:gsLst>
+            <a:lin ang="1800000" scaled="0"/>
+          </a:gradFill>
+          <a:ln>
+            <a:noFill/>
+          </a:ln>
+        </p:spPr>
+        <p:style>
+          <a:lnRef idx="2">
+            <a:schemeClr val="accent1">
+              <a:shade val="50000"/>
+            </a:schemeClr>
+          </a:lnRef>
+          <a:fillRef idx="1">
+            <a:schemeClr val="accent1"/>
+          </a:fillRef>
+          <a:effectRef idx="0">
+            <a:schemeClr val="accent1"/>
+          </a:effectRef>
+          <a:fontRef idx="minor">
+            <a:schemeClr val="lt1"/>
+          </a:fontRef>
+        </p:style>
+        <p:txBody>
+          <a:bodyPr rtlCol="0" anchor="ctr"/>
+          <a:lstStyle/>
+          <a:p>
+            <a:pPr algn="ctr"/>
+            <a:endParaRPr lang="en-US"/>
+          </a:p>
+        </p:txBody>
+      </p:sp>
+      <p:sp>
+        <p:nvSpPr>
+          <p:cNvPr id="64" name="Rectangle 55">
+            <a:extLst>
+              <a:ext uri="{FF2B5EF4-FFF2-40B4-BE49-F238E27FC236}">
+                <a16:creationId xmlns:a16="http://schemas.microsoft.com/office/drawing/2014/main" id="{610DBBC7-698F-4A54-B1CB-A99F9CC356DF}"/>
+              </a:ext>
+              <a:ext uri="{C183D7F6-B498-43B3-948B-1728B52AA6E4}">
+                <adec:decorative xmlns:adec="http://schemas.microsoft.com/office/drawing/2017/decorative" val="1"/>
+              </a:ext>
+            </a:extLst>
+          </p:cNvPr>
+          <p:cNvSpPr>
+            <a:spLocks noGrp="1" noRot="1" noChangeAspect="1" noMove="1" noResize="1" noEditPoints="1" noAdjustHandles="1" noChangeArrowheads="1" noChangeShapeType="1" noTextEdit="1"/>
+          </p:cNvSpPr>
+          <p:nvPr>
+            <p:extLst>
+              <p:ext uri="{386F3935-93C4-4BCD-93E2-E3B085C9AB24}">
+                <p16:designElem xmlns:p16="http://schemas.microsoft.com/office/powerpoint/2015/main" val="1"/>
+              </p:ext>
+            </p:extLst>
+          </p:nvPr>
+        </p:nvSpPr>
+        <p:spPr>
+          <a:xfrm rot="5400000" flipH="1">
+            <a:off x="759574" y="3578975"/>
+            <a:ext cx="2502407" cy="4055644"/>
+          </a:xfrm>
+          <a:prstGeom prst="rect">
+            <a:avLst/>
+          </a:prstGeom>
+          <a:gradFill>
+            <a:gsLst>
+              <a:gs pos="2000">
+                <a:schemeClr val="accent5">
+                  <a:alpha val="28000"/>
+                </a:schemeClr>
+              </a:gs>
+              <a:gs pos="100000">
+                <a:schemeClr val="accent4">
+                  <a:alpha val="0"/>
+                </a:schemeClr>
+              </a:gs>
+            </a:gsLst>
+            <a:lin ang="7800000" scaled="0"/>
+          </a:gradFill>
+          <a:ln>
+            <a:noFill/>
+          </a:ln>
+        </p:spPr>
+        <p:style>
+          <a:lnRef idx="2">
+            <a:schemeClr val="accent1">
+              <a:shade val="50000"/>
+            </a:schemeClr>
+          </a:lnRef>
+          <a:fillRef idx="1">
+            <a:schemeClr val="accent1"/>
+          </a:fillRef>
+          <a:effectRef idx="0">
+            <a:schemeClr val="accent1"/>
+          </a:effectRef>
+          <a:fontRef idx="minor">
+            <a:schemeClr val="lt1"/>
+          </a:fontRef>
+        </p:style>
+        <p:txBody>
+          <a:bodyPr rtlCol="0" anchor="ctr"/>
+          <a:lstStyle/>
+          <a:p>
+            <a:pPr algn="ctr"/>
+            <a:endParaRPr lang="en-US"/>
+          </a:p>
+        </p:txBody>
+      </p:sp>
+      <p:sp>
+        <p:nvSpPr>
+          <p:cNvPr id="58" name="Freeform: Shape 57">
+            <a:extLst>
+              <a:ext uri="{FF2B5EF4-FFF2-40B4-BE49-F238E27FC236}">
+                <a16:creationId xmlns:a16="http://schemas.microsoft.com/office/drawing/2014/main" id="{DE6E822A-8BCF-432C-83E6-BBE821476CD4}"/>
+              </a:ext>
+              <a:ext uri="{C183D7F6-B498-43B3-948B-1728B52AA6E4}">
+                <adec:decorative xmlns:adec="http://schemas.microsoft.com/office/drawing/2017/decorative" val="1"/>
+              </a:ext>
+            </a:extLst>
+          </p:cNvPr>
+          <p:cNvSpPr>
+            <a:spLocks noGrp="1" noRot="1" noChangeAspect="1" noMove="1" noResize="1" noEditPoints="1" noAdjustHandles="1" noChangeArrowheads="1" noChangeShapeType="1" noTextEdit="1"/>
+          </p:cNvSpPr>
+          <p:nvPr>
+            <p:extLst>
+              <p:ext uri="{386F3935-93C4-4BCD-93E2-E3B085C9AB24}">
+                <p16:designElem xmlns:p16="http://schemas.microsoft.com/office/powerpoint/2015/main" val="1"/>
+              </p:ext>
+            </p:extLst>
+          </p:nvPr>
+        </p:nvSpPr>
+        <p:spPr>
+          <a:xfrm rot="6097846">
+            <a:off x="-747355" y="1201312"/>
+            <a:ext cx="4808302" cy="4088666"/>
+          </a:xfrm>
+          <a:custGeom>
+            <a:avLst/>
+            <a:gdLst>
+              <a:gd name="connsiteX0" fmla="*/ 48844 w 4808302"/>
+              <a:gd name="connsiteY0" fmla="*/ 2888671 h 4088666"/>
+              <a:gd name="connsiteX1" fmla="*/ 0 w 4808302"/>
+              <a:gd name="connsiteY1" fmla="*/ 2404151 h 4088666"/>
+              <a:gd name="connsiteX2" fmla="*/ 2404151 w 4808302"/>
+              <a:gd name="connsiteY2" fmla="*/ 0 h 4088666"/>
+              <a:gd name="connsiteX3" fmla="*/ 4808302 w 4808302"/>
+              <a:gd name="connsiteY3" fmla="*/ 2404151 h 4088666"/>
+              <a:gd name="connsiteX4" fmla="*/ 4700216 w 4808302"/>
+              <a:gd name="connsiteY4" fmla="*/ 3119072 h 4088666"/>
+              <a:gd name="connsiteX5" fmla="*/ 4643143 w 4808302"/>
+              <a:gd name="connsiteY5" fmla="*/ 3275009 h 4088666"/>
+              <a:gd name="connsiteX6" fmla="*/ 690093 w 4808302"/>
+              <a:gd name="connsiteY6" fmla="*/ 4088666 h 4088666"/>
+              <a:gd name="connsiteX7" fmla="*/ 548991 w 4808302"/>
+              <a:gd name="connsiteY7" fmla="*/ 3933414 h 4088666"/>
+              <a:gd name="connsiteX8" fmla="*/ 48844 w 4808302"/>
+              <a:gd name="connsiteY8" fmla="*/ 2888671 h 4088666"/>
+            </a:gdLst>
+            <a:ahLst/>
+            <a:cxnLst>
+              <a:cxn ang="0">
+                <a:pos x="connsiteX0" y="connsiteY0"/>
+              </a:cxn>
+              <a:cxn ang="0">
+                <a:pos x="connsiteX1" y="connsiteY1"/>
+              </a:cxn>
+              <a:cxn ang="0">
+                <a:pos x="connsiteX2" y="connsiteY2"/>
+              </a:cxn>
+              <a:cxn ang="0">
+                <a:pos x="connsiteX3" y="connsiteY3"/>
+              </a:cxn>
+              <a:cxn ang="0">
+                <a:pos x="connsiteX4" y="connsiteY4"/>
+              </a:cxn>
+              <a:cxn ang="0">
+                <a:pos x="connsiteX5" y="connsiteY5"/>
+              </a:cxn>
+              <a:cxn ang="0">
+                <a:pos x="connsiteX6" y="connsiteY6"/>
+              </a:cxn>
+              <a:cxn ang="0">
+                <a:pos x="connsiteX7" y="connsiteY7"/>
+              </a:cxn>
+              <a:cxn ang="0">
+                <a:pos x="connsiteX8" y="connsiteY8"/>
+              </a:cxn>
+            </a:cxnLst>
+            <a:rect l="l" t="t" r="r" b="b"/>
+            <a:pathLst>
+              <a:path w="4808302" h="4088666">
+                <a:moveTo>
+                  <a:pt x="48844" y="2888671"/>
+                </a:moveTo>
+                <a:cubicBezTo>
+                  <a:pt x="16818" y="2732167"/>
+                  <a:pt x="0" y="2570123"/>
+                  <a:pt x="0" y="2404151"/>
+                </a:cubicBezTo>
+                <a:cubicBezTo>
+                  <a:pt x="0" y="1076375"/>
+                  <a:pt x="1076375" y="0"/>
+                  <a:pt x="2404151" y="0"/>
+                </a:cubicBezTo>
+                <a:cubicBezTo>
+                  <a:pt x="3731927" y="0"/>
+                  <a:pt x="4808302" y="1076375"/>
+                  <a:pt x="4808302" y="2404151"/>
+                </a:cubicBezTo>
+                <a:cubicBezTo>
+                  <a:pt x="4808302" y="2653109"/>
+                  <a:pt x="4770461" y="2893229"/>
+                  <a:pt x="4700216" y="3119072"/>
+                </a:cubicBezTo>
+                <a:lnTo>
+                  <a:pt x="4643143" y="3275009"/>
+                </a:lnTo>
+                <a:lnTo>
+                  <a:pt x="690093" y="4088666"/>
+                </a:lnTo>
+                <a:lnTo>
+                  <a:pt x="548991" y="3933414"/>
+                </a:lnTo>
+                <a:cubicBezTo>
+                  <a:pt x="304015" y="3636572"/>
+                  <a:pt x="128908" y="3279932"/>
+                  <a:pt x="48844" y="2888671"/>
+                </a:cubicBezTo>
+                <a:close/>
+              </a:path>
+            </a:pathLst>
+          </a:custGeom>
+          <a:gradFill>
+            <a:gsLst>
+              <a:gs pos="13000">
+                <a:schemeClr val="accent4">
+                  <a:lumMod val="20000"/>
+                  <a:lumOff val="80000"/>
+                  <a:alpha val="2000"/>
+                </a:schemeClr>
+              </a:gs>
+              <a:gs pos="100000">
+                <a:schemeClr val="accent6">
+                  <a:alpha val="29000"/>
+                </a:schemeClr>
+              </a:gs>
+            </a:gsLst>
+            <a:lin ang="16800000" scaled="0"/>
+          </a:gradFill>
+          <a:ln>
+            <a:noFill/>
+          </a:ln>
+        </p:spPr>
+        <p:style>
+          <a:lnRef idx="2">
+            <a:schemeClr val="accent1">
+              <a:shade val="50000"/>
+            </a:schemeClr>
+          </a:lnRef>
+          <a:fillRef idx="1">
+            <a:schemeClr val="accent1"/>
+          </a:fillRef>
+          <a:effectRef idx="0">
+            <a:schemeClr val="accent1"/>
+          </a:effectRef>
+          <a:fontRef idx="minor">
+            <a:schemeClr val="lt1"/>
+          </a:fontRef>
+        </p:style>
+        <p:txBody>
+          <a:bodyPr wrap="square" rtlCol="0" anchor="ctr">
+            <a:noAutofit/>
+          </a:bodyPr>
+          <a:lstStyle/>
+          <a:p>
+            <a:pPr algn="ctr"/>
+            <a:endParaRPr lang="en-US" dirty="0"/>
+          </a:p>
+        </p:txBody>
+      </p:sp>
+      <p:sp>
+        <p:nvSpPr>
+          <p:cNvPr id="2" name="Título 1">
+            <a:extLst>
+              <a:ext uri="{FF2B5EF4-FFF2-40B4-BE49-F238E27FC236}">
+                <a16:creationId xmlns:a16="http://schemas.microsoft.com/office/drawing/2014/main" id="{44B92204-69D9-4078-8C8A-9198AA30D74A}"/>
+              </a:ext>
+            </a:extLst>
+          </p:cNvPr>
+          <p:cNvSpPr>
+            <a:spLocks noGrp="1"/>
+          </p:cNvSpPr>
+          <p:nvPr>
+            <p:ph type="title"/>
+          </p:nvPr>
+        </p:nvSpPr>
+        <p:spPr>
+          <a:xfrm>
+            <a:off x="474243" y="681317"/>
+            <a:ext cx="3236613" cy="3406187"/>
+          </a:xfrm>
+        </p:spPr>
+        <p:txBody>
+          <a:bodyPr vert="horz" lIns="0" tIns="0" rIns="0" bIns="0" rtlCol="0" anchor="b">
+            <a:normAutofit/>
+          </a:bodyPr>
+          <a:lstStyle/>
+          <a:p>
+            <a:pPr algn="r"/>
+            <a:r>
+              <a:rPr lang="en-US" sz="1500" spc="750">
+                <a:solidFill>
+                  <a:schemeClr val="bg1"/>
+                </a:solidFill>
+                <a:effectLst/>
+              </a:rPr>
+              <a:t>Especificações do Projeto</a:t>
+            </a:r>
+            <a:br>
+              <a:rPr lang="en-US" sz="1500" spc="750">
+                <a:solidFill>
+                  <a:schemeClr val="bg1"/>
+                </a:solidFill>
+                <a:effectLst/>
+              </a:rPr>
+            </a:br>
+            <a:endParaRPr lang="en-US" sz="1500" spc="750">
+              <a:solidFill>
+                <a:schemeClr val="bg1"/>
+              </a:solidFill>
+            </a:endParaRPr>
+          </a:p>
+        </p:txBody>
+      </p:sp>
+      <p:graphicFrame>
+        <p:nvGraphicFramePr>
+          <p:cNvPr id="10" name="Tabela 10">
+            <a:extLst>
+              <a:ext uri="{FF2B5EF4-FFF2-40B4-BE49-F238E27FC236}">
+                <a16:creationId xmlns:a16="http://schemas.microsoft.com/office/drawing/2014/main" id="{39046BD1-511C-4960-9C61-B4DC328FEA24}"/>
+              </a:ext>
+            </a:extLst>
+          </p:cNvPr>
+          <p:cNvGraphicFramePr>
+            <a:graphicFrameLocks noGrp="1"/>
+          </p:cNvGraphicFramePr>
+          <p:nvPr>
+            <p:ph idx="1"/>
+            <p:extLst>
+              <p:ext uri="{D42A27DB-BD31-4B8C-83A1-F6EECF244321}">
+                <p14:modId xmlns:p14="http://schemas.microsoft.com/office/powerpoint/2010/main" val="3374033259"/>
+              </p:ext>
+            </p:extLst>
+          </p:nvPr>
+        </p:nvGraphicFramePr>
+        <p:xfrm>
+          <a:off x="4055642" y="1"/>
+          <a:ext cx="8153399" cy="6857571"/>
+        </p:xfrm>
+        <a:graphic>
+          <a:graphicData uri="http://schemas.openxmlformats.org/drawingml/2006/table">
+            <a:tbl>
+              <a:tblPr firstRow="1" bandRow="1">
+                <a:tableStyleId>{5C22544A-7EE6-4342-B048-85BDC9FD1C3A}</a:tableStyleId>
+              </a:tblPr>
+              <a:tblGrid>
+                <a:gridCol w="1011279">
+                  <a:extLst>
+                    <a:ext uri="{9D8B030D-6E8A-4147-A177-3AD203B41FA5}">
+                      <a16:colId xmlns:a16="http://schemas.microsoft.com/office/drawing/2014/main" val="1381748901"/>
+                    </a:ext>
+                  </a:extLst>
+                </a:gridCol>
+                <a:gridCol w="5587405">
+                  <a:extLst>
+                    <a:ext uri="{9D8B030D-6E8A-4147-A177-3AD203B41FA5}">
+                      <a16:colId xmlns:a16="http://schemas.microsoft.com/office/drawing/2014/main" val="573002531"/>
+                    </a:ext>
+                  </a:extLst>
+                </a:gridCol>
+                <a:gridCol w="1554715">
+                  <a:extLst>
+                    <a:ext uri="{9D8B030D-6E8A-4147-A177-3AD203B41FA5}">
+                      <a16:colId xmlns:a16="http://schemas.microsoft.com/office/drawing/2014/main" val="3359840312"/>
+                    </a:ext>
+                  </a:extLst>
+                </a:gridCol>
+              </a:tblGrid>
+              <a:tr h="399965">
+                <a:tc>
+                  <a:txBody>
+                    <a:bodyPr/>
+                    <a:lstStyle/>
+                    <a:p>
+                      <a:r>
+                        <a:rPr lang="pt-BR" sz="1800" b="1">
+                          <a:solidFill>
+                            <a:schemeClr val="tx2"/>
+                          </a:solidFill>
+                          <a:effectLst/>
+                        </a:rPr>
+                        <a:t>ID</a:t>
+                      </a:r>
+                    </a:p>
+                  </a:txBody>
+                  <a:tcPr marL="74158" marR="74158" marT="34226" marB="34226" anchor="ctr">
+                    <a:solidFill>
+                      <a:schemeClr val="accent6">
+                        <a:lumMod val="60000"/>
+                        <a:lumOff val="40000"/>
+                      </a:schemeClr>
+                    </a:solidFill>
+                  </a:tcPr>
+                </a:tc>
+                <a:tc>
+                  <a:txBody>
+                    <a:bodyPr/>
+                    <a:lstStyle/>
+                    <a:p>
+                      <a:r>
+                        <a:rPr lang="pt-BR" sz="1800" b="1" dirty="0">
+                          <a:solidFill>
+                            <a:schemeClr val="tx2"/>
+                          </a:solidFill>
+                          <a:effectLst/>
+                        </a:rPr>
+                        <a:t>Descrição do Requisito</a:t>
+                      </a:r>
+                    </a:p>
+                  </a:txBody>
+                  <a:tcPr marL="74158" marR="74158" marT="34226" marB="34226" anchor="ctr">
+                    <a:solidFill>
+                      <a:schemeClr val="accent6">
+                        <a:lumMod val="60000"/>
+                        <a:lumOff val="40000"/>
+                      </a:schemeClr>
+                    </a:solidFill>
+                  </a:tcPr>
+                </a:tc>
+                <a:tc>
+                  <a:txBody>
+                    <a:bodyPr/>
+                    <a:lstStyle/>
+                    <a:p>
+                      <a:r>
+                        <a:rPr lang="pt-BR" sz="1800" b="1">
+                          <a:solidFill>
+                            <a:schemeClr val="tx2"/>
+                          </a:solidFill>
+                          <a:effectLst/>
+                        </a:rPr>
+                        <a:t>Prioridade</a:t>
+                      </a:r>
+                    </a:p>
+                  </a:txBody>
+                  <a:tcPr marL="74158" marR="74158" marT="34226" marB="34226" anchor="ctr">
+                    <a:solidFill>
+                      <a:schemeClr val="accent6">
+                        <a:lumMod val="60000"/>
+                        <a:lumOff val="40000"/>
+                      </a:schemeClr>
+                    </a:solidFill>
+                  </a:tcPr>
+                </a:tc>
+                <a:extLst>
+                  <a:ext uri="{0D108BD9-81ED-4DB2-BD59-A6C34878D82A}">
+                    <a16:rowId xmlns:a16="http://schemas.microsoft.com/office/drawing/2014/main" val="2921396466"/>
+                  </a:ext>
+                </a:extLst>
+              </a:tr>
+              <a:tr h="978653">
+                <a:tc>
+                  <a:txBody>
+                    <a:bodyPr/>
+                    <a:lstStyle/>
+                    <a:p>
+                      <a:r>
+                        <a:rPr lang="pt-BR" sz="1600" dirty="0">
+                          <a:solidFill>
+                            <a:schemeClr val="tx2"/>
+                          </a:solidFill>
+                          <a:effectLst/>
+                        </a:rPr>
+                        <a:t>RF-01</a:t>
+                      </a:r>
+                    </a:p>
+                  </a:txBody>
+                  <a:tcPr marL="74158" marR="74158" marT="34226" marB="34226" anchor="ctr">
+                    <a:solidFill>
+                      <a:schemeClr val="accent6">
+                        <a:lumMod val="60000"/>
+                        <a:lumOff val="40000"/>
+                      </a:schemeClr>
+                    </a:solidFill>
+                  </a:tcPr>
+                </a:tc>
+                <a:tc>
+                  <a:txBody>
+                    <a:bodyPr/>
+                    <a:lstStyle/>
+                    <a:p>
+                      <a:r>
+                        <a:rPr lang="pt-BR" sz="1600" dirty="0">
+                          <a:solidFill>
+                            <a:schemeClr val="tx2"/>
+                          </a:solidFill>
+                          <a:effectLst/>
+                        </a:rPr>
+                        <a:t>O sistema deve ter um cadastro de medicamentos, incluindo: nome, laboratório, dosagem, tipo (comprimido, gota, ampola, </a:t>
+                      </a:r>
+                      <a:r>
+                        <a:rPr lang="pt-BR" sz="1600" dirty="0" err="1">
+                          <a:solidFill>
+                            <a:schemeClr val="tx2"/>
+                          </a:solidFill>
+                          <a:effectLst/>
+                        </a:rPr>
+                        <a:t>etc</a:t>
+                      </a:r>
+                      <a:r>
+                        <a:rPr lang="pt-BR" sz="1600" dirty="0">
+                          <a:solidFill>
+                            <a:schemeClr val="tx2"/>
+                          </a:solidFill>
+                          <a:effectLst/>
+                        </a:rPr>
+                        <a:t>).</a:t>
+                      </a:r>
+                    </a:p>
+                  </a:txBody>
+                  <a:tcPr marL="74158" marR="74158" marT="34226" marB="34226" anchor="ctr">
+                    <a:solidFill>
+                      <a:schemeClr val="accent6">
+                        <a:lumMod val="60000"/>
+                        <a:lumOff val="40000"/>
+                      </a:schemeClr>
+                    </a:solidFill>
+                  </a:tcPr>
+                </a:tc>
+                <a:tc>
+                  <a:txBody>
+                    <a:bodyPr/>
+                    <a:lstStyle/>
+                    <a:p>
+                      <a:r>
+                        <a:rPr lang="pt-BR" sz="1600">
+                          <a:solidFill>
+                            <a:schemeClr val="tx2"/>
+                          </a:solidFill>
+                          <a:effectLst/>
+                        </a:rPr>
+                        <a:t>Alta</a:t>
+                      </a:r>
+                    </a:p>
+                  </a:txBody>
+                  <a:tcPr marL="74158" marR="74158" marT="34226" marB="34226" anchor="ctr">
+                    <a:solidFill>
+                      <a:schemeClr val="accent6">
+                        <a:lumMod val="60000"/>
+                        <a:lumOff val="40000"/>
+                      </a:schemeClr>
+                    </a:solidFill>
+                  </a:tcPr>
+                </a:tc>
+                <a:extLst>
+                  <a:ext uri="{0D108BD9-81ED-4DB2-BD59-A6C34878D82A}">
+                    <a16:rowId xmlns:a16="http://schemas.microsoft.com/office/drawing/2014/main" val="2294309983"/>
+                  </a:ext>
+                </a:extLst>
+              </a:tr>
+              <a:tr h="978653">
+                <a:tc>
+                  <a:txBody>
+                    <a:bodyPr/>
+                    <a:lstStyle/>
+                    <a:p>
+                      <a:r>
+                        <a:rPr lang="pt-BR" sz="1600">
+                          <a:effectLst/>
+                        </a:rPr>
+                        <a:t>RF-02</a:t>
+                      </a:r>
+                    </a:p>
+                  </a:txBody>
+                  <a:tcPr marL="74158" marR="74158" marT="34226" marB="34226" anchor="ctr">
+                    <a:solidFill>
+                      <a:schemeClr val="accent6">
+                        <a:lumMod val="60000"/>
+                        <a:lumOff val="40000"/>
+                      </a:schemeClr>
+                    </a:solidFill>
+                  </a:tcPr>
+                </a:tc>
+                <a:tc>
+                  <a:txBody>
+                    <a:bodyPr/>
+                    <a:lstStyle/>
+                    <a:p>
+                      <a:r>
+                        <a:rPr lang="pt-BR" sz="1600" dirty="0">
+                          <a:effectLst/>
+                        </a:rPr>
+                        <a:t>O sistema deve possuir um banco de dados de medicamentos para seleção do usuário no cadastro de tratamento</a:t>
+                      </a:r>
+                    </a:p>
+                  </a:txBody>
+                  <a:tcPr marL="74158" marR="74158" marT="34226" marB="34226" anchor="ctr">
+                    <a:solidFill>
+                      <a:schemeClr val="accent6">
+                        <a:lumMod val="60000"/>
+                        <a:lumOff val="40000"/>
+                      </a:schemeClr>
+                    </a:solidFill>
+                  </a:tcPr>
+                </a:tc>
+                <a:tc>
+                  <a:txBody>
+                    <a:bodyPr/>
+                    <a:lstStyle/>
+                    <a:p>
+                      <a:r>
+                        <a:rPr lang="pt-BR" sz="1600">
+                          <a:effectLst/>
+                        </a:rPr>
+                        <a:t>Baixa</a:t>
+                      </a:r>
+                    </a:p>
+                  </a:txBody>
+                  <a:tcPr marL="74158" marR="74158" marT="34226" marB="34226" anchor="ctr">
+                    <a:solidFill>
+                      <a:schemeClr val="accent6">
+                        <a:lumMod val="60000"/>
+                        <a:lumOff val="40000"/>
+                      </a:schemeClr>
+                    </a:solidFill>
+                  </a:tcPr>
+                </a:tc>
+                <a:extLst>
+                  <a:ext uri="{0D108BD9-81ED-4DB2-BD59-A6C34878D82A}">
+                    <a16:rowId xmlns:a16="http://schemas.microsoft.com/office/drawing/2014/main" val="3017924123"/>
+                  </a:ext>
+                </a:extLst>
+              </a:tr>
+              <a:tr h="978653">
+                <a:tc>
+                  <a:txBody>
+                    <a:bodyPr/>
+                    <a:lstStyle/>
+                    <a:p>
+                      <a:r>
+                        <a:rPr lang="pt-BR" sz="1600">
+                          <a:effectLst/>
+                        </a:rPr>
+                        <a:t>RF-03</a:t>
+                      </a:r>
+                    </a:p>
+                  </a:txBody>
+                  <a:tcPr marL="74158" marR="74158" marT="34226" marB="34226" anchor="ctr">
+                    <a:solidFill>
+                      <a:schemeClr val="accent6">
+                        <a:lumMod val="60000"/>
+                        <a:lumOff val="40000"/>
+                      </a:schemeClr>
+                    </a:solidFill>
+                  </a:tcPr>
+                </a:tc>
+                <a:tc>
+                  <a:txBody>
+                    <a:bodyPr/>
+                    <a:lstStyle/>
+                    <a:p>
+                      <a:pPr algn="l"/>
+                      <a:r>
+                        <a:rPr lang="pt-BR" sz="1600" dirty="0">
+                          <a:effectLst/>
+                        </a:rPr>
+                        <a:t>O sistema deve permitir cadastro de tratamento, incluindo: nome do medicamento, dosagem, horários de ingestão e duração do tratamento.</a:t>
+                      </a:r>
+                    </a:p>
+                  </a:txBody>
+                  <a:tcPr marL="74158" marR="74158" marT="34226" marB="34226" anchor="ctr">
+                    <a:solidFill>
+                      <a:schemeClr val="accent6">
+                        <a:lumMod val="60000"/>
+                        <a:lumOff val="40000"/>
+                      </a:schemeClr>
+                    </a:solidFill>
+                  </a:tcPr>
+                </a:tc>
+                <a:tc>
+                  <a:txBody>
+                    <a:bodyPr/>
+                    <a:lstStyle/>
+                    <a:p>
+                      <a:r>
+                        <a:rPr lang="pt-BR" sz="1600">
+                          <a:effectLst/>
+                        </a:rPr>
+                        <a:t>Alta</a:t>
+                      </a:r>
+                    </a:p>
+                  </a:txBody>
+                  <a:tcPr marL="74158" marR="74158" marT="34226" marB="34226" anchor="ctr">
+                    <a:solidFill>
+                      <a:schemeClr val="accent6">
+                        <a:lumMod val="60000"/>
+                        <a:lumOff val="40000"/>
+                      </a:schemeClr>
+                    </a:solidFill>
+                  </a:tcPr>
+                </a:tc>
+                <a:extLst>
+                  <a:ext uri="{0D108BD9-81ED-4DB2-BD59-A6C34878D82A}">
+                    <a16:rowId xmlns:a16="http://schemas.microsoft.com/office/drawing/2014/main" val="962828242"/>
+                  </a:ext>
+                </a:extLst>
+              </a:tr>
+              <a:tr h="1267997">
+                <a:tc>
+                  <a:txBody>
+                    <a:bodyPr/>
+                    <a:lstStyle/>
+                    <a:p>
+                      <a:r>
+                        <a:rPr lang="pt-BR" sz="1600">
+                          <a:effectLst/>
+                        </a:rPr>
+                        <a:t>RF-04</a:t>
+                      </a:r>
+                    </a:p>
+                  </a:txBody>
+                  <a:tcPr marL="74158" marR="74158" marT="34226" marB="34226" anchor="ctr">
+                    <a:solidFill>
+                      <a:schemeClr val="accent6">
+                        <a:lumMod val="60000"/>
+                        <a:lumOff val="40000"/>
+                      </a:schemeClr>
+                    </a:solidFill>
+                  </a:tcPr>
+                </a:tc>
+                <a:tc>
+                  <a:txBody>
+                    <a:bodyPr/>
+                    <a:lstStyle/>
+                    <a:p>
+                      <a:r>
+                        <a:rPr lang="pt-BR" sz="1600" dirty="0">
+                          <a:effectLst/>
+                        </a:rPr>
+                        <a:t>O sistema deve apresentar um formulário de cadastro para novos usuários contendo: Tipo de usuário (Paciente / Funcionário da farmácia), nome, CPF, telefone, e-mail, perfil.</a:t>
+                      </a:r>
+                    </a:p>
+                  </a:txBody>
+                  <a:tcPr marL="74158" marR="74158" marT="34226" marB="34226" anchor="ctr">
+                    <a:solidFill>
+                      <a:schemeClr val="accent6">
+                        <a:lumMod val="60000"/>
+                        <a:lumOff val="40000"/>
+                      </a:schemeClr>
+                    </a:solidFill>
+                  </a:tcPr>
+                </a:tc>
+                <a:tc>
+                  <a:txBody>
+                    <a:bodyPr/>
+                    <a:lstStyle/>
+                    <a:p>
+                      <a:r>
+                        <a:rPr lang="pt-BR" sz="1600" dirty="0">
+                          <a:effectLst/>
+                        </a:rPr>
+                        <a:t>Alta</a:t>
+                      </a:r>
+                    </a:p>
+                  </a:txBody>
+                  <a:tcPr marL="74158" marR="74158" marT="34226" marB="34226" anchor="ctr">
+                    <a:solidFill>
+                      <a:schemeClr val="accent6">
+                        <a:lumMod val="60000"/>
+                        <a:lumOff val="40000"/>
+                      </a:schemeClr>
+                    </a:solidFill>
+                  </a:tcPr>
+                </a:tc>
+                <a:extLst>
+                  <a:ext uri="{0D108BD9-81ED-4DB2-BD59-A6C34878D82A}">
+                    <a16:rowId xmlns:a16="http://schemas.microsoft.com/office/drawing/2014/main" val="854542502"/>
+                  </a:ext>
+                </a:extLst>
+              </a:tr>
+              <a:tr h="839170">
+                <a:tc>
+                  <a:txBody>
+                    <a:bodyPr/>
+                    <a:lstStyle/>
+                    <a:p>
+                      <a:r>
+                        <a:rPr lang="pt-BR" sz="1600">
+                          <a:effectLst/>
+                        </a:rPr>
+                        <a:t>RF-13</a:t>
+                      </a:r>
+                    </a:p>
+                  </a:txBody>
+                  <a:tcPr marL="47644" marR="47644" marT="21989" marB="21989" anchor="ctr">
+                    <a:solidFill>
+                      <a:schemeClr val="accent6">
+                        <a:lumMod val="60000"/>
+                        <a:lumOff val="40000"/>
+                      </a:schemeClr>
+                    </a:solidFill>
+                  </a:tcPr>
+                </a:tc>
+                <a:tc>
+                  <a:txBody>
+                    <a:bodyPr/>
+                    <a:lstStyle/>
+                    <a:p>
+                      <a:r>
+                        <a:rPr lang="pt-BR" sz="1600">
+                          <a:effectLst/>
+                        </a:rPr>
+                        <a:t>O sistema deve permitir o registro da qualidade do atendimento das farmácias para futura comparação (Avaliação)</a:t>
+                      </a:r>
+                    </a:p>
+                  </a:txBody>
+                  <a:tcPr marL="47644" marR="47644" marT="21989" marB="21989" anchor="ctr">
+                    <a:solidFill>
+                      <a:schemeClr val="accent6">
+                        <a:lumMod val="60000"/>
+                        <a:lumOff val="40000"/>
+                      </a:schemeClr>
+                    </a:solidFill>
+                  </a:tcPr>
+                </a:tc>
+                <a:tc>
+                  <a:txBody>
+                    <a:bodyPr/>
+                    <a:lstStyle/>
+                    <a:p>
+                      <a:r>
+                        <a:rPr lang="pt-BR" sz="1600" dirty="0">
+                          <a:effectLst/>
+                        </a:rPr>
+                        <a:t>Média</a:t>
+                      </a:r>
+                    </a:p>
+                  </a:txBody>
+                  <a:tcPr marL="47644" marR="47644" marT="21989" marB="21989" anchor="ctr">
+                    <a:solidFill>
+                      <a:schemeClr val="accent6">
+                        <a:lumMod val="60000"/>
+                        <a:lumOff val="40000"/>
+                      </a:schemeClr>
+                    </a:solidFill>
+                  </a:tcPr>
+                </a:tc>
+                <a:extLst>
+                  <a:ext uri="{0D108BD9-81ED-4DB2-BD59-A6C34878D82A}">
+                    <a16:rowId xmlns:a16="http://schemas.microsoft.com/office/drawing/2014/main" val="2037026417"/>
+                  </a:ext>
+                </a:extLst>
+              </a:tr>
+              <a:tr h="839170">
+                <a:tc>
+                  <a:txBody>
+                    <a:bodyPr/>
+                    <a:lstStyle/>
+                    <a:p>
+                      <a:r>
+                        <a:rPr lang="pt-BR" sz="1600">
+                          <a:effectLst/>
+                        </a:rPr>
+                        <a:t>RF-15</a:t>
+                      </a:r>
+                    </a:p>
+                  </a:txBody>
+                  <a:tcPr marL="47644" marR="47644" marT="21989" marB="21989" anchor="ctr">
+                    <a:solidFill>
+                      <a:schemeClr val="accent6">
+                        <a:lumMod val="60000"/>
+                        <a:lumOff val="40000"/>
+                      </a:schemeClr>
+                    </a:solidFill>
+                  </a:tcPr>
+                </a:tc>
+                <a:tc>
+                  <a:txBody>
+                    <a:bodyPr/>
+                    <a:lstStyle/>
+                    <a:p>
+                      <a:r>
+                        <a:rPr lang="pt-BR" sz="1600">
+                          <a:effectLst/>
+                        </a:rPr>
+                        <a:t>O sistema deve conter um formulário que permita ao usuário cadastrar uma nova senha em caso de esquecimento.</a:t>
+                      </a:r>
+                    </a:p>
+                  </a:txBody>
+                  <a:tcPr marL="47644" marR="47644" marT="21989" marB="21989" anchor="ctr">
+                    <a:solidFill>
+                      <a:schemeClr val="accent6">
+                        <a:lumMod val="60000"/>
+                        <a:lumOff val="40000"/>
+                      </a:schemeClr>
+                    </a:solidFill>
+                  </a:tcPr>
+                </a:tc>
+                <a:tc>
+                  <a:txBody>
+                    <a:bodyPr/>
+                    <a:lstStyle/>
+                    <a:p>
+                      <a:r>
+                        <a:rPr lang="pt-BR" sz="1600" dirty="0">
+                          <a:effectLst/>
+                        </a:rPr>
+                        <a:t>Alta</a:t>
+                      </a:r>
+                    </a:p>
+                  </a:txBody>
+                  <a:tcPr marL="47644" marR="47644" marT="21989" marB="21989" anchor="ctr">
+                    <a:solidFill>
+                      <a:schemeClr val="accent6">
+                        <a:lumMod val="60000"/>
+                        <a:lumOff val="40000"/>
+                      </a:schemeClr>
+                    </a:solidFill>
+                  </a:tcPr>
+                </a:tc>
+                <a:extLst>
+                  <a:ext uri="{0D108BD9-81ED-4DB2-BD59-A6C34878D82A}">
+                    <a16:rowId xmlns:a16="http://schemas.microsoft.com/office/drawing/2014/main" val="1624725341"/>
+                  </a:ext>
+                </a:extLst>
+              </a:tr>
+              <a:tr h="575310">
+                <a:tc>
+                  <a:txBody>
+                    <a:bodyPr/>
+                    <a:lstStyle/>
+                    <a:p>
+                      <a:r>
+                        <a:rPr lang="pt-BR" sz="1600">
+                          <a:effectLst/>
+                        </a:rPr>
+                        <a:t>RF-18</a:t>
+                      </a:r>
+                    </a:p>
+                  </a:txBody>
+                  <a:tcPr marL="47644" marR="47644" marT="21989" marB="21989" anchor="ctr">
+                    <a:solidFill>
+                      <a:schemeClr val="accent6">
+                        <a:lumMod val="60000"/>
+                        <a:lumOff val="40000"/>
+                      </a:schemeClr>
+                    </a:solidFill>
+                  </a:tcPr>
+                </a:tc>
+                <a:tc>
+                  <a:txBody>
+                    <a:bodyPr/>
+                    <a:lstStyle/>
+                    <a:p>
+                      <a:r>
+                        <a:rPr lang="pt-BR" sz="1600">
+                          <a:effectLst/>
+                        </a:rPr>
+                        <a:t>O sistema deve apresentar uma página para Visualizar Receita.</a:t>
+                      </a:r>
+                    </a:p>
+                  </a:txBody>
+                  <a:tcPr marL="47644" marR="47644" marT="21989" marB="21989" anchor="ctr">
+                    <a:solidFill>
+                      <a:schemeClr val="accent6">
+                        <a:lumMod val="60000"/>
+                        <a:lumOff val="40000"/>
+                      </a:schemeClr>
+                    </a:solidFill>
+                  </a:tcPr>
+                </a:tc>
+                <a:tc>
+                  <a:txBody>
+                    <a:bodyPr/>
+                    <a:lstStyle/>
+                    <a:p>
+                      <a:r>
+                        <a:rPr lang="pt-BR" sz="1600" dirty="0">
+                          <a:effectLst/>
+                        </a:rPr>
+                        <a:t>Média</a:t>
+                      </a:r>
+                    </a:p>
+                  </a:txBody>
+                  <a:tcPr marL="47644" marR="47644" marT="21989" marB="21989" anchor="ctr">
+                    <a:solidFill>
+                      <a:schemeClr val="accent6">
+                        <a:lumMod val="60000"/>
+                        <a:lumOff val="40000"/>
+                      </a:schemeClr>
+                    </a:solidFill>
+                  </a:tcPr>
+                </a:tc>
+                <a:extLst>
+                  <a:ext uri="{0D108BD9-81ED-4DB2-BD59-A6C34878D82A}">
+                    <a16:rowId xmlns:a16="http://schemas.microsoft.com/office/drawing/2014/main" val="2925180962"/>
+                  </a:ext>
+                </a:extLst>
+              </a:tr>
+            </a:tbl>
+          </a:graphicData>
+        </a:graphic>
+      </p:graphicFrame>
+    </p:spTree>
+    <p:extLst>
+      <p:ext uri="{BB962C8B-B14F-4D97-AF65-F5344CB8AC3E}">
+        <p14:creationId xmlns:p14="http://schemas.microsoft.com/office/powerpoint/2010/main" val="2657081250"/>
+      </p:ext>
+    </p:extLst>
+  </p:cSld>
+  <p:clrMapOvr>
+    <a:masterClrMapping/>
+  </p:clrMapOvr>
+</p:sld>
+</file>
+
+<file path=ppt/slides/slide8.xml><?xml version="1.0" encoding="utf-8"?>
+<p:sld xmlns:a="http://schemas.openxmlformats.org/drawingml/2006/main" xmlns:r="http://schemas.openxmlformats.org/officeDocument/2006/relationships" xmlns:p="http://schemas.openxmlformats.org/presentationml/2006/main">
+  <p:cSld>
+    <p:bg>
+      <p:bgPr>
+        <a:solidFill>
+          <a:schemeClr val="bg1"/>
+        </a:solidFill>
+        <a:effectLst/>
+      </p:bgPr>
+    </p:bg>
+    <p:spTree>
+      <p:nvGrpSpPr>
+        <p:cNvPr id="1" name=""/>
+        <p:cNvGrpSpPr/>
+        <p:nvPr/>
+      </p:nvGrpSpPr>
+      <p:grpSpPr>
+        <a:xfrm>
+          <a:off x="0" y="0"/>
+          <a:ext cx="0" cy="0"/>
+          <a:chOff x="0" y="0"/>
+          <a:chExt cx="0" cy="0"/>
+        </a:xfrm>
+      </p:grpSpPr>
       <p:sp useBgFill="1">
         <p:nvSpPr>
           <p:cNvPr id="15" name="Rectangle 14">
@@ -24725,1403 +26319,14 @@
             <p:ph idx="1"/>
             <p:extLst>
               <p:ext uri="{D42A27DB-BD31-4B8C-83A1-F6EECF244321}">
-                <p14:modId xmlns:p14="http://schemas.microsoft.com/office/powerpoint/2010/main" val="2671491760"/>
+                <p14:modId xmlns:p14="http://schemas.microsoft.com/office/powerpoint/2010/main" val="1720160558"/>
               </p:ext>
             </p:extLst>
           </p:nvPr>
         </p:nvGraphicFramePr>
         <p:xfrm>
           <a:off x="4038220" y="-1"/>
-          <a:ext cx="8153780" cy="6853950"/>
-        </p:xfrm>
-        <a:graphic>
-          <a:graphicData uri="http://schemas.openxmlformats.org/drawingml/2006/table">
-            <a:tbl>
-              <a:tblPr firstRow="1" bandRow="1">
-                <a:tableStyleId>{5C22544A-7EE6-4342-B048-85BDC9FD1C3A}</a:tableStyleId>
-              </a:tblPr>
-              <a:tblGrid>
-                <a:gridCol w="1481471">
-                  <a:extLst>
-                    <a:ext uri="{9D8B030D-6E8A-4147-A177-3AD203B41FA5}">
-                      <a16:colId xmlns:a16="http://schemas.microsoft.com/office/drawing/2014/main" val="1381748901"/>
-                    </a:ext>
-                  </a:extLst>
-                </a:gridCol>
-                <a:gridCol w="4410487">
-                  <a:extLst>
-                    <a:ext uri="{9D8B030D-6E8A-4147-A177-3AD203B41FA5}">
-                      <a16:colId xmlns:a16="http://schemas.microsoft.com/office/drawing/2014/main" val="573002531"/>
-                    </a:ext>
-                  </a:extLst>
-                </a:gridCol>
-                <a:gridCol w="2261822">
-                  <a:extLst>
-                    <a:ext uri="{9D8B030D-6E8A-4147-A177-3AD203B41FA5}">
-                      <a16:colId xmlns:a16="http://schemas.microsoft.com/office/drawing/2014/main" val="3359840312"/>
-                    </a:ext>
-                  </a:extLst>
-                </a:gridCol>
-              </a:tblGrid>
-              <a:tr h="416612">
-                <a:tc>
-                  <a:txBody>
-                    <a:bodyPr/>
-                    <a:lstStyle/>
-                    <a:p>
-                      <a:r>
-                        <a:rPr lang="pt-BR" sz="1200" b="1" dirty="0">
-                          <a:solidFill>
-                            <a:schemeClr val="tx2"/>
-                          </a:solidFill>
-                          <a:effectLst/>
-                        </a:rPr>
-                        <a:t>ID</a:t>
-                      </a:r>
-                    </a:p>
-                  </a:txBody>
-                  <a:tcPr marL="51594" marR="51594" marT="23812" marB="23812" anchor="ctr">
-                    <a:solidFill>
-                      <a:schemeClr val="accent6">
-                        <a:lumMod val="60000"/>
-                        <a:lumOff val="40000"/>
-                      </a:schemeClr>
-                    </a:solidFill>
-                  </a:tcPr>
-                </a:tc>
-                <a:tc>
-                  <a:txBody>
-                    <a:bodyPr/>
-                    <a:lstStyle/>
-                    <a:p>
-                      <a:r>
-                        <a:rPr lang="pt-BR" sz="1200" b="1">
-                          <a:solidFill>
-                            <a:schemeClr val="tx2"/>
-                          </a:solidFill>
-                          <a:effectLst/>
-                        </a:rPr>
-                        <a:t>Descrição do Requisito</a:t>
-                      </a:r>
-                    </a:p>
-                  </a:txBody>
-                  <a:tcPr marL="51594" marR="51594" marT="23812" marB="23812" anchor="ctr">
-                    <a:solidFill>
-                      <a:schemeClr val="accent6">
-                        <a:lumMod val="60000"/>
-                        <a:lumOff val="40000"/>
-                      </a:schemeClr>
-                    </a:solidFill>
-                  </a:tcPr>
-                </a:tc>
-                <a:tc>
-                  <a:txBody>
-                    <a:bodyPr/>
-                    <a:lstStyle/>
-                    <a:p>
-                      <a:r>
-                        <a:rPr lang="pt-BR" sz="1200" b="1" dirty="0">
-                          <a:solidFill>
-                            <a:schemeClr val="tx2"/>
-                          </a:solidFill>
-                          <a:effectLst/>
-                        </a:rPr>
-                        <a:t>Prioridade</a:t>
-                      </a:r>
-                    </a:p>
-                  </a:txBody>
-                  <a:tcPr marL="51594" marR="51594" marT="23812" marB="23812" anchor="ctr">
-                    <a:solidFill>
-                      <a:schemeClr val="accent6">
-                        <a:lumMod val="60000"/>
-                        <a:lumOff val="40000"/>
-                      </a:schemeClr>
-                    </a:solidFill>
-                  </a:tcPr>
-                </a:tc>
-                <a:extLst>
-                  <a:ext uri="{0D108BD9-81ED-4DB2-BD59-A6C34878D82A}">
-                    <a16:rowId xmlns:a16="http://schemas.microsoft.com/office/drawing/2014/main" val="2921396466"/>
-                  </a:ext>
-                </a:extLst>
-              </a:tr>
-              <a:tr h="685395">
-                <a:tc>
-                  <a:txBody>
-                    <a:bodyPr/>
-                    <a:lstStyle/>
-                    <a:p>
-                      <a:r>
-                        <a:rPr lang="pt-BR" sz="1200">
-                          <a:solidFill>
-                            <a:schemeClr val="tx2"/>
-                          </a:solidFill>
-                          <a:effectLst/>
-                        </a:rPr>
-                        <a:t>RF-01</a:t>
-                      </a:r>
-                    </a:p>
-                  </a:txBody>
-                  <a:tcPr marL="51594" marR="51594" marT="23812" marB="23812" anchor="ctr">
-                    <a:solidFill>
-                      <a:schemeClr val="accent6">
-                        <a:lumMod val="60000"/>
-                        <a:lumOff val="40000"/>
-                      </a:schemeClr>
-                    </a:solidFill>
-                  </a:tcPr>
-                </a:tc>
-                <a:tc>
-                  <a:txBody>
-                    <a:bodyPr/>
-                    <a:lstStyle/>
-                    <a:p>
-                      <a:r>
-                        <a:rPr lang="pt-BR" sz="1200" dirty="0">
-                          <a:solidFill>
-                            <a:schemeClr val="tx2"/>
-                          </a:solidFill>
-                          <a:effectLst/>
-                        </a:rPr>
-                        <a:t>O sistema deve ter um cadastro de medicamentos, incluindo: nome, laboratório, dosagem, tipo (comprimido, gota, ampola, </a:t>
-                      </a:r>
-                      <a:r>
-                        <a:rPr lang="pt-BR" sz="1200" dirty="0" err="1">
-                          <a:solidFill>
-                            <a:schemeClr val="tx2"/>
-                          </a:solidFill>
-                          <a:effectLst/>
-                        </a:rPr>
-                        <a:t>etc</a:t>
-                      </a:r>
-                      <a:r>
-                        <a:rPr lang="pt-BR" sz="1200" dirty="0">
-                          <a:solidFill>
-                            <a:schemeClr val="tx2"/>
-                          </a:solidFill>
-                          <a:effectLst/>
-                        </a:rPr>
-                        <a:t>).</a:t>
-                      </a:r>
-                    </a:p>
-                  </a:txBody>
-                  <a:tcPr marL="51594" marR="51594" marT="23812" marB="23812" anchor="ctr">
-                    <a:solidFill>
-                      <a:schemeClr val="accent6">
-                        <a:lumMod val="60000"/>
-                        <a:lumOff val="40000"/>
-                      </a:schemeClr>
-                    </a:solidFill>
-                  </a:tcPr>
-                </a:tc>
-                <a:tc>
-                  <a:txBody>
-                    <a:bodyPr/>
-                    <a:lstStyle/>
-                    <a:p>
-                      <a:r>
-                        <a:rPr lang="pt-BR" sz="1200" dirty="0">
-                          <a:solidFill>
-                            <a:schemeClr val="tx2"/>
-                          </a:solidFill>
-                          <a:effectLst/>
-                        </a:rPr>
-                        <a:t>Alta</a:t>
-                      </a:r>
-                    </a:p>
-                  </a:txBody>
-                  <a:tcPr marL="51594" marR="51594" marT="23812" marB="23812" anchor="ctr">
-                    <a:solidFill>
-                      <a:schemeClr val="accent6">
-                        <a:lumMod val="60000"/>
-                        <a:lumOff val="40000"/>
-                      </a:schemeClr>
-                    </a:solidFill>
-                  </a:tcPr>
-                </a:tc>
-                <a:extLst>
-                  <a:ext uri="{0D108BD9-81ED-4DB2-BD59-A6C34878D82A}">
-                    <a16:rowId xmlns:a16="http://schemas.microsoft.com/office/drawing/2014/main" val="2294309983"/>
-                  </a:ext>
-                </a:extLst>
-              </a:tr>
-              <a:tr h="685395">
-                <a:tc>
-                  <a:txBody>
-                    <a:bodyPr/>
-                    <a:lstStyle/>
-                    <a:p>
-                      <a:r>
-                        <a:rPr lang="pt-BR" sz="1200">
-                          <a:effectLst/>
-                        </a:rPr>
-                        <a:t>RF-02</a:t>
-                      </a:r>
-                    </a:p>
-                  </a:txBody>
-                  <a:tcPr marL="51594" marR="51594" marT="23812" marB="23812" anchor="ctr">
-                    <a:solidFill>
-                      <a:schemeClr val="accent6">
-                        <a:lumMod val="60000"/>
-                        <a:lumOff val="40000"/>
-                      </a:schemeClr>
-                    </a:solidFill>
-                  </a:tcPr>
-                </a:tc>
-                <a:tc>
-                  <a:txBody>
-                    <a:bodyPr/>
-                    <a:lstStyle/>
-                    <a:p>
-                      <a:r>
-                        <a:rPr lang="pt-BR" sz="1200">
-                          <a:effectLst/>
-                        </a:rPr>
-                        <a:t>O sistema deve possuir um banco de dados de medicamentos para seleção do usuário no cadastro de tratamento</a:t>
-                      </a:r>
-                    </a:p>
-                  </a:txBody>
-                  <a:tcPr marL="51594" marR="51594" marT="23812" marB="23812" anchor="ctr">
-                    <a:solidFill>
-                      <a:schemeClr val="accent6">
-                        <a:lumMod val="60000"/>
-                        <a:lumOff val="40000"/>
-                      </a:schemeClr>
-                    </a:solidFill>
-                  </a:tcPr>
-                </a:tc>
-                <a:tc>
-                  <a:txBody>
-                    <a:bodyPr/>
-                    <a:lstStyle/>
-                    <a:p>
-                      <a:r>
-                        <a:rPr lang="pt-BR" sz="1200">
-                          <a:effectLst/>
-                        </a:rPr>
-                        <a:t>Baixa</a:t>
-                      </a:r>
-                    </a:p>
-                  </a:txBody>
-                  <a:tcPr marL="51594" marR="51594" marT="23812" marB="23812" anchor="ctr">
-                    <a:solidFill>
-                      <a:schemeClr val="accent6">
-                        <a:lumMod val="60000"/>
-                        <a:lumOff val="40000"/>
-                      </a:schemeClr>
-                    </a:solidFill>
-                  </a:tcPr>
-                </a:tc>
-                <a:extLst>
-                  <a:ext uri="{0D108BD9-81ED-4DB2-BD59-A6C34878D82A}">
-                    <a16:rowId xmlns:a16="http://schemas.microsoft.com/office/drawing/2014/main" val="3017924123"/>
-                  </a:ext>
-                </a:extLst>
-              </a:tr>
-              <a:tr h="685395">
-                <a:tc>
-                  <a:txBody>
-                    <a:bodyPr/>
-                    <a:lstStyle/>
-                    <a:p>
-                      <a:r>
-                        <a:rPr lang="pt-BR" sz="1200">
-                          <a:effectLst/>
-                        </a:rPr>
-                        <a:t>RF-03</a:t>
-                      </a:r>
-                    </a:p>
-                  </a:txBody>
-                  <a:tcPr marL="51594" marR="51594" marT="23812" marB="23812" anchor="ctr">
-                    <a:solidFill>
-                      <a:schemeClr val="accent6">
-                        <a:lumMod val="60000"/>
-                        <a:lumOff val="40000"/>
-                      </a:schemeClr>
-                    </a:solidFill>
-                  </a:tcPr>
-                </a:tc>
-                <a:tc>
-                  <a:txBody>
-                    <a:bodyPr/>
-                    <a:lstStyle/>
-                    <a:p>
-                      <a:r>
-                        <a:rPr lang="pt-BR" sz="1200" dirty="0">
-                          <a:effectLst/>
-                        </a:rPr>
-                        <a:t>O sistema deve permitir cadastro de tratamento, incluindo: nome do medicamento, dosagem, horários de ingestão e duração do tratamento.</a:t>
-                      </a:r>
-                    </a:p>
-                  </a:txBody>
-                  <a:tcPr marL="51594" marR="51594" marT="23812" marB="23812" anchor="ctr">
-                    <a:solidFill>
-                      <a:schemeClr val="accent6">
-                        <a:lumMod val="60000"/>
-                        <a:lumOff val="40000"/>
-                      </a:schemeClr>
-                    </a:solidFill>
-                  </a:tcPr>
-                </a:tc>
-                <a:tc>
-                  <a:txBody>
-                    <a:bodyPr/>
-                    <a:lstStyle/>
-                    <a:p>
-                      <a:r>
-                        <a:rPr lang="pt-BR" sz="1200">
-                          <a:effectLst/>
-                        </a:rPr>
-                        <a:t>Alta</a:t>
-                      </a:r>
-                    </a:p>
-                  </a:txBody>
-                  <a:tcPr marL="51594" marR="51594" marT="23812" marB="23812" anchor="ctr">
-                    <a:solidFill>
-                      <a:schemeClr val="accent6">
-                        <a:lumMod val="60000"/>
-                        <a:lumOff val="40000"/>
-                      </a:schemeClr>
-                    </a:solidFill>
-                  </a:tcPr>
-                </a:tc>
-                <a:extLst>
-                  <a:ext uri="{0D108BD9-81ED-4DB2-BD59-A6C34878D82A}">
-                    <a16:rowId xmlns:a16="http://schemas.microsoft.com/office/drawing/2014/main" val="962828242"/>
-                  </a:ext>
-                </a:extLst>
-              </a:tr>
-              <a:tr h="954178">
-                <a:tc>
-                  <a:txBody>
-                    <a:bodyPr/>
-                    <a:lstStyle/>
-                    <a:p>
-                      <a:r>
-                        <a:rPr lang="pt-BR" sz="1200">
-                          <a:effectLst/>
-                        </a:rPr>
-                        <a:t>RF-04</a:t>
-                      </a:r>
-                    </a:p>
-                  </a:txBody>
-                  <a:tcPr marL="51594" marR="51594" marT="23812" marB="23812" anchor="ctr">
-                    <a:solidFill>
-                      <a:schemeClr val="accent6">
-                        <a:lumMod val="60000"/>
-                        <a:lumOff val="40000"/>
-                      </a:schemeClr>
-                    </a:solidFill>
-                  </a:tcPr>
-                </a:tc>
-                <a:tc>
-                  <a:txBody>
-                    <a:bodyPr/>
-                    <a:lstStyle/>
-                    <a:p>
-                      <a:r>
-                        <a:rPr lang="pt-BR" sz="1200" dirty="0">
-                          <a:effectLst/>
-                        </a:rPr>
-                        <a:t>O sistema deve apresentar um formulário de cadastro para novos usuários contendo: Tipo de usuário (Paciente / Funcionário da farmácia), nome, CPF, telefone, e-mail, perfil.</a:t>
-                      </a:r>
-                    </a:p>
-                  </a:txBody>
-                  <a:tcPr marL="51594" marR="51594" marT="23812" marB="23812" anchor="ctr">
-                    <a:solidFill>
-                      <a:schemeClr val="accent6">
-                        <a:lumMod val="60000"/>
-                        <a:lumOff val="40000"/>
-                      </a:schemeClr>
-                    </a:solidFill>
-                  </a:tcPr>
-                </a:tc>
-                <a:tc>
-                  <a:txBody>
-                    <a:bodyPr/>
-                    <a:lstStyle/>
-                    <a:p>
-                      <a:r>
-                        <a:rPr lang="pt-BR" sz="1200" dirty="0">
-                          <a:effectLst/>
-                        </a:rPr>
-                        <a:t>Alta</a:t>
-                      </a:r>
-                    </a:p>
-                  </a:txBody>
-                  <a:tcPr marL="51594" marR="51594" marT="23812" marB="23812" anchor="ctr">
-                    <a:solidFill>
-                      <a:schemeClr val="accent6">
-                        <a:lumMod val="60000"/>
-                        <a:lumOff val="40000"/>
-                      </a:schemeClr>
-                    </a:solidFill>
-                  </a:tcPr>
-                </a:tc>
-                <a:extLst>
-                  <a:ext uri="{0D108BD9-81ED-4DB2-BD59-A6C34878D82A}">
-                    <a16:rowId xmlns:a16="http://schemas.microsoft.com/office/drawing/2014/main" val="854542502"/>
-                  </a:ext>
-                </a:extLst>
-              </a:tr>
-              <a:tr h="685395">
-                <a:tc>
-                  <a:txBody>
-                    <a:bodyPr/>
-                    <a:lstStyle/>
-                    <a:p>
-                      <a:r>
-                        <a:rPr lang="pt-BR" sz="1200">
-                          <a:effectLst/>
-                        </a:rPr>
-                        <a:t>RF-05</a:t>
-                      </a:r>
-                    </a:p>
-                  </a:txBody>
-                  <a:tcPr marL="51594" marR="51594" marT="23812" marB="23812" anchor="ctr">
-                    <a:solidFill>
-                      <a:schemeClr val="accent6">
-                        <a:lumMod val="60000"/>
-                        <a:lumOff val="40000"/>
-                      </a:schemeClr>
-                    </a:solidFill>
-                  </a:tcPr>
-                </a:tc>
-                <a:tc>
-                  <a:txBody>
-                    <a:bodyPr/>
-                    <a:lstStyle/>
-                    <a:p>
-                      <a:r>
-                        <a:rPr lang="pt-BR" sz="1200" dirty="0">
-                          <a:effectLst/>
-                        </a:rPr>
-                        <a:t>O sistema deve permitir cadastro de Caixinha de medicamentos, com quantidade alterada quando usuário confirma a ingestão.</a:t>
-                      </a:r>
-                    </a:p>
-                  </a:txBody>
-                  <a:tcPr marL="51594" marR="51594" marT="23812" marB="23812" anchor="ctr">
-                    <a:solidFill>
-                      <a:schemeClr val="accent6">
-                        <a:lumMod val="60000"/>
-                        <a:lumOff val="40000"/>
-                      </a:schemeClr>
-                    </a:solidFill>
-                  </a:tcPr>
-                </a:tc>
-                <a:tc>
-                  <a:txBody>
-                    <a:bodyPr/>
-                    <a:lstStyle/>
-                    <a:p>
-                      <a:r>
-                        <a:rPr lang="pt-BR" sz="1200">
-                          <a:effectLst/>
-                        </a:rPr>
-                        <a:t>Média</a:t>
-                      </a:r>
-                    </a:p>
-                  </a:txBody>
-                  <a:tcPr marL="51594" marR="51594" marT="23812" marB="23812" anchor="ctr">
-                    <a:solidFill>
-                      <a:schemeClr val="accent6">
-                        <a:lumMod val="60000"/>
-                        <a:lumOff val="40000"/>
-                      </a:schemeClr>
-                    </a:solidFill>
-                  </a:tcPr>
-                </a:tc>
-                <a:extLst>
-                  <a:ext uri="{0D108BD9-81ED-4DB2-BD59-A6C34878D82A}">
-                    <a16:rowId xmlns:a16="http://schemas.microsoft.com/office/drawing/2014/main" val="4259498546"/>
-                  </a:ext>
-                </a:extLst>
-              </a:tr>
-              <a:tr h="416612">
-                <a:tc>
-                  <a:txBody>
-                    <a:bodyPr/>
-                    <a:lstStyle/>
-                    <a:p>
-                      <a:r>
-                        <a:rPr lang="pt-BR" sz="1200">
-                          <a:effectLst/>
-                        </a:rPr>
-                        <a:t>RF-06</a:t>
-                      </a:r>
-                    </a:p>
-                  </a:txBody>
-                  <a:tcPr marL="51594" marR="51594" marT="23812" marB="23812" anchor="ctr">
-                    <a:solidFill>
-                      <a:schemeClr val="accent6">
-                        <a:lumMod val="60000"/>
-                        <a:lumOff val="40000"/>
-                      </a:schemeClr>
-                    </a:solidFill>
-                  </a:tcPr>
-                </a:tc>
-                <a:tc>
-                  <a:txBody>
-                    <a:bodyPr/>
-                    <a:lstStyle/>
-                    <a:p>
-                      <a:r>
-                        <a:rPr lang="pt-BR" sz="1200" dirty="0">
-                          <a:effectLst/>
-                        </a:rPr>
-                        <a:t>O cadastro de Caixinha deve incluir data de validade e lote</a:t>
-                      </a:r>
-                    </a:p>
-                  </a:txBody>
-                  <a:tcPr marL="51594" marR="51594" marT="23812" marB="23812" anchor="ctr">
-                    <a:solidFill>
-                      <a:schemeClr val="accent6">
-                        <a:lumMod val="60000"/>
-                        <a:lumOff val="40000"/>
-                      </a:schemeClr>
-                    </a:solidFill>
-                  </a:tcPr>
-                </a:tc>
-                <a:tc>
-                  <a:txBody>
-                    <a:bodyPr/>
-                    <a:lstStyle/>
-                    <a:p>
-                      <a:r>
-                        <a:rPr lang="pt-BR" sz="1200">
-                          <a:effectLst/>
-                        </a:rPr>
-                        <a:t>Baixa</a:t>
-                      </a:r>
-                    </a:p>
-                  </a:txBody>
-                  <a:tcPr marL="51594" marR="51594" marT="23812" marB="23812" anchor="ctr">
-                    <a:solidFill>
-                      <a:schemeClr val="accent6">
-                        <a:lumMod val="60000"/>
-                        <a:lumOff val="40000"/>
-                      </a:schemeClr>
-                    </a:solidFill>
-                  </a:tcPr>
-                </a:tc>
-                <a:extLst>
-                  <a:ext uri="{0D108BD9-81ED-4DB2-BD59-A6C34878D82A}">
-                    <a16:rowId xmlns:a16="http://schemas.microsoft.com/office/drawing/2014/main" val="1469199691"/>
-                  </a:ext>
-                </a:extLst>
-              </a:tr>
-              <a:tr h="685395">
-                <a:tc>
-                  <a:txBody>
-                    <a:bodyPr/>
-                    <a:lstStyle/>
-                    <a:p>
-                      <a:r>
-                        <a:rPr lang="pt-BR" sz="1200">
-                          <a:effectLst/>
-                        </a:rPr>
-                        <a:t>RF-07</a:t>
-                      </a:r>
-                    </a:p>
-                  </a:txBody>
-                  <a:tcPr marL="51594" marR="51594" marT="23812" marB="23812" anchor="ctr">
-                    <a:solidFill>
-                      <a:schemeClr val="accent6">
-                        <a:lumMod val="60000"/>
-                        <a:lumOff val="40000"/>
-                      </a:schemeClr>
-                    </a:solidFill>
-                  </a:tcPr>
-                </a:tc>
-                <a:tc>
-                  <a:txBody>
-                    <a:bodyPr/>
-                    <a:lstStyle/>
-                    <a:p>
-                      <a:r>
-                        <a:rPr lang="pt-BR" sz="1200">
-                          <a:effectLst/>
-                        </a:rPr>
-                        <a:t>O sistema deve emitir alerta com notificação nos horários de ingestão cadastrados no tratamento</a:t>
-                      </a:r>
-                    </a:p>
-                  </a:txBody>
-                  <a:tcPr marL="51594" marR="51594" marT="23812" marB="23812" anchor="ctr">
-                    <a:solidFill>
-                      <a:schemeClr val="accent6">
-                        <a:lumMod val="60000"/>
-                        <a:lumOff val="40000"/>
-                      </a:schemeClr>
-                    </a:solidFill>
-                  </a:tcPr>
-                </a:tc>
-                <a:tc>
-                  <a:txBody>
-                    <a:bodyPr/>
-                    <a:lstStyle/>
-                    <a:p>
-                      <a:r>
-                        <a:rPr lang="pt-BR" sz="1200">
-                          <a:effectLst/>
-                        </a:rPr>
-                        <a:t>Alta</a:t>
-                      </a:r>
-                    </a:p>
-                  </a:txBody>
-                  <a:tcPr marL="51594" marR="51594" marT="23812" marB="23812" anchor="ctr">
-                    <a:solidFill>
-                      <a:schemeClr val="accent6">
-                        <a:lumMod val="60000"/>
-                        <a:lumOff val="40000"/>
-                      </a:schemeClr>
-                    </a:solidFill>
-                  </a:tcPr>
-                </a:tc>
-                <a:extLst>
-                  <a:ext uri="{0D108BD9-81ED-4DB2-BD59-A6C34878D82A}">
-                    <a16:rowId xmlns:a16="http://schemas.microsoft.com/office/drawing/2014/main" val="2883811427"/>
-                  </a:ext>
-                </a:extLst>
-              </a:tr>
-              <a:tr h="954178">
-                <a:tc>
-                  <a:txBody>
-                    <a:bodyPr/>
-                    <a:lstStyle/>
-                    <a:p>
-                      <a:r>
-                        <a:rPr lang="pt-BR" sz="1200">
-                          <a:effectLst/>
-                        </a:rPr>
-                        <a:t>RF-08</a:t>
-                      </a:r>
-                    </a:p>
-                  </a:txBody>
-                  <a:tcPr marL="51594" marR="51594" marT="23812" marB="23812" anchor="ctr">
-                    <a:solidFill>
-                      <a:schemeClr val="accent6">
-                        <a:lumMod val="60000"/>
-                        <a:lumOff val="40000"/>
-                      </a:schemeClr>
-                    </a:solidFill>
-                  </a:tcPr>
-                </a:tc>
-                <a:tc>
-                  <a:txBody>
-                    <a:bodyPr/>
-                    <a:lstStyle/>
-                    <a:p>
-                      <a:r>
-                        <a:rPr lang="pt-BR" sz="1200" dirty="0">
-                          <a:effectLst/>
-                        </a:rPr>
-                        <a:t>O sistema deve emitir alerta de quantidade baixa de medicamento, considerando a quantidade definida pelo usuário (“quando quantidade for menor que X comprimidos”)</a:t>
-                      </a:r>
-                    </a:p>
-                  </a:txBody>
-                  <a:tcPr marL="51594" marR="51594" marT="23812" marB="23812" anchor="ctr">
-                    <a:solidFill>
-                      <a:schemeClr val="accent6">
-                        <a:lumMod val="60000"/>
-                        <a:lumOff val="40000"/>
-                      </a:schemeClr>
-                    </a:solidFill>
-                  </a:tcPr>
-                </a:tc>
-                <a:tc>
-                  <a:txBody>
-                    <a:bodyPr/>
-                    <a:lstStyle/>
-                    <a:p>
-                      <a:r>
-                        <a:rPr lang="pt-BR" sz="1200">
-                          <a:effectLst/>
-                        </a:rPr>
-                        <a:t>Média</a:t>
-                      </a:r>
-                    </a:p>
-                  </a:txBody>
-                  <a:tcPr marL="51594" marR="51594" marT="23812" marB="23812" anchor="ctr">
-                    <a:solidFill>
-                      <a:schemeClr val="accent6">
-                        <a:lumMod val="60000"/>
-                        <a:lumOff val="40000"/>
-                      </a:schemeClr>
-                    </a:solidFill>
-                  </a:tcPr>
-                </a:tc>
-                <a:extLst>
-                  <a:ext uri="{0D108BD9-81ED-4DB2-BD59-A6C34878D82A}">
-                    <a16:rowId xmlns:a16="http://schemas.microsoft.com/office/drawing/2014/main" val="3818984010"/>
-                  </a:ext>
-                </a:extLst>
-              </a:tr>
-              <a:tr h="685395">
-                <a:tc>
-                  <a:txBody>
-                    <a:bodyPr/>
-                    <a:lstStyle/>
-                    <a:p>
-                      <a:r>
-                        <a:rPr lang="pt-BR" sz="1200">
-                          <a:effectLst/>
-                        </a:rPr>
-                        <a:t>RF-09</a:t>
-                      </a:r>
-                    </a:p>
-                  </a:txBody>
-                  <a:tcPr marL="51594" marR="51594" marT="23812" marB="23812" anchor="ctr">
-                    <a:solidFill>
-                      <a:schemeClr val="accent6">
-                        <a:lumMod val="60000"/>
-                        <a:lumOff val="40000"/>
-                      </a:schemeClr>
-                    </a:solidFill>
-                  </a:tcPr>
-                </a:tc>
-                <a:tc>
-                  <a:txBody>
-                    <a:bodyPr/>
-                    <a:lstStyle/>
-                    <a:p>
-                      <a:r>
-                        <a:rPr lang="pt-BR" sz="1200">
-                          <a:effectLst/>
-                        </a:rPr>
-                        <a:t>O sistema deve ter um sistema de localização de farmácias (pode ser pelo Google Maps), considerando a localização atual do usuário</a:t>
-                      </a:r>
-                    </a:p>
-                  </a:txBody>
-                  <a:tcPr marL="51594" marR="51594" marT="23812" marB="23812" anchor="ctr">
-                    <a:solidFill>
-                      <a:schemeClr val="accent6">
-                        <a:lumMod val="60000"/>
-                        <a:lumOff val="40000"/>
-                      </a:schemeClr>
-                    </a:solidFill>
-                  </a:tcPr>
-                </a:tc>
-                <a:tc>
-                  <a:txBody>
-                    <a:bodyPr/>
-                    <a:lstStyle/>
-                    <a:p>
-                      <a:r>
-                        <a:rPr lang="pt-BR" sz="1200" dirty="0">
-                          <a:effectLst/>
-                        </a:rPr>
-                        <a:t>Baixa</a:t>
-                      </a:r>
-                    </a:p>
-                  </a:txBody>
-                  <a:tcPr marL="51594" marR="51594" marT="23812" marB="23812" anchor="ctr">
-                    <a:solidFill>
-                      <a:schemeClr val="accent6">
-                        <a:lumMod val="60000"/>
-                        <a:lumOff val="40000"/>
-                      </a:schemeClr>
-                    </a:solidFill>
-                  </a:tcPr>
-                </a:tc>
-                <a:extLst>
-                  <a:ext uri="{0D108BD9-81ED-4DB2-BD59-A6C34878D82A}">
-                    <a16:rowId xmlns:a16="http://schemas.microsoft.com/office/drawing/2014/main" val="2154748864"/>
-                  </a:ext>
-                </a:extLst>
-              </a:tr>
-            </a:tbl>
-          </a:graphicData>
-        </a:graphic>
-      </p:graphicFrame>
-    </p:spTree>
-    <p:extLst>
-      <p:ext uri="{BB962C8B-B14F-4D97-AF65-F5344CB8AC3E}">
-        <p14:creationId xmlns:p14="http://schemas.microsoft.com/office/powerpoint/2010/main" val="2657081250"/>
-      </p:ext>
-    </p:extLst>
-  </p:cSld>
-  <p:clrMapOvr>
-    <a:masterClrMapping/>
-  </p:clrMapOvr>
-</p:sld>
-</file>
-
-<file path=ppt/slides/slide8.xml><?xml version="1.0" encoding="utf-8"?>
-<p:sld xmlns:a="http://schemas.openxmlformats.org/drawingml/2006/main" xmlns:r="http://schemas.openxmlformats.org/officeDocument/2006/relationships" xmlns:p="http://schemas.openxmlformats.org/presentationml/2006/main">
-  <p:cSld>
-    <p:bg>
-      <p:bgPr>
-        <a:solidFill>
-          <a:schemeClr val="bg1"/>
-        </a:solidFill>
-        <a:effectLst/>
-      </p:bgPr>
-    </p:bg>
-    <p:spTree>
-      <p:nvGrpSpPr>
-        <p:cNvPr id="1" name=""/>
-        <p:cNvGrpSpPr/>
-        <p:nvPr/>
-      </p:nvGrpSpPr>
-      <p:grpSpPr>
-        <a:xfrm>
-          <a:off x="0" y="0"/>
-          <a:ext cx="0" cy="0"/>
-          <a:chOff x="0" y="0"/>
-          <a:chExt cx="0" cy="0"/>
-        </a:xfrm>
-      </p:grpSpPr>
-      <p:sp useBgFill="1">
-        <p:nvSpPr>
-          <p:cNvPr id="15" name="Rectangle 14">
-            <a:extLst>
-              <a:ext uri="{FF2B5EF4-FFF2-40B4-BE49-F238E27FC236}">
-                <a16:creationId xmlns:a16="http://schemas.microsoft.com/office/drawing/2014/main" id="{040BF4A1-714C-419E-A19F-578DE93BE02F}"/>
-              </a:ext>
-              <a:ext uri="{C183D7F6-B498-43B3-948B-1728B52AA6E4}">
-                <adec:decorative xmlns:adec="http://schemas.microsoft.com/office/drawing/2017/decorative" val="1"/>
-              </a:ext>
-            </a:extLst>
-          </p:cNvPr>
-          <p:cNvSpPr>
-            <a:spLocks noGrp="1" noRot="1" noChangeAspect="1" noMove="1" noResize="1" noEditPoints="1" noAdjustHandles="1" noChangeArrowheads="1" noChangeShapeType="1" noTextEdit="1"/>
-          </p:cNvSpPr>
-          <p:nvPr>
-            <p:extLst>
-              <p:ext uri="{386F3935-93C4-4BCD-93E2-E3B085C9AB24}">
-                <p16:designElem xmlns:p16="http://schemas.microsoft.com/office/powerpoint/2015/main" val="1"/>
-              </p:ext>
-            </p:extLst>
-          </p:nvPr>
-        </p:nvSpPr>
-        <p:spPr>
-          <a:xfrm>
-            <a:off x="0" y="0"/>
-            <a:ext cx="12192000" cy="6858000"/>
-          </a:xfrm>
-          <a:prstGeom prst="rect">
-            <a:avLst/>
-          </a:prstGeom>
-          <a:ln w="12700" cap="flat" cmpd="sng" algn="ctr">
-            <a:noFill/>
-            <a:prstDash val="solid"/>
-            <a:miter lim="800000"/>
-          </a:ln>
-          <a:effectLst/>
-          <a:extLst>
-            <a:ext uri="{91240B29-F687-4F45-9708-019B960494DF}">
-              <a14:hiddenLine xmlns:a14="http://schemas.microsoft.com/office/drawing/2010/main" w="12700" cap="flat" cmpd="sng" algn="ctr">
-                <a:solidFill>
-                  <a:schemeClr val="accent1">
-                    <a:shade val="50000"/>
-                  </a:schemeClr>
-                </a:solidFill>
-                <a:prstDash val="solid"/>
-                <a:miter lim="800000"/>
-              </a14:hiddenLine>
-            </a:ext>
-          </a:extLst>
-        </p:spPr>
-        <p:style>
-          <a:lnRef idx="2">
-            <a:schemeClr val="accent1">
-              <a:shade val="50000"/>
-            </a:schemeClr>
-          </a:lnRef>
-          <a:fillRef idx="1">
-            <a:schemeClr val="accent1"/>
-          </a:fillRef>
-          <a:effectRef idx="0">
-            <a:schemeClr val="accent1"/>
-          </a:effectRef>
-          <a:fontRef idx="minor">
-            <a:schemeClr val="lt1"/>
-          </a:fontRef>
-        </p:style>
-        <p:txBody>
-          <a:bodyPr rtlCol="0" anchor="ctr"/>
-          <a:lstStyle/>
-          <a:p>
-            <a:pPr algn="ctr"/>
-            <a:endParaRPr lang="en-US"/>
-          </a:p>
-        </p:txBody>
-      </p:sp>
-      <p:sp>
-        <p:nvSpPr>
-          <p:cNvPr id="17" name="Rectangle 16">
-            <a:extLst>
-              <a:ext uri="{FF2B5EF4-FFF2-40B4-BE49-F238E27FC236}">
-                <a16:creationId xmlns:a16="http://schemas.microsoft.com/office/drawing/2014/main" id="{2F91A9BD-D57F-4941-931F-40597AB37017}"/>
-              </a:ext>
-              <a:ext uri="{C183D7F6-B498-43B3-948B-1728B52AA6E4}">
-                <adec:decorative xmlns:adec="http://schemas.microsoft.com/office/drawing/2017/decorative" val="1"/>
-              </a:ext>
-            </a:extLst>
-          </p:cNvPr>
-          <p:cNvSpPr>
-            <a:spLocks noGrp="1" noRot="1" noChangeAspect="1" noMove="1" noResize="1" noEditPoints="1" noAdjustHandles="1" noChangeArrowheads="1" noChangeShapeType="1" noTextEdit="1"/>
-          </p:cNvSpPr>
-          <p:nvPr>
-            <p:extLst>
-              <p:ext uri="{386F3935-93C4-4BCD-93E2-E3B085C9AB24}">
-                <p16:designElem xmlns:p16="http://schemas.microsoft.com/office/powerpoint/2015/main" val="1"/>
-              </p:ext>
-            </p:extLst>
-          </p:nvPr>
-        </p:nvSpPr>
-        <p:spPr>
-          <a:xfrm rot="16200000" flipH="1">
-            <a:off x="-1409317" y="1410082"/>
-            <a:ext cx="6858000" cy="4037835"/>
-          </a:xfrm>
-          <a:prstGeom prst="rect">
-            <a:avLst/>
-          </a:prstGeom>
-          <a:gradFill>
-            <a:gsLst>
-              <a:gs pos="8000">
-                <a:schemeClr val="accent6"/>
-              </a:gs>
-              <a:gs pos="100000">
-                <a:schemeClr val="accent5">
-                  <a:alpha val="89000"/>
-                </a:schemeClr>
-              </a:gs>
-            </a:gsLst>
-            <a:lin ang="3000000" scaled="0"/>
-          </a:gradFill>
-          <a:ln>
-            <a:noFill/>
-          </a:ln>
-        </p:spPr>
-        <p:style>
-          <a:lnRef idx="2">
-            <a:schemeClr val="accent1">
-              <a:shade val="50000"/>
-            </a:schemeClr>
-          </a:lnRef>
-          <a:fillRef idx="1">
-            <a:schemeClr val="accent1"/>
-          </a:fillRef>
-          <a:effectRef idx="0">
-            <a:schemeClr val="accent1"/>
-          </a:effectRef>
-          <a:fontRef idx="minor">
-            <a:schemeClr val="lt1"/>
-          </a:fontRef>
-        </p:style>
-        <p:txBody>
-          <a:bodyPr rtlCol="0" anchor="ctr"/>
-          <a:lstStyle/>
-          <a:p>
-            <a:pPr algn="ctr"/>
-            <a:endParaRPr lang="en-US"/>
-          </a:p>
-        </p:txBody>
-      </p:sp>
-      <p:sp>
-        <p:nvSpPr>
-          <p:cNvPr id="19" name="Rectangle 18">
-            <a:extLst>
-              <a:ext uri="{FF2B5EF4-FFF2-40B4-BE49-F238E27FC236}">
-                <a16:creationId xmlns:a16="http://schemas.microsoft.com/office/drawing/2014/main" id="{C54DB264-9467-4730-B9E9-C9A97DD66920}"/>
-              </a:ext>
-              <a:ext uri="{C183D7F6-B498-43B3-948B-1728B52AA6E4}">
-                <adec:decorative xmlns:adec="http://schemas.microsoft.com/office/drawing/2017/decorative" val="1"/>
-              </a:ext>
-            </a:extLst>
-          </p:cNvPr>
-          <p:cNvSpPr>
-            <a:spLocks noGrp="1" noRot="1" noChangeAspect="1" noMove="1" noResize="1" noEditPoints="1" noAdjustHandles="1" noChangeArrowheads="1" noChangeShapeType="1" noTextEdit="1"/>
-          </p:cNvSpPr>
-          <p:nvPr>
-            <p:extLst>
-              <p:ext uri="{386F3935-93C4-4BCD-93E2-E3B085C9AB24}">
-                <p16:designElem xmlns:p16="http://schemas.microsoft.com/office/powerpoint/2015/main" val="1"/>
-              </p:ext>
-            </p:extLst>
-          </p:nvPr>
-        </p:nvSpPr>
-        <p:spPr>
-          <a:xfrm rot="16200000" flipH="1">
-            <a:off x="790128" y="3609527"/>
-            <a:ext cx="2458347" cy="4038601"/>
-          </a:xfrm>
-          <a:prstGeom prst="rect">
-            <a:avLst/>
-          </a:prstGeom>
-          <a:gradFill>
-            <a:gsLst>
-              <a:gs pos="0">
-                <a:schemeClr val="accent5">
-                  <a:lumMod val="60000"/>
-                  <a:lumOff val="40000"/>
-                  <a:alpha val="0"/>
-                </a:schemeClr>
-              </a:gs>
-              <a:gs pos="99000">
-                <a:schemeClr val="accent2"/>
-              </a:gs>
-            </a:gsLst>
-            <a:lin ang="3600000" scaled="0"/>
-          </a:gradFill>
-          <a:ln>
-            <a:noFill/>
-          </a:ln>
-        </p:spPr>
-        <p:style>
-          <a:lnRef idx="2">
-            <a:schemeClr val="accent1">
-              <a:shade val="50000"/>
-            </a:schemeClr>
-          </a:lnRef>
-          <a:fillRef idx="1">
-            <a:schemeClr val="accent1"/>
-          </a:fillRef>
-          <a:effectRef idx="0">
-            <a:schemeClr val="accent1"/>
-          </a:effectRef>
-          <a:fontRef idx="minor">
-            <a:schemeClr val="lt1"/>
-          </a:fontRef>
-        </p:style>
-        <p:txBody>
-          <a:bodyPr rtlCol="0" anchor="ctr"/>
-          <a:lstStyle/>
-          <a:p>
-            <a:pPr algn="ctr"/>
-            <a:endParaRPr lang="en-US"/>
-          </a:p>
-        </p:txBody>
-      </p:sp>
-      <p:sp>
-        <p:nvSpPr>
-          <p:cNvPr id="25" name="Freeform: Shape 20">
-            <a:extLst>
-              <a:ext uri="{FF2B5EF4-FFF2-40B4-BE49-F238E27FC236}">
-                <a16:creationId xmlns:a16="http://schemas.microsoft.com/office/drawing/2014/main" id="{BB097F88-2120-47B4-B891-5B28F66BBD4A}"/>
-              </a:ext>
-              <a:ext uri="{C183D7F6-B498-43B3-948B-1728B52AA6E4}">
-                <adec:decorative xmlns:adec="http://schemas.microsoft.com/office/drawing/2017/decorative" val="1"/>
-              </a:ext>
-            </a:extLst>
-          </p:cNvPr>
-          <p:cNvSpPr>
-            <a:spLocks noGrp="1" noRot="1" noChangeAspect="1" noMove="1" noResize="1" noEditPoints="1" noAdjustHandles="1" noChangeArrowheads="1" noChangeShapeType="1" noTextEdit="1"/>
-          </p:cNvSpPr>
-          <p:nvPr>
-            <p:extLst>
-              <p:ext uri="{386F3935-93C4-4BCD-93E2-E3B085C9AB24}">
-                <p16:designElem xmlns:p16="http://schemas.microsoft.com/office/powerpoint/2015/main" val="1"/>
-              </p:ext>
-            </p:extLst>
-          </p:nvPr>
-        </p:nvSpPr>
-        <p:spPr>
-          <a:xfrm rot="20635413">
-            <a:off x="-364227" y="1757079"/>
-            <a:ext cx="3900088" cy="4178958"/>
-          </a:xfrm>
-          <a:custGeom>
-            <a:avLst/>
-            <a:gdLst>
-              <a:gd name="connsiteX0" fmla="*/ 2431956 w 3900088"/>
-              <a:gd name="connsiteY0" fmla="*/ 93939 h 4178958"/>
-              <a:gd name="connsiteX1" fmla="*/ 3900088 w 3900088"/>
-              <a:gd name="connsiteY1" fmla="*/ 2089479 h 4178958"/>
-              <a:gd name="connsiteX2" fmla="*/ 1810609 w 3900088"/>
-              <a:gd name="connsiteY2" fmla="*/ 4178958 h 4178958"/>
-              <a:gd name="connsiteX3" fmla="*/ 77980 w 3900088"/>
-              <a:gd name="connsiteY3" fmla="*/ 3257727 h 4178958"/>
-              <a:gd name="connsiteX4" fmla="*/ 0 w 3900088"/>
-              <a:gd name="connsiteY4" fmla="*/ 3129367 h 4178958"/>
-              <a:gd name="connsiteX5" fmla="*/ 831517 w 3900088"/>
-              <a:gd name="connsiteY5" fmla="*/ 244059 h 4178958"/>
-              <a:gd name="connsiteX6" fmla="*/ 997290 w 3900088"/>
-              <a:gd name="connsiteY6" fmla="*/ 164202 h 4178958"/>
-              <a:gd name="connsiteX7" fmla="*/ 1810609 w 3900088"/>
-              <a:gd name="connsiteY7" fmla="*/ 0 h 4178958"/>
-              <a:gd name="connsiteX8" fmla="*/ 2431956 w 3900088"/>
-              <a:gd name="connsiteY8" fmla="*/ 93939 h 4178958"/>
-            </a:gdLst>
-            <a:ahLst/>
-            <a:cxnLst>
-              <a:cxn ang="0">
-                <a:pos x="connsiteX0" y="connsiteY0"/>
-              </a:cxn>
-              <a:cxn ang="0">
-                <a:pos x="connsiteX1" y="connsiteY1"/>
-              </a:cxn>
-              <a:cxn ang="0">
-                <a:pos x="connsiteX2" y="connsiteY2"/>
-              </a:cxn>
-              <a:cxn ang="0">
-                <a:pos x="connsiteX3" y="connsiteY3"/>
-              </a:cxn>
-              <a:cxn ang="0">
-                <a:pos x="connsiteX4" y="connsiteY4"/>
-              </a:cxn>
-              <a:cxn ang="0">
-                <a:pos x="connsiteX5" y="connsiteY5"/>
-              </a:cxn>
-              <a:cxn ang="0">
-                <a:pos x="connsiteX6" y="connsiteY6"/>
-              </a:cxn>
-              <a:cxn ang="0">
-                <a:pos x="connsiteX7" y="connsiteY7"/>
-              </a:cxn>
-              <a:cxn ang="0">
-                <a:pos x="connsiteX8" y="connsiteY8"/>
-              </a:cxn>
-            </a:cxnLst>
-            <a:rect l="l" t="t" r="r" b="b"/>
-            <a:pathLst>
-              <a:path w="3900088" h="4178958">
-                <a:moveTo>
-                  <a:pt x="2431956" y="93939"/>
-                </a:moveTo>
-                <a:cubicBezTo>
-                  <a:pt x="3282517" y="358491"/>
-                  <a:pt x="3900088" y="1151865"/>
-                  <a:pt x="3900088" y="2089479"/>
-                </a:cubicBezTo>
-                <a:cubicBezTo>
-                  <a:pt x="3900088" y="3243466"/>
-                  <a:pt x="2964596" y="4178958"/>
-                  <a:pt x="1810609" y="4178958"/>
-                </a:cubicBezTo>
-                <a:cubicBezTo>
-                  <a:pt x="1089367" y="4178958"/>
-                  <a:pt x="453475" y="3813531"/>
-                  <a:pt x="77980" y="3257727"/>
-                </a:cubicBezTo>
-                <a:lnTo>
-                  <a:pt x="0" y="3129367"/>
-                </a:lnTo>
-                <a:lnTo>
-                  <a:pt x="831517" y="244059"/>
-                </a:lnTo>
-                <a:lnTo>
-                  <a:pt x="997290" y="164202"/>
-                </a:lnTo>
-                <a:cubicBezTo>
-                  <a:pt x="1247271" y="58468"/>
-                  <a:pt x="1522112" y="0"/>
-                  <a:pt x="1810609" y="0"/>
-                </a:cubicBezTo>
-                <a:cubicBezTo>
-                  <a:pt x="2026982" y="0"/>
-                  <a:pt x="2235673" y="32888"/>
-                  <a:pt x="2431956" y="93939"/>
-                </a:cubicBezTo>
-                <a:close/>
-              </a:path>
-            </a:pathLst>
-          </a:custGeom>
-          <a:gradFill>
-            <a:gsLst>
-              <a:gs pos="36000">
-                <a:schemeClr val="accent6">
-                  <a:lumMod val="60000"/>
-                  <a:lumOff val="40000"/>
-                  <a:alpha val="6000"/>
-                </a:schemeClr>
-              </a:gs>
-              <a:gs pos="100000">
-                <a:schemeClr val="accent6">
-                  <a:alpha val="26000"/>
-                </a:schemeClr>
-              </a:gs>
-            </a:gsLst>
-            <a:lin ang="1800000" scaled="0"/>
-          </a:gradFill>
-          <a:ln>
-            <a:noFill/>
-          </a:ln>
-        </p:spPr>
-        <p:style>
-          <a:lnRef idx="2">
-            <a:schemeClr val="accent1">
-              <a:shade val="50000"/>
-            </a:schemeClr>
-          </a:lnRef>
-          <a:fillRef idx="1">
-            <a:schemeClr val="accent1"/>
-          </a:fillRef>
-          <a:effectRef idx="0">
-            <a:schemeClr val="accent1"/>
-          </a:effectRef>
-          <a:fontRef idx="minor">
-            <a:schemeClr val="lt1"/>
-          </a:fontRef>
-        </p:style>
-        <p:txBody>
-          <a:bodyPr wrap="square" rtlCol="0" anchor="ctr">
-            <a:noAutofit/>
-          </a:bodyPr>
-          <a:lstStyle/>
-          <a:p>
-            <a:pPr algn="ctr"/>
-            <a:endParaRPr lang="en-US" dirty="0"/>
-          </a:p>
-        </p:txBody>
-      </p:sp>
-      <p:sp>
-        <p:nvSpPr>
-          <p:cNvPr id="26" name="Rectangle 22">
-            <a:extLst>
-              <a:ext uri="{FF2B5EF4-FFF2-40B4-BE49-F238E27FC236}">
-                <a16:creationId xmlns:a16="http://schemas.microsoft.com/office/drawing/2014/main" id="{BF9338F5-05AB-4DC5-BD1C-1A9F26C38A7A}"/>
-              </a:ext>
-              <a:ext uri="{C183D7F6-B498-43B3-948B-1728B52AA6E4}">
-                <adec:decorative xmlns:adec="http://schemas.microsoft.com/office/drawing/2017/decorative" val="1"/>
-              </a:ext>
-            </a:extLst>
-          </p:cNvPr>
-          <p:cNvSpPr>
-            <a:spLocks noGrp="1" noRot="1" noChangeAspect="1" noMove="1" noResize="1" noEditPoints="1" noAdjustHandles="1" noChangeArrowheads="1" noChangeShapeType="1" noTextEdit="1"/>
-          </p:cNvSpPr>
-          <p:nvPr>
-            <p:extLst>
-              <p:ext uri="{386F3935-93C4-4BCD-93E2-E3B085C9AB24}">
-                <p16:designElem xmlns:p16="http://schemas.microsoft.com/office/powerpoint/2015/main" val="1"/>
-              </p:ext>
-            </p:extLst>
-          </p:nvPr>
-        </p:nvSpPr>
-        <p:spPr>
-          <a:xfrm rot="5400000" flipH="1">
-            <a:off x="50099" y="411154"/>
-            <a:ext cx="4395601" cy="3581400"/>
-          </a:xfrm>
-          <a:prstGeom prst="rect">
-            <a:avLst/>
-          </a:prstGeom>
-          <a:gradFill>
-            <a:gsLst>
-              <a:gs pos="0">
-                <a:schemeClr val="accent5">
-                  <a:alpha val="29000"/>
-                </a:schemeClr>
-              </a:gs>
-              <a:gs pos="100000">
-                <a:schemeClr val="accent4">
-                  <a:alpha val="0"/>
-                </a:schemeClr>
-              </a:gs>
-            </a:gsLst>
-            <a:lin ang="6600000" scaled="0"/>
-          </a:gradFill>
-          <a:ln>
-            <a:noFill/>
-          </a:ln>
-        </p:spPr>
-        <p:style>
-          <a:lnRef idx="2">
-            <a:schemeClr val="accent1">
-              <a:shade val="50000"/>
-            </a:schemeClr>
-          </a:lnRef>
-          <a:fillRef idx="1">
-            <a:schemeClr val="accent1"/>
-          </a:fillRef>
-          <a:effectRef idx="0">
-            <a:schemeClr val="accent1"/>
-          </a:effectRef>
-          <a:fontRef idx="minor">
-            <a:schemeClr val="lt1"/>
-          </a:fontRef>
-        </p:style>
-        <p:txBody>
-          <a:bodyPr rtlCol="0" anchor="ctr"/>
-          <a:lstStyle/>
-          <a:p>
-            <a:pPr algn="ctr"/>
-            <a:endParaRPr lang="en-US"/>
-          </a:p>
-        </p:txBody>
-      </p:sp>
-      <p:sp>
-        <p:nvSpPr>
-          <p:cNvPr id="2" name="Título 1">
-            <a:extLst>
-              <a:ext uri="{FF2B5EF4-FFF2-40B4-BE49-F238E27FC236}">
-                <a16:creationId xmlns:a16="http://schemas.microsoft.com/office/drawing/2014/main" id="{44B92204-69D9-4078-8C8A-9198AA30D74A}"/>
-              </a:ext>
-            </a:extLst>
-          </p:cNvPr>
-          <p:cNvSpPr>
-            <a:spLocks noGrp="1"/>
-          </p:cNvSpPr>
-          <p:nvPr>
-            <p:ph type="title"/>
-          </p:nvPr>
-        </p:nvSpPr>
-        <p:spPr>
-          <a:xfrm>
-            <a:off x="457200" y="868280"/>
-            <a:ext cx="3390645" cy="3363597"/>
-          </a:xfrm>
-        </p:spPr>
-        <p:txBody>
-          <a:bodyPr>
-            <a:normAutofit/>
-          </a:bodyPr>
-          <a:lstStyle/>
-          <a:p>
-            <a:pPr algn="r"/>
-            <a:r>
-              <a:rPr lang="pt-BR" sz="2200" b="1" i="0">
-                <a:solidFill>
-                  <a:schemeClr val="bg1"/>
-                </a:solidFill>
-                <a:effectLst/>
-                <a:latin typeface="-apple-system"/>
-              </a:rPr>
-              <a:t>Especificações do Projeto</a:t>
-            </a:r>
-            <a:br>
-              <a:rPr lang="pt-BR" sz="2200" b="1" i="0">
-                <a:solidFill>
-                  <a:schemeClr val="bg1"/>
-                </a:solidFill>
-                <a:effectLst/>
-                <a:latin typeface="-apple-system"/>
-              </a:rPr>
-            </a:br>
-            <a:endParaRPr lang="pt-BR" sz="2200">
-              <a:solidFill>
-                <a:schemeClr val="bg1"/>
-              </a:solidFill>
-            </a:endParaRPr>
-          </a:p>
-        </p:txBody>
-      </p:sp>
-      <p:graphicFrame>
-        <p:nvGraphicFramePr>
-          <p:cNvPr id="10" name="Tabela 10">
-            <a:extLst>
-              <a:ext uri="{FF2B5EF4-FFF2-40B4-BE49-F238E27FC236}">
-                <a16:creationId xmlns:a16="http://schemas.microsoft.com/office/drawing/2014/main" id="{39046BD1-511C-4960-9C61-B4DC328FEA24}"/>
-              </a:ext>
-            </a:extLst>
-          </p:cNvPr>
-          <p:cNvGraphicFramePr>
-            <a:graphicFrameLocks noGrp="1"/>
-          </p:cNvGraphicFramePr>
-          <p:nvPr>
-            <p:ph idx="1"/>
-            <p:extLst>
-              <p:ext uri="{D42A27DB-BD31-4B8C-83A1-F6EECF244321}">
-                <p14:modId xmlns:p14="http://schemas.microsoft.com/office/powerpoint/2010/main" val="1829520059"/>
-              </p:ext>
-            </p:extLst>
-          </p:nvPr>
-        </p:nvGraphicFramePr>
-        <p:xfrm>
-          <a:off x="4038220" y="-1"/>
-          <a:ext cx="8153780" cy="6865792"/>
+          <a:ext cx="8153780" cy="2022983"/>
         </p:xfrm>
         <a:graphic>
           <a:graphicData uri="http://schemas.openxmlformats.org/drawingml/2006/table">
@@ -26241,225 +26446,6 @@
                     <a:lstStyle/>
                     <a:p>
                       <a:r>
-                        <a:rPr lang="pt-BR" sz="1200" dirty="0">
-                          <a:effectLst/>
-                        </a:rPr>
-                        <a:t>RF-10</a:t>
-                      </a:r>
-                    </a:p>
-                  </a:txBody>
-                  <a:tcPr marL="51594" marR="51594" marT="23812" marB="23812" anchor="ctr">
-                    <a:solidFill>
-                      <a:schemeClr val="accent6">
-                        <a:lumMod val="60000"/>
-                        <a:lumOff val="40000"/>
-                      </a:schemeClr>
-                    </a:solidFill>
-                  </a:tcPr>
-                </a:tc>
-                <a:tc>
-                  <a:txBody>
-                    <a:bodyPr/>
-                    <a:lstStyle/>
-                    <a:p>
-                      <a:r>
-                        <a:rPr lang="pt-BR" sz="1200" dirty="0">
-                          <a:effectLst/>
-                        </a:rPr>
-                        <a:t>O sistema deve permitir a comparação de preços de um medicamento selecionado entre diversas farmácias</a:t>
-                      </a:r>
-                    </a:p>
-                  </a:txBody>
-                  <a:tcPr marL="51594" marR="51594" marT="23812" marB="23812" anchor="ctr">
-                    <a:solidFill>
-                      <a:schemeClr val="accent6">
-                        <a:lumMod val="60000"/>
-                        <a:lumOff val="40000"/>
-                      </a:schemeClr>
-                    </a:solidFill>
-                  </a:tcPr>
-                </a:tc>
-                <a:tc>
-                  <a:txBody>
-                    <a:bodyPr/>
-                    <a:lstStyle/>
-                    <a:p>
-                      <a:r>
-                        <a:rPr lang="pt-BR" sz="1200" dirty="0">
-                          <a:effectLst/>
-                        </a:rPr>
-                        <a:t>Baixa</a:t>
-                      </a:r>
-                    </a:p>
-                  </a:txBody>
-                  <a:tcPr marL="51594" marR="51594" marT="23812" marB="23812" anchor="ctr">
-                    <a:solidFill>
-                      <a:schemeClr val="accent6">
-                        <a:lumMod val="60000"/>
-                        <a:lumOff val="40000"/>
-                      </a:schemeClr>
-                    </a:solidFill>
-                  </a:tcPr>
-                </a:tc>
-                <a:extLst>
-                  <a:ext uri="{0D108BD9-81ED-4DB2-BD59-A6C34878D82A}">
-                    <a16:rowId xmlns:a16="http://schemas.microsoft.com/office/drawing/2014/main" val="2823979478"/>
-                  </a:ext>
-                </a:extLst>
-              </a:tr>
-              <a:tr h="409489">
-                <a:tc>
-                  <a:txBody>
-                    <a:bodyPr/>
-                    <a:lstStyle/>
-                    <a:p>
-                      <a:r>
-                        <a:rPr lang="pt-BR" sz="1200">
-                          <a:effectLst/>
-                        </a:rPr>
-                        <a:t>RF-11</a:t>
-                      </a:r>
-                    </a:p>
-                  </a:txBody>
-                  <a:tcPr marL="51594" marR="51594" marT="23812" marB="23812" anchor="ctr">
-                    <a:solidFill>
-                      <a:schemeClr val="accent6">
-                        <a:lumMod val="60000"/>
-                        <a:lumOff val="40000"/>
-                      </a:schemeClr>
-                    </a:solidFill>
-                  </a:tcPr>
-                </a:tc>
-                <a:tc>
-                  <a:txBody>
-                    <a:bodyPr/>
-                    <a:lstStyle/>
-                    <a:p>
-                      <a:r>
-                        <a:rPr lang="pt-BR" sz="1200" dirty="0">
-                          <a:effectLst/>
-                        </a:rPr>
-                        <a:t>O sistema deve permitir a inserção e a leitura de bulas de medicamentos</a:t>
-                      </a:r>
-                    </a:p>
-                  </a:txBody>
-                  <a:tcPr marL="51594" marR="51594" marT="23812" marB="23812" anchor="ctr">
-                    <a:solidFill>
-                      <a:schemeClr val="accent6">
-                        <a:lumMod val="60000"/>
-                        <a:lumOff val="40000"/>
-                      </a:schemeClr>
-                    </a:solidFill>
-                  </a:tcPr>
-                </a:tc>
-                <a:tc>
-                  <a:txBody>
-                    <a:bodyPr/>
-                    <a:lstStyle/>
-                    <a:p>
-                      <a:r>
-                        <a:rPr lang="pt-BR" sz="1200">
-                          <a:effectLst/>
-                        </a:rPr>
-                        <a:t>Baixa</a:t>
-                      </a:r>
-                    </a:p>
-                  </a:txBody>
-                  <a:tcPr marL="51594" marR="51594" marT="23812" marB="23812" anchor="ctr">
-                    <a:solidFill>
-                      <a:schemeClr val="accent6">
-                        <a:lumMod val="60000"/>
-                        <a:lumOff val="40000"/>
-                      </a:schemeClr>
-                    </a:solidFill>
-                  </a:tcPr>
-                </a:tc>
-                <a:extLst>
-                  <a:ext uri="{0D108BD9-81ED-4DB2-BD59-A6C34878D82A}">
-                    <a16:rowId xmlns:a16="http://schemas.microsoft.com/office/drawing/2014/main" val="2252873055"/>
-                  </a:ext>
-                </a:extLst>
-              </a:tr>
-              <a:tr h="617215">
-                <a:tc>
-                  <a:txBody>
-                    <a:bodyPr/>
-                    <a:lstStyle/>
-                    <a:p>
-                      <a:r>
-                        <a:rPr lang="pt-BR" sz="1200">
-                          <a:effectLst/>
-                        </a:rPr>
-                        <a:t>RF-12</a:t>
-                      </a:r>
-                    </a:p>
-                  </a:txBody>
-                  <a:tcPr marL="51594" marR="51594" marT="23812" marB="23812" anchor="ctr">
-                    <a:solidFill>
-                      <a:schemeClr val="accent6">
-                        <a:lumMod val="60000"/>
-                        <a:lumOff val="40000"/>
-                      </a:schemeClr>
-                    </a:solidFill>
-                  </a:tcPr>
-                </a:tc>
-                <a:tc>
-                  <a:txBody>
-                    <a:bodyPr/>
-                    <a:lstStyle/>
-                    <a:p>
-                      <a:r>
-                        <a:rPr lang="pt-BR" sz="1200">
-                          <a:effectLst/>
-                        </a:rPr>
-                        <a:t>O sistema deve permitir receber e encaminhar prescrição eletrônica (Importar e exportar)</a:t>
-                      </a:r>
-                    </a:p>
-                  </a:txBody>
-                  <a:tcPr marL="51594" marR="51594" marT="23812" marB="23812" anchor="ctr">
-                    <a:solidFill>
-                      <a:schemeClr val="accent6">
-                        <a:lumMod val="60000"/>
-                        <a:lumOff val="40000"/>
-                      </a:schemeClr>
-                    </a:solidFill>
-                  </a:tcPr>
-                </a:tc>
-                <a:tc>
-                  <a:txBody>
-                    <a:bodyPr/>
-                    <a:lstStyle/>
-                    <a:p>
-                      <a:r>
-                        <a:rPr lang="pt-BR" sz="1200">
-                          <a:effectLst/>
-                        </a:rPr>
-                        <a:t>Baixa</a:t>
-                      </a:r>
-                    </a:p>
-                  </a:txBody>
-                  <a:tcPr marL="51594" marR="51594" marT="23812" marB="23812" anchor="ctr">
-                    <a:solidFill>
-                      <a:schemeClr val="accent6">
-                        <a:lumMod val="60000"/>
-                        <a:lumOff val="40000"/>
-                      </a:schemeClr>
-                    </a:solidFill>
-                  </a:tcPr>
-                </a:tc>
-                <a:extLst>
-                  <a:ext uri="{0D108BD9-81ED-4DB2-BD59-A6C34878D82A}">
-                    <a16:rowId xmlns:a16="http://schemas.microsoft.com/office/drawing/2014/main" val="1634714356"/>
-                  </a:ext>
-                </a:extLst>
-              </a:tr>
-              <a:tr h="617215">
-                <a:tc>
-                  <a:txBody>
-                    <a:bodyPr/>
-                    <a:lstStyle/>
-                    <a:p>
-                      <a:r>
                         <a:rPr lang="pt-BR" sz="1200">
                           <a:effectLst/>
                         </a:rPr>
@@ -26504,7 +26490,7 @@
                     <a:lstStyle/>
                     <a:p>
                       <a:r>
-                        <a:rPr lang="pt-BR" sz="1200">
+                        <a:rPr lang="pt-BR" sz="1200" dirty="0">
                           <a:effectLst/>
                         </a:rPr>
                         <a:t>Média</a:t>
@@ -26523,79 +26509,6 @@
                 <a:extLst>
                   <a:ext uri="{0D108BD9-81ED-4DB2-BD59-A6C34878D82A}">
                     <a16:rowId xmlns:a16="http://schemas.microsoft.com/office/drawing/2014/main" val="995698415"/>
-                  </a:ext>
-                </a:extLst>
-              </a:tr>
-              <a:tr h="617215">
-                <a:tc>
-                  <a:txBody>
-                    <a:bodyPr/>
-                    <a:lstStyle/>
-                    <a:p>
-                      <a:r>
-                        <a:rPr lang="pt-BR" sz="1200">
-                          <a:effectLst/>
-                        </a:rPr>
-                        <a:t>RF-14</a:t>
-                      </a:r>
-                    </a:p>
-                  </a:txBody>
-                  <a:tcPr marL="51594" marR="51594" marT="23812" marB="23812" anchor="ctr">
-                    <a:solidFill>
-                      <a:schemeClr val="accent6">
-                        <a:lumMod val="60000"/>
-                        <a:lumOff val="40000"/>
-                      </a:schemeClr>
-                    </a:solidFill>
-                  </a:tcPr>
-                </a:tc>
-                <a:tc>
-                  <a:txBody>
-                    <a:bodyPr/>
-                    <a:lstStyle/>
-                    <a:p>
-                      <a:r>
-                        <a:rPr lang="pt-BR" sz="1200" dirty="0">
-                          <a:effectLst/>
-                        </a:rPr>
-                        <a:t>O sistema deve apresentar na página principal uma área de login e a opção para se cadastrar ou recuperar senha.</a:t>
-                      </a:r>
-                    </a:p>
-                  </a:txBody>
-                  <a:tcPr marL="51594" marR="51594" marT="23812" marB="23812" anchor="ctr">
-                    <a:solidFill>
-                      <a:schemeClr val="accent6">
-                        <a:lumMod val="60000"/>
-                        <a:lumOff val="40000"/>
-                      </a:schemeClr>
-                    </a:solidFill>
-                  </a:tcPr>
-                </a:tc>
-                <a:tc>
-                  <a:txBody>
-                    <a:bodyPr/>
-                    <a:lstStyle/>
-                    <a:p>
-                      <a:r>
-                        <a:rPr lang="pt-BR" sz="1200">
-                          <a:effectLst/>
-                        </a:rPr>
-                        <a:t>Baixa</a:t>
-                      </a:r>
-                    </a:p>
-                  </a:txBody>
-                  <a:tcPr marL="51594" marR="51594" marT="23812" marB="23812" anchor="ctr">
-                    <a:solidFill>
-                      <a:schemeClr val="accent6">
-                        <a:lumMod val="60000"/>
-                        <a:lumOff val="40000"/>
-                      </a:schemeClr>
-                    </a:solidFill>
-                  </a:tcPr>
-                </a:tc>
-                <a:extLst>
-                  <a:ext uri="{0D108BD9-81ED-4DB2-BD59-A6C34878D82A}">
-                    <a16:rowId xmlns:a16="http://schemas.microsoft.com/office/drawing/2014/main" val="3634425663"/>
                   </a:ext>
                 </a:extLst>
               </a:tr>
@@ -26672,152 +26585,6 @@
                   </a:ext>
                 </a:extLst>
               </a:tr>
-              <a:tr h="617215">
-                <a:tc>
-                  <a:txBody>
-                    <a:bodyPr/>
-                    <a:lstStyle/>
-                    <a:p>
-                      <a:r>
-                        <a:rPr lang="pt-BR" sz="1200">
-                          <a:effectLst/>
-                        </a:rPr>
-                        <a:t>RF-16</a:t>
-                      </a:r>
-                    </a:p>
-                  </a:txBody>
-                  <a:tcPr marL="51594" marR="51594" marT="23812" marB="23812" anchor="ctr">
-                    <a:solidFill>
-                      <a:schemeClr val="accent6">
-                        <a:lumMod val="60000"/>
-                        <a:lumOff val="40000"/>
-                      </a:schemeClr>
-                    </a:solidFill>
-                  </a:tcPr>
-                </a:tc>
-                <a:tc>
-                  <a:txBody>
-                    <a:bodyPr/>
-                    <a:lstStyle/>
-                    <a:p>
-                      <a:r>
-                        <a:rPr lang="pt-BR" sz="1200">
-                          <a:effectLst/>
-                        </a:rPr>
-                        <a:t>O site deve conter área logada (Perfil) que conforme o logon de cada perfil (paciente / Funcionário da farmácia) que deverá mostrar o conteúdo apropriado.</a:t>
-                      </a:r>
-                    </a:p>
-                  </a:txBody>
-                  <a:tcPr marL="51594" marR="51594" marT="23812" marB="23812" anchor="ctr">
-                    <a:solidFill>
-                      <a:schemeClr val="accent6">
-                        <a:lumMod val="60000"/>
-                        <a:lumOff val="40000"/>
-                      </a:schemeClr>
-                    </a:solidFill>
-                  </a:tcPr>
-                </a:tc>
-                <a:tc>
-                  <a:txBody>
-                    <a:bodyPr/>
-                    <a:lstStyle/>
-                    <a:p>
-                      <a:r>
-                        <a:rPr lang="pt-BR" sz="1200">
-                          <a:effectLst/>
-                        </a:rPr>
-                        <a:t>Alta</a:t>
-                      </a:r>
-                    </a:p>
-                  </a:txBody>
-                  <a:tcPr marL="51594" marR="51594" marT="23812" marB="23812" anchor="ctr">
-                    <a:solidFill>
-                      <a:schemeClr val="accent6">
-                        <a:lumMod val="60000"/>
-                        <a:lumOff val="40000"/>
-                      </a:schemeClr>
-                    </a:solidFill>
-                  </a:tcPr>
-                </a:tc>
-                <a:extLst>
-                  <a:ext uri="{0D108BD9-81ED-4DB2-BD59-A6C34878D82A}">
-                    <a16:rowId xmlns:a16="http://schemas.microsoft.com/office/drawing/2014/main" val="3933124526"/>
-                  </a:ext>
-                </a:extLst>
-              </a:tr>
-              <a:tr h="1101305">
-                <a:tc>
-                  <a:txBody>
-                    <a:bodyPr/>
-                    <a:lstStyle/>
-                    <a:p>
-                      <a:r>
-                        <a:rPr lang="pt-BR" sz="1200">
-                          <a:effectLst/>
-                        </a:rPr>
-                        <a:t>RF-17</a:t>
-                      </a:r>
-                    </a:p>
-                  </a:txBody>
-                  <a:tcPr marL="51594" marR="51594" marT="23812" marB="23812" anchor="ctr">
-                    <a:solidFill>
-                      <a:schemeClr val="accent6">
-                        <a:lumMod val="60000"/>
-                        <a:lumOff val="40000"/>
-                      </a:schemeClr>
-                    </a:solidFill>
-                  </a:tcPr>
-                </a:tc>
-                <a:tc>
-                  <a:txBody>
-                    <a:bodyPr/>
-                    <a:lstStyle/>
-                    <a:p>
-                      <a:r>
-                        <a:rPr lang="pt-BR" sz="1200" dirty="0">
-                          <a:effectLst/>
-                        </a:rPr>
-                        <a:t>A tela Perfil deve contemplar informações importantes para ambos os tipos de usuários como: Tratamentos, Medicamentos, Alarme, Menor preço de medicamentos, Cadastrar medicamento, Visualizar receita, Cadastrar tratamento (Considerando o tipo de cada perfil)</a:t>
-                      </a:r>
-                    </a:p>
-                  </a:txBody>
-                  <a:tcPr marL="51594" marR="51594" marT="23812" marB="23812" anchor="ctr">
-                    <a:solidFill>
-                      <a:schemeClr val="accent6">
-                        <a:lumMod val="60000"/>
-                        <a:lumOff val="40000"/>
-                      </a:schemeClr>
-                    </a:solidFill>
-                  </a:tcPr>
-                </a:tc>
-                <a:tc>
-                  <a:txBody>
-                    <a:bodyPr/>
-                    <a:lstStyle/>
-                    <a:p>
-                      <a:r>
-                        <a:rPr lang="pt-BR" sz="1200" dirty="0">
-                          <a:effectLst/>
-                        </a:rPr>
-                        <a:t>Alta</a:t>
-                      </a:r>
-                    </a:p>
-                  </a:txBody>
-                  <a:tcPr marL="51594" marR="51594" marT="23812" marB="23812" anchor="ctr">
-                    <a:solidFill>
-                      <a:schemeClr val="accent6">
-                        <a:lumMod val="60000"/>
-                        <a:lumOff val="40000"/>
-                      </a:schemeClr>
-                    </a:solidFill>
-                  </a:tcPr>
-                </a:tc>
-                <a:extLst>
-                  <a:ext uri="{0D108BD9-81ED-4DB2-BD59-A6C34878D82A}">
-                    <a16:rowId xmlns:a16="http://schemas.microsoft.com/office/drawing/2014/main" val="837801980"/>
-                  </a:ext>
-                </a:extLst>
-              </a:tr>
               <a:tr h="409489">
                 <a:tc>
                   <a:txBody>
@@ -26888,79 +26655,6 @@
                 <a:extLst>
                   <a:ext uri="{0D108BD9-81ED-4DB2-BD59-A6C34878D82A}">
                     <a16:rowId xmlns:a16="http://schemas.microsoft.com/office/drawing/2014/main" val="3258247398"/>
-                  </a:ext>
-                </a:extLst>
-              </a:tr>
-              <a:tr h="859260">
-                <a:tc>
-                  <a:txBody>
-                    <a:bodyPr/>
-                    <a:lstStyle/>
-                    <a:p>
-                      <a:r>
-                        <a:rPr lang="pt-BR" sz="1200">
-                          <a:effectLst/>
-                        </a:rPr>
-                        <a:t>RF-19</a:t>
-                      </a:r>
-                    </a:p>
-                  </a:txBody>
-                  <a:tcPr marL="51594" marR="51594" marT="23812" marB="23812" anchor="ctr">
-                    <a:solidFill>
-                      <a:schemeClr val="accent6">
-                        <a:lumMod val="60000"/>
-                        <a:lumOff val="40000"/>
-                      </a:schemeClr>
-                    </a:solidFill>
-                  </a:tcPr>
-                </a:tc>
-                <a:tc>
-                  <a:txBody>
-                    <a:bodyPr/>
-                    <a:lstStyle/>
-                    <a:p>
-                      <a:r>
-                        <a:rPr lang="pt-BR" sz="1200" dirty="0">
-                          <a:effectLst/>
-                        </a:rPr>
-                        <a:t>O sistema deve monitorar a localização do usuário e emitir alerta quando este se deslocar da sua residência (cadastrada no perfil) para que leve os remédios do tratamento cadastrado</a:t>
-                      </a:r>
-                    </a:p>
-                  </a:txBody>
-                  <a:tcPr marL="51594" marR="51594" marT="23812" marB="23812" anchor="ctr">
-                    <a:solidFill>
-                      <a:schemeClr val="accent6">
-                        <a:lumMod val="60000"/>
-                        <a:lumOff val="40000"/>
-                      </a:schemeClr>
-                    </a:solidFill>
-                  </a:tcPr>
-                </a:tc>
-                <a:tc>
-                  <a:txBody>
-                    <a:bodyPr/>
-                    <a:lstStyle/>
-                    <a:p>
-                      <a:r>
-                        <a:rPr lang="pt-BR" sz="1200" dirty="0">
-                          <a:effectLst/>
-                        </a:rPr>
-                        <a:t>Baixa</a:t>
-                      </a:r>
-                    </a:p>
-                  </a:txBody>
-                  <a:tcPr marL="51594" marR="51594" marT="23812" marB="23812" anchor="ctr">
-                    <a:solidFill>
-                      <a:schemeClr val="accent6">
-                        <a:lumMod val="60000"/>
-                        <a:lumOff val="40000"/>
-                      </a:schemeClr>
-                    </a:solidFill>
-                  </a:tcPr>
-                </a:tc>
-                <a:extLst>
-                  <a:ext uri="{0D108BD9-81ED-4DB2-BD59-A6C34878D82A}">
-                    <a16:rowId xmlns:a16="http://schemas.microsoft.com/office/drawing/2014/main" val="1394488389"/>
                   </a:ext>
                 </a:extLst>
               </a:tr>
